--- a/python-data/slides/02_python_text_formats.pptx
+++ b/python-data/slides/02_python_text_formats.pptx
@@ -5,7 +5,7 @@
     <p:sldMasterId id="2147483660" r:id="rId1"/>
   </p:sldMasterIdLst>
   <p:notesMasterIdLst>
-    <p:notesMasterId r:id="rId25"/>
+    <p:notesMasterId r:id="rId27"/>
   </p:notesMasterIdLst>
   <p:sldIdLst>
     <p:sldId id="319" r:id="rId2"/>
@@ -31,6 +31,8 @@
     <p:sldId id="318" r:id="rId22"/>
     <p:sldId id="308" r:id="rId23"/>
     <p:sldId id="316" r:id="rId24"/>
+    <p:sldId id="320" r:id="rId25"/>
+    <p:sldId id="321" r:id="rId26"/>
   </p:sldIdLst>
   <p:sldSz cx="9144000" cy="6858000" type="screen4x3"/>
   <p:notesSz cx="6858000" cy="9144000"/>
@@ -278,7 +280,7 @@
               <a:pPr>
                 <a:defRPr/>
               </a:pPr>
-              <a:t>09/10/2018</a:t>
+              <a:t>28/02/2023</a:t>
             </a:fld>
             <a:endParaRPr lang="en-GB"/>
           </a:p>
@@ -314,7 +316,7 @@
           <a:lstStyle/>
           <a:p>
             <a:pPr lvl="0"/>
-            <a:endParaRPr lang="en-GB" noProof="0" smtClean="0"/>
+            <a:endParaRPr lang="en-GB" noProof="0"/>
           </a:p>
         </p:txBody>
       </p:sp>
@@ -343,38 +345,38 @@
           <a:p>
             <a:pPr lvl="0"/>
             <a:r>
-              <a:rPr lang="en-US" noProof="0" smtClean="0"/>
+              <a:rPr lang="en-US" noProof="0"/>
               <a:t>Click to edit Master text styles</a:t>
             </a:r>
           </a:p>
           <a:p>
             <a:pPr lvl="1"/>
             <a:r>
-              <a:rPr lang="en-US" noProof="0" smtClean="0"/>
+              <a:rPr lang="en-US" noProof="0"/>
               <a:t>Second level</a:t>
             </a:r>
           </a:p>
           <a:p>
             <a:pPr lvl="2"/>
             <a:r>
-              <a:rPr lang="en-US" noProof="0" smtClean="0"/>
+              <a:rPr lang="en-US" noProof="0"/>
               <a:t>Third level</a:t>
             </a:r>
           </a:p>
           <a:p>
             <a:pPr lvl="3"/>
             <a:r>
-              <a:rPr lang="en-US" noProof="0" smtClean="0"/>
+              <a:rPr lang="en-US" noProof="0"/>
               <a:t>Fourth level</a:t>
             </a:r>
           </a:p>
           <a:p>
             <a:pPr lvl="4"/>
             <a:r>
-              <a:rPr lang="en-US" noProof="0" smtClean="0"/>
+              <a:rPr lang="en-US" noProof="0"/>
               <a:t>Fifth level</a:t>
             </a:r>
-            <a:endParaRPr lang="en-GB" noProof="0" smtClean="0"/>
+            <a:endParaRPr lang="en-GB" noProof="0"/>
           </a:p>
         </p:txBody>
       </p:sp>
@@ -685,7 +687,7 @@
                 <a:spcPct val="0"/>
               </a:spcBef>
             </a:pPr>
-            <a:endParaRPr lang="en-GB" altLang="en-US" smtClean="0"/>
+            <a:endParaRPr lang="en-GB" altLang="en-US"/>
           </a:p>
         </p:txBody>
       </p:sp>
@@ -853,7 +855,7 @@
               </a:pPr>
               <a:t>2</a:t>
             </a:fld>
-            <a:endParaRPr lang="en-GB" altLang="en-US" smtClean="0">
+            <a:endParaRPr lang="en-GB" altLang="en-US">
               <a:latin typeface="Arial" panose="020B0604020202020204" pitchFamily="34" charset="0"/>
             </a:endParaRPr>
           </a:p>
@@ -955,7 +957,7 @@
           </a:bodyPr>
           <a:lstStyle/>
           <a:p>
-            <a:endParaRPr lang="en-GB" altLang="en-US" smtClean="0"/>
+            <a:endParaRPr lang="en-GB" altLang="en-US"/>
           </a:p>
         </p:txBody>
       </p:sp>
@@ -1123,7 +1125,7 @@
               </a:pPr>
               <a:t>11</a:t>
             </a:fld>
-            <a:endParaRPr lang="en-GB" altLang="en-US" smtClean="0">
+            <a:endParaRPr lang="en-GB" altLang="en-US">
               <a:latin typeface="Arial" panose="020B0604020202020204" pitchFamily="34" charset="0"/>
             </a:endParaRPr>
           </a:p>
@@ -1225,7 +1227,7 @@
           </a:bodyPr>
           <a:lstStyle/>
           <a:p>
-            <a:endParaRPr lang="en-GB" altLang="en-US" smtClean="0"/>
+            <a:endParaRPr lang="en-GB" altLang="en-US"/>
           </a:p>
         </p:txBody>
       </p:sp>
@@ -1393,7 +1395,7 @@
               </a:pPr>
               <a:t>12</a:t>
             </a:fld>
-            <a:endParaRPr lang="en-GB" altLang="en-US" smtClean="0">
+            <a:endParaRPr lang="en-GB" altLang="en-US">
               <a:latin typeface="Arial" panose="020B0604020202020204" pitchFamily="34" charset="0"/>
             </a:endParaRPr>
           </a:p>
@@ -1495,7 +1497,7 @@
           </a:bodyPr>
           <a:lstStyle/>
           <a:p>
-            <a:endParaRPr lang="en-GB" altLang="en-US" smtClean="0"/>
+            <a:endParaRPr lang="en-GB" altLang="en-US"/>
           </a:p>
         </p:txBody>
       </p:sp>
@@ -1663,7 +1665,7 @@
               </a:pPr>
               <a:t>13</a:t>
             </a:fld>
-            <a:endParaRPr lang="en-GB" altLang="en-US" smtClean="0">
+            <a:endParaRPr lang="en-GB" altLang="en-US">
               <a:latin typeface="Arial" panose="020B0604020202020204" pitchFamily="34" charset="0"/>
             </a:endParaRPr>
           </a:p>
@@ -1765,7 +1767,7 @@
           </a:bodyPr>
           <a:lstStyle/>
           <a:p>
-            <a:endParaRPr lang="en-GB" altLang="en-US" smtClean="0"/>
+            <a:endParaRPr lang="en-GB" altLang="en-US"/>
           </a:p>
         </p:txBody>
       </p:sp>
@@ -1933,7 +1935,7 @@
               </a:pPr>
               <a:t>14</a:t>
             </a:fld>
-            <a:endParaRPr lang="en-GB" altLang="en-US" smtClean="0">
+            <a:endParaRPr lang="en-GB" altLang="en-US">
               <a:latin typeface="Arial" panose="020B0604020202020204" pitchFamily="34" charset="0"/>
             </a:endParaRPr>
           </a:p>
@@ -2035,7 +2037,7 @@
           </a:bodyPr>
           <a:lstStyle/>
           <a:p>
-            <a:endParaRPr lang="en-GB" altLang="en-US" smtClean="0"/>
+            <a:endParaRPr lang="en-GB" altLang="en-US"/>
           </a:p>
         </p:txBody>
       </p:sp>
@@ -2203,7 +2205,7 @@
               </a:pPr>
               <a:t>15</a:t>
             </a:fld>
-            <a:endParaRPr lang="en-GB" altLang="en-US" smtClean="0">
+            <a:endParaRPr lang="en-GB" altLang="en-US">
               <a:latin typeface="Arial" panose="020B0604020202020204" pitchFamily="34" charset="0"/>
             </a:endParaRPr>
           </a:p>
@@ -2305,7 +2307,7 @@
           </a:bodyPr>
           <a:lstStyle/>
           <a:p>
-            <a:endParaRPr lang="en-GB" altLang="en-US" smtClean="0"/>
+            <a:endParaRPr lang="en-GB" altLang="en-US"/>
           </a:p>
         </p:txBody>
       </p:sp>
@@ -2473,7 +2475,7 @@
               </a:pPr>
               <a:t>16</a:t>
             </a:fld>
-            <a:endParaRPr lang="en-GB" altLang="en-US" smtClean="0">
+            <a:endParaRPr lang="en-GB" altLang="en-US">
               <a:latin typeface="Arial" panose="020B0604020202020204" pitchFamily="34" charset="0"/>
             </a:endParaRPr>
           </a:p>
@@ -2575,7 +2577,7 @@
           </a:bodyPr>
           <a:lstStyle/>
           <a:p>
-            <a:endParaRPr lang="en-GB" altLang="en-US" smtClean="0"/>
+            <a:endParaRPr lang="en-GB" altLang="en-US"/>
           </a:p>
         </p:txBody>
       </p:sp>
@@ -2743,7 +2745,7 @@
               </a:pPr>
               <a:t>17</a:t>
             </a:fld>
-            <a:endParaRPr lang="en-GB" altLang="en-US" smtClean="0">
+            <a:endParaRPr lang="en-GB" altLang="en-US">
               <a:latin typeface="Arial" panose="020B0604020202020204" pitchFamily="34" charset="0"/>
             </a:endParaRPr>
           </a:p>
@@ -2845,7 +2847,7 @@
           </a:bodyPr>
           <a:lstStyle/>
           <a:p>
-            <a:endParaRPr lang="en-GB" altLang="en-US" smtClean="0"/>
+            <a:endParaRPr lang="en-GB" altLang="en-US"/>
           </a:p>
         </p:txBody>
       </p:sp>
@@ -3013,7 +3015,7 @@
               </a:pPr>
               <a:t>18</a:t>
             </a:fld>
-            <a:endParaRPr lang="en-GB" altLang="en-US" smtClean="0">
+            <a:endParaRPr lang="en-GB" altLang="en-US">
               <a:latin typeface="Arial" panose="020B0604020202020204" pitchFamily="34" charset="0"/>
             </a:endParaRPr>
           </a:p>
@@ -3115,7 +3117,7 @@
           </a:bodyPr>
           <a:lstStyle/>
           <a:p>
-            <a:endParaRPr lang="en-GB" altLang="en-US" smtClean="0"/>
+            <a:endParaRPr lang="en-GB" altLang="en-US"/>
           </a:p>
         </p:txBody>
       </p:sp>
@@ -3283,7 +3285,7 @@
               </a:pPr>
               <a:t>19</a:t>
             </a:fld>
-            <a:endParaRPr lang="en-GB" altLang="en-US" smtClean="0">
+            <a:endParaRPr lang="en-GB" altLang="en-US">
               <a:latin typeface="Arial" panose="020B0604020202020204" pitchFamily="34" charset="0"/>
             </a:endParaRPr>
           </a:p>
@@ -3385,7 +3387,7 @@
           </a:bodyPr>
           <a:lstStyle/>
           <a:p>
-            <a:endParaRPr lang="en-GB" altLang="en-US" smtClean="0"/>
+            <a:endParaRPr lang="en-GB" altLang="en-US"/>
           </a:p>
         </p:txBody>
       </p:sp>
@@ -3553,7 +3555,7 @@
               </a:pPr>
               <a:t>20</a:t>
             </a:fld>
-            <a:endParaRPr lang="en-GB" altLang="en-US" smtClean="0">
+            <a:endParaRPr lang="en-GB" altLang="en-US">
               <a:latin typeface="Arial" panose="020B0604020202020204" pitchFamily="34" charset="0"/>
             </a:endParaRPr>
           </a:p>
@@ -3664,7 +3666,7 @@
                 <a:spcPct val="0"/>
               </a:spcBef>
             </a:pPr>
-            <a:endParaRPr lang="en-GB" altLang="en-US" smtClean="0"/>
+            <a:endParaRPr lang="en-GB" altLang="en-US"/>
           </a:p>
         </p:txBody>
       </p:sp>
@@ -3832,7 +3834,7 @@
               </a:pPr>
               <a:t>3</a:t>
             </a:fld>
-            <a:endParaRPr lang="en-GB" altLang="en-US" smtClean="0">
+            <a:endParaRPr lang="en-GB" altLang="en-US">
               <a:latin typeface="Arial" panose="020B0604020202020204" pitchFamily="34" charset="0"/>
             </a:endParaRPr>
           </a:p>
@@ -3934,7 +3936,7 @@
           </a:bodyPr>
           <a:lstStyle/>
           <a:p>
-            <a:endParaRPr lang="en-GB" altLang="en-US" smtClean="0"/>
+            <a:endParaRPr lang="en-GB" altLang="en-US"/>
           </a:p>
         </p:txBody>
       </p:sp>
@@ -4102,7 +4104,7 @@
               </a:pPr>
               <a:t>21</a:t>
             </a:fld>
-            <a:endParaRPr lang="en-GB" altLang="en-US" smtClean="0">
+            <a:endParaRPr lang="en-GB" altLang="en-US">
               <a:latin typeface="Arial" panose="020B0604020202020204" pitchFamily="34" charset="0"/>
             </a:endParaRPr>
           </a:p>
@@ -4204,7 +4206,7 @@
           </a:bodyPr>
           <a:lstStyle/>
           <a:p>
-            <a:endParaRPr lang="en-GB" altLang="en-US" smtClean="0"/>
+            <a:endParaRPr lang="en-GB" altLang="en-US"/>
           </a:p>
         </p:txBody>
       </p:sp>
@@ -4372,7 +4374,7 @@
               </a:pPr>
               <a:t>22</a:t>
             </a:fld>
-            <a:endParaRPr lang="en-GB" altLang="en-US" smtClean="0">
+            <a:endParaRPr lang="en-GB" altLang="en-US">
               <a:latin typeface="Arial" panose="020B0604020202020204" pitchFamily="34" charset="0"/>
             </a:endParaRPr>
           </a:p>
@@ -4474,7 +4476,7 @@
           </a:bodyPr>
           <a:lstStyle/>
           <a:p>
-            <a:endParaRPr lang="en-GB" altLang="en-US" smtClean="0"/>
+            <a:endParaRPr lang="en-GB" altLang="en-US"/>
           </a:p>
         </p:txBody>
       </p:sp>
@@ -4642,13 +4644,563 @@
               </a:pPr>
               <a:t>23</a:t>
             </a:fld>
-            <a:endParaRPr lang="en-GB" altLang="en-US" smtClean="0">
+            <a:endParaRPr lang="en-GB" altLang="en-US">
               <a:latin typeface="Arial" panose="020B0604020202020204" pitchFamily="34" charset="0"/>
             </a:endParaRPr>
           </a:p>
         </p:txBody>
       </p:sp>
     </p:spTree>
+  </p:cSld>
+  <p:clrMapOvr>
+    <a:masterClrMapping/>
+  </p:clrMapOvr>
+</p:notes>
+</file>
+
+<file path=ppt/notesSlides/notesSlide23.xml><?xml version="1.0" encoding="utf-8"?>
+<p:notes xmlns:a="http://schemas.openxmlformats.org/drawingml/2006/main" xmlns:r="http://schemas.openxmlformats.org/officeDocument/2006/relationships" xmlns:p="http://schemas.openxmlformats.org/presentationml/2006/main">
+  <p:cSld>
+    <p:spTree>
+      <p:nvGrpSpPr>
+        <p:cNvPr id="1" name=""/>
+        <p:cNvGrpSpPr/>
+        <p:nvPr/>
+      </p:nvGrpSpPr>
+      <p:grpSpPr>
+        <a:xfrm>
+          <a:off x="0" y="0"/>
+          <a:ext cx="0" cy="0"/>
+          <a:chOff x="0" y="0"/>
+          <a:chExt cx="0" cy="0"/>
+        </a:xfrm>
+      </p:grpSpPr>
+      <p:sp>
+        <p:nvSpPr>
+          <p:cNvPr id="53250" name="Slide Image Placeholder 1"/>
+          <p:cNvSpPr>
+            <a:spLocks noGrp="1" noRot="1" noChangeAspect="1" noTextEdit="1"/>
+          </p:cNvSpPr>
+          <p:nvPr>
+            <p:ph type="sldImg"/>
+          </p:nvPr>
+        </p:nvSpPr>
+        <p:spPr bwMode="auto">
+          <a:noFill/>
+          <a:ln>
+            <a:solidFill>
+              <a:srgbClr val="000000"/>
+            </a:solidFill>
+            <a:miter lim="800000"/>
+            <a:headEnd/>
+            <a:tailEnd/>
+          </a:ln>
+          <a:extLst>
+            <a:ext uri="{909E8E84-426E-40DD-AFC4-6F175D3DCCD1}">
+              <a14:hiddenFill xmlns:a14="http://schemas.microsoft.com/office/drawing/2010/main">
+                <a:solidFill>
+                  <a:srgbClr val="FFFFFF"/>
+                </a:solidFill>
+              </a14:hiddenFill>
+            </a:ext>
+          </a:extLst>
+        </p:spPr>
+      </p:sp>
+      <p:sp>
+        <p:nvSpPr>
+          <p:cNvPr id="53251" name="Notes Placeholder 2"/>
+          <p:cNvSpPr>
+            <a:spLocks noGrp="1"/>
+          </p:cNvSpPr>
+          <p:nvPr>
+            <p:ph type="body" idx="1"/>
+          </p:nvPr>
+        </p:nvSpPr>
+        <p:spPr bwMode="auto">
+          <a:noFill/>
+          <a:extLst>
+            <a:ext uri="{909E8E84-426E-40DD-AFC4-6F175D3DCCD1}">
+              <a14:hiddenFill xmlns:a14="http://schemas.microsoft.com/office/drawing/2010/main">
+                <a:solidFill>
+                  <a:srgbClr val="FFFFFF"/>
+                </a:solidFill>
+              </a14:hiddenFill>
+            </a:ext>
+            <a:ext uri="{91240B29-F687-4F45-9708-019B960494DF}">
+              <a14:hiddenLine xmlns:a14="http://schemas.microsoft.com/office/drawing/2010/main" w="9525">
+                <a:solidFill>
+                  <a:srgbClr val="000000"/>
+                </a:solidFill>
+                <a:miter lim="800000"/>
+                <a:headEnd/>
+                <a:tailEnd/>
+              </a14:hiddenLine>
+            </a:ext>
+          </a:extLst>
+        </p:spPr>
+        <p:txBody>
+          <a:bodyPr wrap="square" numCol="1" anchor="t" anchorCtr="0" compatLnSpc="1">
+            <a:prstTxWarp prst="textNoShape">
+              <a:avLst/>
+            </a:prstTxWarp>
+          </a:bodyPr>
+          <a:lstStyle/>
+          <a:p>
+            <a:endParaRPr lang="en-GB" altLang="en-US"/>
+          </a:p>
+        </p:txBody>
+      </p:sp>
+      <p:sp>
+        <p:nvSpPr>
+          <p:cNvPr id="53252" name="Slide Number Placeholder 3"/>
+          <p:cNvSpPr>
+            <a:spLocks noGrp="1"/>
+          </p:cNvSpPr>
+          <p:nvPr>
+            <p:ph type="sldNum" sz="quarter" idx="5"/>
+          </p:nvPr>
+        </p:nvSpPr>
+        <p:spPr bwMode="auto">
+          <a:noFill/>
+          <a:extLst>
+            <a:ext uri="{909E8E84-426E-40DD-AFC4-6F175D3DCCD1}">
+              <a14:hiddenFill xmlns:a14="http://schemas.microsoft.com/office/drawing/2010/main">
+                <a:solidFill>
+                  <a:srgbClr val="FFFFFF"/>
+                </a:solidFill>
+              </a14:hiddenFill>
+            </a:ext>
+            <a:ext uri="{91240B29-F687-4F45-9708-019B960494DF}">
+              <a14:hiddenLine xmlns:a14="http://schemas.microsoft.com/office/drawing/2010/main" w="9525">
+                <a:solidFill>
+                  <a:srgbClr val="000000"/>
+                </a:solidFill>
+                <a:miter lim="800000"/>
+                <a:headEnd/>
+                <a:tailEnd/>
+              </a14:hiddenLine>
+            </a:ext>
+          </a:extLst>
+        </p:spPr>
+        <p:txBody>
+          <a:bodyPr/>
+          <a:lstStyle>
+            <a:lvl1pPr>
+              <a:spcBef>
+                <a:spcPct val="30000"/>
+              </a:spcBef>
+              <a:defRPr sz="1200">
+                <a:solidFill>
+                  <a:schemeClr val="tx1"/>
+                </a:solidFill>
+                <a:latin typeface="Calibri" panose="020F0502020204030204" pitchFamily="34" charset="0"/>
+              </a:defRPr>
+            </a:lvl1pPr>
+            <a:lvl2pPr marL="742950" indent="-285750">
+              <a:spcBef>
+                <a:spcPct val="30000"/>
+              </a:spcBef>
+              <a:defRPr sz="1200">
+                <a:solidFill>
+                  <a:schemeClr val="tx1"/>
+                </a:solidFill>
+                <a:latin typeface="Calibri" panose="020F0502020204030204" pitchFamily="34" charset="0"/>
+              </a:defRPr>
+            </a:lvl2pPr>
+            <a:lvl3pPr marL="1143000" indent="-228600">
+              <a:spcBef>
+                <a:spcPct val="30000"/>
+              </a:spcBef>
+              <a:defRPr sz="1200">
+                <a:solidFill>
+                  <a:schemeClr val="tx1"/>
+                </a:solidFill>
+                <a:latin typeface="Calibri" panose="020F0502020204030204" pitchFamily="34" charset="0"/>
+              </a:defRPr>
+            </a:lvl3pPr>
+            <a:lvl4pPr marL="1600200" indent="-228600">
+              <a:spcBef>
+                <a:spcPct val="30000"/>
+              </a:spcBef>
+              <a:defRPr sz="1200">
+                <a:solidFill>
+                  <a:schemeClr val="tx1"/>
+                </a:solidFill>
+                <a:latin typeface="Calibri" panose="020F0502020204030204" pitchFamily="34" charset="0"/>
+              </a:defRPr>
+            </a:lvl4pPr>
+            <a:lvl5pPr marL="2057400" indent="-228600">
+              <a:spcBef>
+                <a:spcPct val="30000"/>
+              </a:spcBef>
+              <a:defRPr sz="1200">
+                <a:solidFill>
+                  <a:schemeClr val="tx1"/>
+                </a:solidFill>
+                <a:latin typeface="Calibri" panose="020F0502020204030204" pitchFamily="34" charset="0"/>
+              </a:defRPr>
+            </a:lvl5pPr>
+            <a:lvl6pPr marL="2514600" indent="-228600" eaLnBrk="0" fontAlgn="base" hangingPunct="0">
+              <a:spcBef>
+                <a:spcPct val="30000"/>
+              </a:spcBef>
+              <a:spcAft>
+                <a:spcPct val="0"/>
+              </a:spcAft>
+              <a:defRPr sz="1200">
+                <a:solidFill>
+                  <a:schemeClr val="tx1"/>
+                </a:solidFill>
+                <a:latin typeface="Calibri" panose="020F0502020204030204" pitchFamily="34" charset="0"/>
+              </a:defRPr>
+            </a:lvl6pPr>
+            <a:lvl7pPr marL="2971800" indent="-228600" eaLnBrk="0" fontAlgn="base" hangingPunct="0">
+              <a:spcBef>
+                <a:spcPct val="30000"/>
+              </a:spcBef>
+              <a:spcAft>
+                <a:spcPct val="0"/>
+              </a:spcAft>
+              <a:defRPr sz="1200">
+                <a:solidFill>
+                  <a:schemeClr val="tx1"/>
+                </a:solidFill>
+                <a:latin typeface="Calibri" panose="020F0502020204030204" pitchFamily="34" charset="0"/>
+              </a:defRPr>
+            </a:lvl7pPr>
+            <a:lvl8pPr marL="3429000" indent="-228600" eaLnBrk="0" fontAlgn="base" hangingPunct="0">
+              <a:spcBef>
+                <a:spcPct val="30000"/>
+              </a:spcBef>
+              <a:spcAft>
+                <a:spcPct val="0"/>
+              </a:spcAft>
+              <a:defRPr sz="1200">
+                <a:solidFill>
+                  <a:schemeClr val="tx1"/>
+                </a:solidFill>
+                <a:latin typeface="Calibri" panose="020F0502020204030204" pitchFamily="34" charset="0"/>
+              </a:defRPr>
+            </a:lvl8pPr>
+            <a:lvl9pPr marL="3886200" indent="-228600" eaLnBrk="0" fontAlgn="base" hangingPunct="0">
+              <a:spcBef>
+                <a:spcPct val="30000"/>
+              </a:spcBef>
+              <a:spcAft>
+                <a:spcPct val="0"/>
+              </a:spcAft>
+              <a:defRPr sz="1200">
+                <a:solidFill>
+                  <a:schemeClr val="tx1"/>
+                </a:solidFill>
+                <a:latin typeface="Calibri" panose="020F0502020204030204" pitchFamily="34" charset="0"/>
+              </a:defRPr>
+            </a:lvl9pPr>
+          </a:lstStyle>
+          <a:p>
+            <a:pPr>
+              <a:spcBef>
+                <a:spcPct val="0"/>
+              </a:spcBef>
+            </a:pPr>
+            <a:fld id="{86E44933-DCDF-4987-A33D-F4E0569B223D}" type="slidenum">
+              <a:rPr lang="en-GB" altLang="en-US" smtClean="0">
+                <a:latin typeface="Arial" panose="020B0604020202020204" pitchFamily="34" charset="0"/>
+              </a:rPr>
+              <a:pPr>
+                <a:spcBef>
+                  <a:spcPct val="0"/>
+                </a:spcBef>
+              </a:pPr>
+              <a:t>24</a:t>
+            </a:fld>
+            <a:endParaRPr lang="en-GB" altLang="en-US">
+              <a:latin typeface="Arial" panose="020B0604020202020204" pitchFamily="34" charset="0"/>
+            </a:endParaRPr>
+          </a:p>
+        </p:txBody>
+      </p:sp>
+    </p:spTree>
+    <p:extLst>
+      <p:ext uri="{BB962C8B-B14F-4D97-AF65-F5344CB8AC3E}">
+        <p14:creationId xmlns:p14="http://schemas.microsoft.com/office/powerpoint/2010/main" val="1276112761"/>
+      </p:ext>
+    </p:extLst>
+  </p:cSld>
+  <p:clrMapOvr>
+    <a:masterClrMapping/>
+  </p:clrMapOvr>
+</p:notes>
+</file>
+
+<file path=ppt/notesSlides/notesSlide24.xml><?xml version="1.0" encoding="utf-8"?>
+<p:notes xmlns:a="http://schemas.openxmlformats.org/drawingml/2006/main" xmlns:r="http://schemas.openxmlformats.org/officeDocument/2006/relationships" xmlns:p="http://schemas.openxmlformats.org/presentationml/2006/main">
+  <p:cSld>
+    <p:spTree>
+      <p:nvGrpSpPr>
+        <p:cNvPr id="1" name=""/>
+        <p:cNvGrpSpPr/>
+        <p:nvPr/>
+      </p:nvGrpSpPr>
+      <p:grpSpPr>
+        <a:xfrm>
+          <a:off x="0" y="0"/>
+          <a:ext cx="0" cy="0"/>
+          <a:chOff x="0" y="0"/>
+          <a:chExt cx="0" cy="0"/>
+        </a:xfrm>
+      </p:grpSpPr>
+      <p:sp>
+        <p:nvSpPr>
+          <p:cNvPr id="53250" name="Slide Image Placeholder 1"/>
+          <p:cNvSpPr>
+            <a:spLocks noGrp="1" noRot="1" noChangeAspect="1" noTextEdit="1"/>
+          </p:cNvSpPr>
+          <p:nvPr>
+            <p:ph type="sldImg"/>
+          </p:nvPr>
+        </p:nvSpPr>
+        <p:spPr bwMode="auto">
+          <a:noFill/>
+          <a:ln>
+            <a:solidFill>
+              <a:srgbClr val="000000"/>
+            </a:solidFill>
+            <a:miter lim="800000"/>
+            <a:headEnd/>
+            <a:tailEnd/>
+          </a:ln>
+          <a:extLst>
+            <a:ext uri="{909E8E84-426E-40DD-AFC4-6F175D3DCCD1}">
+              <a14:hiddenFill xmlns:a14="http://schemas.microsoft.com/office/drawing/2010/main">
+                <a:solidFill>
+                  <a:srgbClr val="FFFFFF"/>
+                </a:solidFill>
+              </a14:hiddenFill>
+            </a:ext>
+          </a:extLst>
+        </p:spPr>
+      </p:sp>
+      <p:sp>
+        <p:nvSpPr>
+          <p:cNvPr id="53251" name="Notes Placeholder 2"/>
+          <p:cNvSpPr>
+            <a:spLocks noGrp="1"/>
+          </p:cNvSpPr>
+          <p:nvPr>
+            <p:ph type="body" idx="1"/>
+          </p:nvPr>
+        </p:nvSpPr>
+        <p:spPr bwMode="auto">
+          <a:noFill/>
+          <a:extLst>
+            <a:ext uri="{909E8E84-426E-40DD-AFC4-6F175D3DCCD1}">
+              <a14:hiddenFill xmlns:a14="http://schemas.microsoft.com/office/drawing/2010/main">
+                <a:solidFill>
+                  <a:srgbClr val="FFFFFF"/>
+                </a:solidFill>
+              </a14:hiddenFill>
+            </a:ext>
+            <a:ext uri="{91240B29-F687-4F45-9708-019B960494DF}">
+              <a14:hiddenLine xmlns:a14="http://schemas.microsoft.com/office/drawing/2010/main" w="9525">
+                <a:solidFill>
+                  <a:srgbClr val="000000"/>
+                </a:solidFill>
+                <a:miter lim="800000"/>
+                <a:headEnd/>
+                <a:tailEnd/>
+              </a14:hiddenLine>
+            </a:ext>
+          </a:extLst>
+        </p:spPr>
+        <p:txBody>
+          <a:bodyPr wrap="square" numCol="1" anchor="t" anchorCtr="0" compatLnSpc="1">
+            <a:prstTxWarp prst="textNoShape">
+              <a:avLst/>
+            </a:prstTxWarp>
+          </a:bodyPr>
+          <a:lstStyle/>
+          <a:p>
+            <a:endParaRPr lang="en-GB" altLang="en-US"/>
+          </a:p>
+        </p:txBody>
+      </p:sp>
+      <p:sp>
+        <p:nvSpPr>
+          <p:cNvPr id="53252" name="Slide Number Placeholder 3"/>
+          <p:cNvSpPr>
+            <a:spLocks noGrp="1"/>
+          </p:cNvSpPr>
+          <p:nvPr>
+            <p:ph type="sldNum" sz="quarter" idx="5"/>
+          </p:nvPr>
+        </p:nvSpPr>
+        <p:spPr bwMode="auto">
+          <a:noFill/>
+          <a:extLst>
+            <a:ext uri="{909E8E84-426E-40DD-AFC4-6F175D3DCCD1}">
+              <a14:hiddenFill xmlns:a14="http://schemas.microsoft.com/office/drawing/2010/main">
+                <a:solidFill>
+                  <a:srgbClr val="FFFFFF"/>
+                </a:solidFill>
+              </a14:hiddenFill>
+            </a:ext>
+            <a:ext uri="{91240B29-F687-4F45-9708-019B960494DF}">
+              <a14:hiddenLine xmlns:a14="http://schemas.microsoft.com/office/drawing/2010/main" w="9525">
+                <a:solidFill>
+                  <a:srgbClr val="000000"/>
+                </a:solidFill>
+                <a:miter lim="800000"/>
+                <a:headEnd/>
+                <a:tailEnd/>
+              </a14:hiddenLine>
+            </a:ext>
+          </a:extLst>
+        </p:spPr>
+        <p:txBody>
+          <a:bodyPr/>
+          <a:lstStyle>
+            <a:lvl1pPr>
+              <a:spcBef>
+                <a:spcPct val="30000"/>
+              </a:spcBef>
+              <a:defRPr sz="1200">
+                <a:solidFill>
+                  <a:schemeClr val="tx1"/>
+                </a:solidFill>
+                <a:latin typeface="Calibri" panose="020F0502020204030204" pitchFamily="34" charset="0"/>
+              </a:defRPr>
+            </a:lvl1pPr>
+            <a:lvl2pPr marL="742950" indent="-285750">
+              <a:spcBef>
+                <a:spcPct val="30000"/>
+              </a:spcBef>
+              <a:defRPr sz="1200">
+                <a:solidFill>
+                  <a:schemeClr val="tx1"/>
+                </a:solidFill>
+                <a:latin typeface="Calibri" panose="020F0502020204030204" pitchFamily="34" charset="0"/>
+              </a:defRPr>
+            </a:lvl2pPr>
+            <a:lvl3pPr marL="1143000" indent="-228600">
+              <a:spcBef>
+                <a:spcPct val="30000"/>
+              </a:spcBef>
+              <a:defRPr sz="1200">
+                <a:solidFill>
+                  <a:schemeClr val="tx1"/>
+                </a:solidFill>
+                <a:latin typeface="Calibri" panose="020F0502020204030204" pitchFamily="34" charset="0"/>
+              </a:defRPr>
+            </a:lvl3pPr>
+            <a:lvl4pPr marL="1600200" indent="-228600">
+              <a:spcBef>
+                <a:spcPct val="30000"/>
+              </a:spcBef>
+              <a:defRPr sz="1200">
+                <a:solidFill>
+                  <a:schemeClr val="tx1"/>
+                </a:solidFill>
+                <a:latin typeface="Calibri" panose="020F0502020204030204" pitchFamily="34" charset="0"/>
+              </a:defRPr>
+            </a:lvl4pPr>
+            <a:lvl5pPr marL="2057400" indent="-228600">
+              <a:spcBef>
+                <a:spcPct val="30000"/>
+              </a:spcBef>
+              <a:defRPr sz="1200">
+                <a:solidFill>
+                  <a:schemeClr val="tx1"/>
+                </a:solidFill>
+                <a:latin typeface="Calibri" panose="020F0502020204030204" pitchFamily="34" charset="0"/>
+              </a:defRPr>
+            </a:lvl5pPr>
+            <a:lvl6pPr marL="2514600" indent="-228600" eaLnBrk="0" fontAlgn="base" hangingPunct="0">
+              <a:spcBef>
+                <a:spcPct val="30000"/>
+              </a:spcBef>
+              <a:spcAft>
+                <a:spcPct val="0"/>
+              </a:spcAft>
+              <a:defRPr sz="1200">
+                <a:solidFill>
+                  <a:schemeClr val="tx1"/>
+                </a:solidFill>
+                <a:latin typeface="Calibri" panose="020F0502020204030204" pitchFamily="34" charset="0"/>
+              </a:defRPr>
+            </a:lvl6pPr>
+            <a:lvl7pPr marL="2971800" indent="-228600" eaLnBrk="0" fontAlgn="base" hangingPunct="0">
+              <a:spcBef>
+                <a:spcPct val="30000"/>
+              </a:spcBef>
+              <a:spcAft>
+                <a:spcPct val="0"/>
+              </a:spcAft>
+              <a:defRPr sz="1200">
+                <a:solidFill>
+                  <a:schemeClr val="tx1"/>
+                </a:solidFill>
+                <a:latin typeface="Calibri" panose="020F0502020204030204" pitchFamily="34" charset="0"/>
+              </a:defRPr>
+            </a:lvl7pPr>
+            <a:lvl8pPr marL="3429000" indent="-228600" eaLnBrk="0" fontAlgn="base" hangingPunct="0">
+              <a:spcBef>
+                <a:spcPct val="30000"/>
+              </a:spcBef>
+              <a:spcAft>
+                <a:spcPct val="0"/>
+              </a:spcAft>
+              <a:defRPr sz="1200">
+                <a:solidFill>
+                  <a:schemeClr val="tx1"/>
+                </a:solidFill>
+                <a:latin typeface="Calibri" panose="020F0502020204030204" pitchFamily="34" charset="0"/>
+              </a:defRPr>
+            </a:lvl8pPr>
+            <a:lvl9pPr marL="3886200" indent="-228600" eaLnBrk="0" fontAlgn="base" hangingPunct="0">
+              <a:spcBef>
+                <a:spcPct val="30000"/>
+              </a:spcBef>
+              <a:spcAft>
+                <a:spcPct val="0"/>
+              </a:spcAft>
+              <a:defRPr sz="1200">
+                <a:solidFill>
+                  <a:schemeClr val="tx1"/>
+                </a:solidFill>
+                <a:latin typeface="Calibri" panose="020F0502020204030204" pitchFamily="34" charset="0"/>
+              </a:defRPr>
+            </a:lvl9pPr>
+          </a:lstStyle>
+          <a:p>
+            <a:pPr>
+              <a:spcBef>
+                <a:spcPct val="0"/>
+              </a:spcBef>
+            </a:pPr>
+            <a:fld id="{86E44933-DCDF-4987-A33D-F4E0569B223D}" type="slidenum">
+              <a:rPr lang="en-GB" altLang="en-US" smtClean="0">
+                <a:latin typeface="Arial" panose="020B0604020202020204" pitchFamily="34" charset="0"/>
+              </a:rPr>
+              <a:pPr>
+                <a:spcBef>
+                  <a:spcPct val="0"/>
+                </a:spcBef>
+              </a:pPr>
+              <a:t>25</a:t>
+            </a:fld>
+            <a:endParaRPr lang="en-GB" altLang="en-US">
+              <a:latin typeface="Arial" panose="020B0604020202020204" pitchFamily="34" charset="0"/>
+            </a:endParaRPr>
+          </a:p>
+        </p:txBody>
+      </p:sp>
+    </p:spTree>
+    <p:extLst>
+      <p:ext uri="{BB962C8B-B14F-4D97-AF65-F5344CB8AC3E}">
+        <p14:creationId xmlns:p14="http://schemas.microsoft.com/office/powerpoint/2010/main" val="389960879"/>
+      </p:ext>
+    </p:extLst>
   </p:cSld>
   <p:clrMapOvr>
     <a:masterClrMapping/>
@@ -4753,7 +5305,7 @@
                 <a:spcPct val="0"/>
               </a:spcBef>
             </a:pPr>
-            <a:endParaRPr lang="en-GB" altLang="en-US" smtClean="0"/>
+            <a:endParaRPr lang="en-GB" altLang="en-US"/>
           </a:p>
         </p:txBody>
       </p:sp>
@@ -4921,7 +5473,7 @@
               </a:pPr>
               <a:t>4</a:t>
             </a:fld>
-            <a:endParaRPr lang="en-GB" altLang="en-US" smtClean="0">
+            <a:endParaRPr lang="en-GB" altLang="en-US">
               <a:latin typeface="Arial" panose="020B0604020202020204" pitchFamily="34" charset="0"/>
             </a:endParaRPr>
           </a:p>
@@ -5023,7 +5575,7 @@
           </a:bodyPr>
           <a:lstStyle/>
           <a:p>
-            <a:endParaRPr lang="en-GB" altLang="en-US" smtClean="0"/>
+            <a:endParaRPr lang="en-GB" altLang="en-US"/>
           </a:p>
         </p:txBody>
       </p:sp>
@@ -5191,7 +5743,7 @@
               </a:pPr>
               <a:t>5</a:t>
             </a:fld>
-            <a:endParaRPr lang="en-GB" altLang="en-US" smtClean="0">
+            <a:endParaRPr lang="en-GB" altLang="en-US">
               <a:latin typeface="Arial" panose="020B0604020202020204" pitchFamily="34" charset="0"/>
             </a:endParaRPr>
           </a:p>
@@ -5293,7 +5845,7 @@
           </a:bodyPr>
           <a:lstStyle/>
           <a:p>
-            <a:endParaRPr lang="en-GB" altLang="en-US" smtClean="0"/>
+            <a:endParaRPr lang="en-GB" altLang="en-US"/>
           </a:p>
         </p:txBody>
       </p:sp>
@@ -5461,7 +6013,7 @@
               </a:pPr>
               <a:t>6</a:t>
             </a:fld>
-            <a:endParaRPr lang="en-GB" altLang="en-US" smtClean="0">
+            <a:endParaRPr lang="en-GB" altLang="en-US">
               <a:latin typeface="Arial" panose="020B0604020202020204" pitchFamily="34" charset="0"/>
             </a:endParaRPr>
           </a:p>
@@ -5563,7 +6115,7 @@
           </a:bodyPr>
           <a:lstStyle/>
           <a:p>
-            <a:endParaRPr lang="en-GB" altLang="en-US" smtClean="0"/>
+            <a:endParaRPr lang="en-GB" altLang="en-US"/>
           </a:p>
         </p:txBody>
       </p:sp>
@@ -5731,7 +6283,7 @@
               </a:pPr>
               <a:t>7</a:t>
             </a:fld>
-            <a:endParaRPr lang="en-GB" altLang="en-US" smtClean="0">
+            <a:endParaRPr lang="en-GB" altLang="en-US">
               <a:latin typeface="Arial" panose="020B0604020202020204" pitchFamily="34" charset="0"/>
             </a:endParaRPr>
           </a:p>
@@ -5833,7 +6385,7 @@
           </a:bodyPr>
           <a:lstStyle/>
           <a:p>
-            <a:endParaRPr lang="en-GB" altLang="en-US" smtClean="0"/>
+            <a:endParaRPr lang="en-GB" altLang="en-US"/>
           </a:p>
         </p:txBody>
       </p:sp>
@@ -6001,7 +6553,7 @@
               </a:pPr>
               <a:t>8</a:t>
             </a:fld>
-            <a:endParaRPr lang="en-GB" altLang="en-US" smtClean="0">
+            <a:endParaRPr lang="en-GB" altLang="en-US">
               <a:latin typeface="Arial" panose="020B0604020202020204" pitchFamily="34" charset="0"/>
             </a:endParaRPr>
           </a:p>
@@ -6103,7 +6655,7 @@
           </a:bodyPr>
           <a:lstStyle/>
           <a:p>
-            <a:endParaRPr lang="en-GB" altLang="en-US" smtClean="0"/>
+            <a:endParaRPr lang="en-GB" altLang="en-US"/>
           </a:p>
         </p:txBody>
       </p:sp>
@@ -6271,7 +6823,7 @@
               </a:pPr>
               <a:t>9</a:t>
             </a:fld>
-            <a:endParaRPr lang="en-GB" altLang="en-US" smtClean="0">
+            <a:endParaRPr lang="en-GB" altLang="en-US">
               <a:latin typeface="Arial" panose="020B0604020202020204" pitchFamily="34" charset="0"/>
             </a:endParaRPr>
           </a:p>
@@ -6373,7 +6925,7 @@
           </a:bodyPr>
           <a:lstStyle/>
           <a:p>
-            <a:endParaRPr lang="en-GB" altLang="en-US" smtClean="0"/>
+            <a:endParaRPr lang="en-GB" altLang="en-US"/>
           </a:p>
         </p:txBody>
       </p:sp>
@@ -6541,7 +7093,7 @@
               </a:pPr>
               <a:t>10</a:t>
             </a:fld>
-            <a:endParaRPr lang="en-GB" altLang="en-US" smtClean="0">
+            <a:endParaRPr lang="en-GB" altLang="en-US">
               <a:latin typeface="Arial" panose="020B0604020202020204" pitchFamily="34" charset="0"/>
             </a:endParaRPr>
           </a:p>
@@ -6768,7 +7320,7 @@
           </a:lstStyle>
           <a:p>
             <a:r>
-              <a:rPr lang="en-US" smtClean="0"/>
+              <a:rPr lang="en-US"/>
               <a:t>Click to edit Master title style</a:t>
             </a:r>
             <a:endParaRPr lang="en-US" dirty="0"/>
@@ -6844,7 +7396,7 @@
           </a:lstStyle>
           <a:p>
             <a:r>
-              <a:rPr lang="en-US" smtClean="0"/>
+              <a:rPr lang="en-US"/>
               <a:t>Click to edit Master subtitle style</a:t>
             </a:r>
             <a:endParaRPr lang="en-US" dirty="0"/>
@@ -6950,7 +7502,7 @@
           </a:lstStyle>
           <a:p>
             <a:r>
-              <a:rPr lang="en-US" smtClean="0"/>
+              <a:rPr lang="en-US"/>
               <a:t>Click to edit Master title style</a:t>
             </a:r>
             <a:endParaRPr lang="en-US" dirty="0"/>
@@ -6997,7 +7549,7 @@
           <a:p>
             <a:pPr lvl="0"/>
             <a:r>
-              <a:rPr lang="en-US" noProof="0" smtClean="0"/>
+              <a:rPr lang="en-US" noProof="0"/>
               <a:t>Click icon to add picture</a:t>
             </a:r>
             <a:endParaRPr lang="en-GB" noProof="0" dirty="0"/>
@@ -7055,28 +7607,28 @@
           <a:p>
             <a:pPr lvl="0"/>
             <a:r>
-              <a:rPr lang="en-US" smtClean="0"/>
+              <a:rPr lang="en-US"/>
               <a:t>Edit Master text styles</a:t>
             </a:r>
           </a:p>
           <a:p>
             <a:pPr lvl="1"/>
             <a:r>
-              <a:rPr lang="en-US" smtClean="0"/>
+              <a:rPr lang="en-US"/>
               <a:t>Second level</a:t>
             </a:r>
           </a:p>
           <a:p>
             <a:pPr lvl="2"/>
             <a:r>
-              <a:rPr lang="en-US" smtClean="0"/>
+              <a:rPr lang="en-US"/>
               <a:t>Third level</a:t>
             </a:r>
           </a:p>
           <a:p>
             <a:pPr lvl="3"/>
             <a:r>
-              <a:rPr lang="en-US" smtClean="0"/>
+              <a:rPr lang="en-US"/>
               <a:t>Fourth level</a:t>
             </a:r>
           </a:p>
@@ -7181,7 +7733,7 @@
           </a:lstStyle>
           <a:p>
             <a:r>
-              <a:rPr lang="en-US" smtClean="0"/>
+              <a:rPr lang="en-US"/>
               <a:t>Click to edit Master title style</a:t>
             </a:r>
             <a:endParaRPr lang="en-US" dirty="0"/>
@@ -7239,28 +7791,28 @@
           <a:p>
             <a:pPr lvl="0"/>
             <a:r>
-              <a:rPr lang="en-US" smtClean="0"/>
+              <a:rPr lang="en-US"/>
               <a:t>Edit Master text styles</a:t>
             </a:r>
           </a:p>
           <a:p>
             <a:pPr lvl="1"/>
             <a:r>
-              <a:rPr lang="en-US" smtClean="0"/>
+              <a:rPr lang="en-US"/>
               <a:t>Second level</a:t>
             </a:r>
           </a:p>
           <a:p>
             <a:pPr lvl="2"/>
             <a:r>
-              <a:rPr lang="en-US" smtClean="0"/>
+              <a:rPr lang="en-US"/>
               <a:t>Third level</a:t>
             </a:r>
           </a:p>
           <a:p>
             <a:pPr lvl="3"/>
             <a:r>
-              <a:rPr lang="en-US" smtClean="0"/>
+              <a:rPr lang="en-US"/>
               <a:t>Fourth level</a:t>
             </a:r>
           </a:p>
@@ -7340,7 +7892,7 @@
           </a:lstStyle>
           <a:p>
             <a:r>
-              <a:rPr lang="en-US" smtClean="0"/>
+              <a:rPr lang="en-US"/>
               <a:t>Click to edit Master title style</a:t>
             </a:r>
             <a:endParaRPr lang="en-US" dirty="0"/>
@@ -7414,7 +7966,7 @@
           </a:lstStyle>
           <a:p>
             <a:r>
-              <a:rPr lang="en-US" smtClean="0"/>
+              <a:rPr lang="en-US"/>
               <a:t>Click to edit Master subtitle style</a:t>
             </a:r>
             <a:endParaRPr lang="en-US" dirty="0"/>
@@ -7483,7 +8035,7 @@
               <a:pPr>
                 <a:defRPr/>
               </a:pPr>
-              <a:t>09/10/2018</a:t>
+              <a:t>28/02/2023</a:t>
             </a:fld>
             <a:endParaRPr lang="en-GB"/>
           </a:p>
@@ -7814,35 +8366,35 @@
           <a:p>
             <a:pPr lvl="0"/>
             <a:r>
-              <a:rPr lang="en-US" altLang="en-US" smtClean="0"/>
+              <a:rPr lang="en-US" altLang="en-US"/>
               <a:t>Edit Master text styles</a:t>
             </a:r>
           </a:p>
           <a:p>
             <a:pPr lvl="1"/>
             <a:r>
-              <a:rPr lang="en-US" altLang="en-US" smtClean="0"/>
+              <a:rPr lang="en-US" altLang="en-US"/>
               <a:t>Second level</a:t>
             </a:r>
           </a:p>
           <a:p>
             <a:pPr lvl="2"/>
             <a:r>
-              <a:rPr lang="en-US" altLang="en-US" smtClean="0"/>
+              <a:rPr lang="en-US" altLang="en-US"/>
               <a:t>Third level</a:t>
             </a:r>
           </a:p>
           <a:p>
             <a:pPr lvl="3"/>
             <a:r>
-              <a:rPr lang="en-US" altLang="en-US" smtClean="0"/>
+              <a:rPr lang="en-US" altLang="en-US"/>
               <a:t>Fourth level</a:t>
             </a:r>
           </a:p>
           <a:p>
             <a:pPr lvl="4"/>
             <a:r>
-              <a:rPr lang="en-US" altLang="en-US" smtClean="0"/>
+              <a:rPr lang="en-US" altLang="en-US"/>
               <a:t>Fifth level</a:t>
             </a:r>
           </a:p>
@@ -8003,7 +8555,7 @@
             <a:pPr eaLnBrk="1" hangingPunct="1">
               <a:defRPr/>
             </a:pPr>
-            <a:endParaRPr lang="en-US" altLang="en-US" smtClean="0"/>
+            <a:endParaRPr lang="en-US" altLang="en-US"/>
           </a:p>
         </p:txBody>
       </p:sp>
@@ -8059,10 +8611,10 @@
           <a:p>
             <a:pPr lvl="0"/>
             <a:r>
-              <a:rPr lang="en-US" altLang="en-US" smtClean="0"/>
+              <a:rPr lang="en-US" altLang="en-US"/>
               <a:t>Click to edit Master title style</a:t>
             </a:r>
-            <a:endParaRPr lang="en-GB" altLang="en-US" smtClean="0"/>
+            <a:endParaRPr lang="en-GB" altLang="en-US"/>
           </a:p>
         </p:txBody>
       </p:sp>
@@ -8559,7 +9111,7 @@
           <a:p>
             <a:pPr eaLnBrk="1" hangingPunct="1"/>
             <a:r>
-              <a:rPr lang="en-GB" altLang="en-US" smtClean="0"/>
+              <a:rPr lang="en-GB" altLang="en-US"/>
               <a:t>Read and Write Data</a:t>
             </a:r>
           </a:p>
@@ -8587,7 +9139,7 @@
           <a:p>
             <a:pPr eaLnBrk="1" hangingPunct="1"/>
             <a:r>
-              <a:rPr lang="en-GB" altLang="en-US" smtClean="0"/>
+              <a:rPr lang="en-GB" altLang="en-US"/>
               <a:t>Working with data: text formats</a:t>
             </a:r>
           </a:p>
@@ -9051,7 +9603,7 @@
               <a:defRPr/>
             </a:pPr>
             <a:r>
-              <a:rPr lang="en-GB" altLang="en-US" dirty="0" smtClean="0">
+              <a:rPr lang="en-GB" altLang="en-US" dirty="0">
                 <a:latin typeface="+mn-lt"/>
               </a:rPr>
               <a:t>Please refer to the example code:</a:t>
@@ -9069,7 +9621,7 @@
               <a:buNone/>
               <a:defRPr/>
             </a:pPr>
-            <a:endParaRPr lang="en-GB" altLang="en-US" dirty="0" smtClean="0">
+            <a:endParaRPr lang="en-GB" altLang="en-US" dirty="0">
               <a:latin typeface="Arial" panose="020B0604020202020204" pitchFamily="34" charset="0"/>
             </a:endParaRPr>
           </a:p>
@@ -9086,7 +9638,7 @@
               <a:defRPr/>
             </a:pPr>
             <a:r>
-              <a:rPr lang="en-GB" altLang="en-US" dirty="0" smtClean="0">
+              <a:rPr lang="en-GB" altLang="en-US" dirty="0">
                 <a:latin typeface="Courier New" panose="02070309020205020404" pitchFamily="49" charset="0"/>
                 <a:cs typeface="Courier New" panose="02070309020205020404" pitchFamily="49" charset="0"/>
               </a:rPr>
@@ -9105,7 +9657,7 @@
               <a:buNone/>
               <a:defRPr/>
             </a:pPr>
-            <a:endParaRPr lang="en-GB" altLang="en-US" dirty="0" smtClean="0">
+            <a:endParaRPr lang="en-GB" altLang="en-US" dirty="0">
               <a:latin typeface="+mn-lt"/>
             </a:endParaRPr>
           </a:p>
@@ -9122,7 +9674,7 @@
               <a:defRPr/>
             </a:pPr>
             <a:r>
-              <a:rPr lang="en-GB" altLang="en-US" dirty="0" smtClean="0">
+              <a:rPr lang="en-GB" altLang="en-US" dirty="0">
                 <a:latin typeface="+mn-lt"/>
               </a:rPr>
               <a:t>And data file:</a:t>
@@ -9140,7 +9692,7 @@
               <a:buNone/>
               <a:defRPr/>
             </a:pPr>
-            <a:endParaRPr lang="en-GB" altLang="en-US" dirty="0" smtClean="0">
+            <a:endParaRPr lang="en-GB" altLang="en-US" dirty="0">
               <a:latin typeface="Arial" panose="020B0604020202020204" pitchFamily="34" charset="0"/>
             </a:endParaRPr>
           </a:p>
@@ -9157,21 +9709,21 @@
               <a:defRPr/>
             </a:pPr>
             <a:r>
-              <a:rPr lang="en-GB" altLang="en-US" dirty="0" smtClean="0">
+              <a:rPr lang="en-GB" altLang="en-US" dirty="0">
                 <a:latin typeface="Courier New" panose="02070309020205020404" pitchFamily="49" charset="0"/>
                 <a:cs typeface="Courier New" panose="02070309020205020404" pitchFamily="49" charset="0"/>
               </a:rPr>
               <a:t>	</a:t>
             </a:r>
             <a:r>
-              <a:rPr lang="en-GB" altLang="en-US" dirty="0" err="1" smtClean="0">
+              <a:rPr lang="en-GB" altLang="en-US" dirty="0" err="1">
                 <a:latin typeface="Courier New" panose="02070309020205020404" pitchFamily="49" charset="0"/>
                 <a:cs typeface="Courier New" panose="02070309020205020404" pitchFamily="49" charset="0"/>
               </a:rPr>
               <a:t>example_data</a:t>
             </a:r>
             <a:r>
-              <a:rPr lang="en-GB" altLang="en-US" dirty="0" smtClean="0">
+              <a:rPr lang="en-GB" altLang="en-US" dirty="0">
                 <a:latin typeface="Courier New" panose="02070309020205020404" pitchFamily="49" charset="0"/>
                 <a:cs typeface="Courier New" panose="02070309020205020404" pitchFamily="49" charset="0"/>
               </a:rPr>
@@ -9190,7 +9742,7 @@
               <a:buNone/>
               <a:defRPr/>
             </a:pPr>
-            <a:endParaRPr lang="en-GB" altLang="en-US" dirty="0" smtClean="0">
+            <a:endParaRPr lang="en-GB" altLang="en-US" dirty="0">
               <a:latin typeface="Arial" panose="020B0604020202020204" pitchFamily="34" charset="0"/>
             </a:endParaRPr>
           </a:p>
@@ -9206,7 +9758,7 @@
               <a:buNone/>
               <a:defRPr/>
             </a:pPr>
-            <a:endParaRPr lang="en-GB" altLang="en-US" dirty="0" smtClean="0">
+            <a:endParaRPr lang="en-GB" altLang="en-US" dirty="0">
               <a:latin typeface="Arial" panose="020B0604020202020204" pitchFamily="34" charset="0"/>
             </a:endParaRPr>
           </a:p>
@@ -9217,13 +9769,6 @@
   <p:clrMapOvr>
     <a:masterClrMapping/>
   </p:clrMapOvr>
-  <p:timing>
-    <p:tnLst>
-      <p:par>
-        <p:cTn id="1" dur="indefinite" restart="never" nodeType="tmRoot"/>
-      </p:par>
-    </p:tnLst>
-  </p:timing>
 </p:sld>
 </file>
 
@@ -9266,7 +9811,7 @@
           <a:p>
             <a:pPr eaLnBrk="1" hangingPunct="1"/>
             <a:r>
-              <a:rPr lang="en-GB" altLang="en-US" b="1" smtClean="0"/>
+              <a:rPr lang="en-GB" altLang="en-US" b="1"/>
               <a:t>Reading the header</a:t>
             </a:r>
           </a:p>
@@ -9595,13 +10140,6 @@
   <p:clrMapOvr>
     <a:masterClrMapping/>
   </p:clrMapOvr>
-  <p:timing>
-    <p:tnLst>
-      <p:par>
-        <p:cTn id="1" dur="indefinite" restart="never" nodeType="tmRoot"/>
-      </p:par>
-    </p:tnLst>
-  </p:timing>
 </p:sld>
 </file>
 
@@ -9644,7 +10182,7 @@
           <a:p>
             <a:pPr eaLnBrk="1" hangingPunct="1"/>
             <a:r>
-              <a:rPr lang="en-GB" altLang="en-US" b="1" smtClean="0"/>
+              <a:rPr lang="en-GB" altLang="en-US" b="1"/>
               <a:t>Reading the header</a:t>
             </a:r>
           </a:p>
@@ -9913,13 +10451,6 @@
   <p:clrMapOvr>
     <a:masterClrMapping/>
   </p:clrMapOvr>
-  <p:timing>
-    <p:tnLst>
-      <p:par>
-        <p:cTn id="1" dur="indefinite" restart="never" nodeType="tmRoot"/>
-      </p:par>
-    </p:tnLst>
-  </p:timing>
 </p:sld>
 </file>
 
@@ -9962,7 +10493,7 @@
           <a:p>
             <a:pPr eaLnBrk="1" hangingPunct="1"/>
             <a:r>
-              <a:rPr lang="en-GB" altLang="en-US" b="1" smtClean="0"/>
+              <a:rPr lang="en-GB" altLang="en-US" b="1"/>
               <a:t>Reading the header</a:t>
             </a:r>
           </a:p>
@@ -10124,42 +10655,42 @@
               <a:defRPr/>
             </a:pPr>
             <a:r>
-              <a:rPr lang="en-GB" altLang="en-US" sz="2000" b="1" dirty="0" err="1" smtClean="0">
+              <a:rPr lang="en-GB" altLang="en-US" sz="2000" b="1" dirty="0" err="1">
                 <a:latin typeface="Courier New" pitchFamily="49" charset="0"/>
                 <a:cs typeface="Courier New" pitchFamily="49" charset="0"/>
               </a:rPr>
               <a:t>def</a:t>
             </a:r>
             <a:r>
-              <a:rPr lang="en-GB" altLang="en-US" sz="2000" b="1" dirty="0" smtClean="0">
+              <a:rPr lang="en-GB" altLang="en-US" sz="2000" b="1" dirty="0">
                 <a:latin typeface="Courier New" pitchFamily="49" charset="0"/>
                 <a:cs typeface="Courier New" pitchFamily="49" charset="0"/>
               </a:rPr>
               <a:t> </a:t>
             </a:r>
             <a:r>
-              <a:rPr lang="en-GB" altLang="en-US" sz="2000" dirty="0" err="1" smtClean="0">
+              <a:rPr lang="en-GB" altLang="en-US" sz="2000" dirty="0" err="1">
                 <a:latin typeface="Courier New" pitchFamily="49" charset="0"/>
                 <a:cs typeface="Courier New" pitchFamily="49" charset="0"/>
               </a:rPr>
               <a:t>readHeader</a:t>
             </a:r>
             <a:r>
-              <a:rPr lang="en-GB" altLang="en-US" sz="2000" dirty="0" smtClean="0">
+              <a:rPr lang="en-GB" altLang="en-US" sz="2000" dirty="0">
                 <a:latin typeface="Courier New" pitchFamily="49" charset="0"/>
                 <a:cs typeface="Courier New" pitchFamily="49" charset="0"/>
               </a:rPr>
               <a:t>(</a:t>
             </a:r>
             <a:r>
-              <a:rPr lang="en-GB" altLang="en-US" sz="2000" dirty="0" err="1" smtClean="0">
+              <a:rPr lang="en-GB" altLang="en-US" sz="2000" dirty="0" err="1">
                 <a:latin typeface="Courier New" pitchFamily="49" charset="0"/>
                 <a:cs typeface="Courier New" pitchFamily="49" charset="0"/>
               </a:rPr>
               <a:t>fname</a:t>
             </a:r>
             <a:r>
-              <a:rPr lang="en-GB" altLang="en-US" sz="2000" dirty="0" smtClean="0">
+              <a:rPr lang="en-GB" altLang="en-US" sz="2000" dirty="0">
                 <a:latin typeface="Courier New" pitchFamily="49" charset="0"/>
                 <a:cs typeface="Courier New" pitchFamily="49" charset="0"/>
               </a:rPr>
@@ -10171,7 +10702,7 @@
               <a:defRPr/>
             </a:pPr>
             <a:r>
-              <a:rPr lang="en-GB" altLang="en-US" sz="2000" dirty="0" smtClean="0">
+              <a:rPr lang="en-GB" altLang="en-US" sz="2000" dirty="0">
                 <a:solidFill>
                   <a:schemeClr val="tx2">
                     <a:lumMod val="50000"/>
@@ -10183,7 +10714,7 @@
               <a:t>    </a:t>
             </a:r>
             <a:r>
-              <a:rPr lang="en-GB" altLang="en-US" sz="2000" dirty="0" smtClean="0">
+              <a:rPr lang="en-GB" altLang="en-US" sz="2000" dirty="0">
                 <a:solidFill>
                   <a:srgbClr val="FFC000"/>
                 </a:solidFill>
@@ -10198,7 +10729,7 @@
               <a:defRPr/>
             </a:pPr>
             <a:r>
-              <a:rPr lang="en-GB" altLang="en-US" sz="2000" dirty="0" smtClean="0">
+              <a:rPr lang="en-GB" altLang="en-US" sz="2000" dirty="0">
                 <a:solidFill>
                   <a:schemeClr val="tx2">
                     <a:lumMod val="50000"/>
@@ -10210,7 +10741,7 @@
               <a:t>    </a:t>
             </a:r>
             <a:r>
-              <a:rPr lang="en-GB" altLang="en-US" sz="2000" b="1" dirty="0" smtClean="0">
+              <a:rPr lang="en-GB" altLang="en-US" sz="2000" b="1" dirty="0">
                 <a:solidFill>
                   <a:schemeClr val="tx2">
                     <a:lumMod val="50000"/>
@@ -10222,7 +10753,7 @@
               <a:t>with</a:t>
             </a:r>
             <a:r>
-              <a:rPr lang="en-GB" altLang="en-US" sz="2000" dirty="0" smtClean="0">
+              <a:rPr lang="en-GB" altLang="en-US" sz="2000" dirty="0">
                 <a:solidFill>
                   <a:schemeClr val="tx2">
                     <a:lumMod val="50000"/>
@@ -10234,7 +10765,7 @@
               <a:t> open(</a:t>
             </a:r>
             <a:r>
-              <a:rPr lang="en-GB" altLang="en-US" sz="2000" dirty="0" err="1" smtClean="0">
+              <a:rPr lang="en-GB" altLang="en-US" sz="2000" dirty="0" err="1">
                 <a:solidFill>
                   <a:schemeClr val="tx2">
                     <a:lumMod val="50000"/>
@@ -10246,7 +10777,7 @@
               <a:t>fname</a:t>
             </a:r>
             <a:r>
-              <a:rPr lang="en-GB" altLang="en-US" sz="2000" dirty="0" smtClean="0">
+              <a:rPr lang="en-GB" altLang="en-US" sz="2000" dirty="0">
                 <a:solidFill>
                   <a:schemeClr val="tx2">
                     <a:lumMod val="50000"/>
@@ -10258,7 +10789,7 @@
               <a:t>) </a:t>
             </a:r>
             <a:r>
-              <a:rPr lang="en-GB" altLang="en-US" sz="2000" b="1" dirty="0" smtClean="0">
+              <a:rPr lang="en-GB" altLang="en-US" sz="2000" b="1" dirty="0">
                 <a:solidFill>
                   <a:schemeClr val="tx2">
                     <a:lumMod val="50000"/>
@@ -10270,7 +10801,7 @@
               <a:t>as</a:t>
             </a:r>
             <a:r>
-              <a:rPr lang="en-GB" altLang="en-US" sz="2000" dirty="0" smtClean="0">
+              <a:rPr lang="en-GB" altLang="en-US" sz="2000" dirty="0">
                 <a:solidFill>
                   <a:schemeClr val="tx2">
                     <a:lumMod val="50000"/>
@@ -10287,7 +10818,7 @@
               <a:defRPr/>
             </a:pPr>
             <a:r>
-              <a:rPr lang="en-GB" altLang="en-US" sz="2000" dirty="0" smtClean="0">
+              <a:rPr lang="en-GB" altLang="en-US" sz="2000" dirty="0">
                 <a:solidFill>
                   <a:schemeClr val="tx2">
                     <a:lumMod val="50000"/>
@@ -10299,7 +10830,7 @@
               <a:t>        head = </a:t>
             </a:r>
             <a:r>
-              <a:rPr lang="en-GB" altLang="en-US" sz="2000" dirty="0" err="1" smtClean="0">
+              <a:rPr lang="en-GB" altLang="en-US" sz="2000" dirty="0" err="1">
                 <a:solidFill>
                   <a:schemeClr val="tx2">
                     <a:lumMod val="50000"/>
@@ -10311,7 +10842,7 @@
               <a:t>f.readlines</a:t>
             </a:r>
             <a:r>
-              <a:rPr lang="en-GB" altLang="en-US" sz="2000" dirty="0" smtClean="0">
+              <a:rPr lang="en-GB" altLang="en-US" sz="2000" dirty="0">
                 <a:solidFill>
                   <a:schemeClr val="tx2">
                     <a:lumMod val="50000"/>
@@ -10328,7 +10859,7 @@
               <a:defRPr/>
             </a:pPr>
             <a:r>
-              <a:rPr lang="en-GB" altLang="en-US" sz="2000" b="1" dirty="0" smtClean="0">
+              <a:rPr lang="en-GB" altLang="en-US" sz="2000" b="1" dirty="0">
                 <a:latin typeface="Courier New" pitchFamily="49" charset="0"/>
                 <a:cs typeface="Courier New" pitchFamily="49" charset="0"/>
               </a:rPr>
@@ -10340,7 +10871,7 @@
               <a:defRPr/>
             </a:pPr>
             <a:r>
-              <a:rPr lang="en-GB" altLang="en-US" sz="2000" dirty="0" smtClean="0">
+              <a:rPr lang="en-GB" altLang="en-US" sz="2000" dirty="0">
                 <a:solidFill>
                   <a:schemeClr val="accent2">
                     <a:lumMod val="50000"/>
@@ -10352,7 +10883,7 @@
               <a:t>    </a:t>
             </a:r>
             <a:r>
-              <a:rPr lang="en-GB" altLang="en-US" sz="2000" dirty="0" smtClean="0">
+              <a:rPr lang="en-GB" altLang="en-US" sz="2000" dirty="0">
                 <a:solidFill>
                   <a:srgbClr val="FFC000"/>
                 </a:solidFill>
@@ -10367,7 +10898,7 @@
               <a:defRPr/>
             </a:pPr>
             <a:r>
-              <a:rPr lang="en-GB" altLang="en-US" sz="2000" dirty="0" smtClean="0">
+              <a:rPr lang="en-GB" altLang="en-US" sz="2000" dirty="0">
                 <a:solidFill>
                   <a:schemeClr val="accent2">
                     <a:lumMod val="50000"/>
@@ -10379,7 +10910,7 @@
               <a:t>    </a:t>
             </a:r>
             <a:r>
-              <a:rPr lang="en-GB" altLang="en-US" sz="2000" dirty="0" smtClean="0">
+              <a:rPr lang="en-GB" altLang="en-US" sz="2000" dirty="0">
                 <a:latin typeface="Courier New" pitchFamily="49" charset="0"/>
                 <a:cs typeface="Courier New" pitchFamily="49" charset="0"/>
               </a:rPr>
@@ -10391,21 +10922,21 @@
               <a:defRPr/>
             </a:pPr>
             <a:r>
-              <a:rPr lang="en-GB" altLang="en-US" sz="2000" dirty="0" smtClean="0">
+              <a:rPr lang="en-GB" altLang="en-US" sz="2000" dirty="0">
                 <a:latin typeface="Courier New" pitchFamily="49" charset="0"/>
                 <a:cs typeface="Courier New" pitchFamily="49" charset="0"/>
               </a:rPr>
               <a:t>    units = </a:t>
             </a:r>
             <a:r>
-              <a:rPr lang="en-GB" altLang="en-US" sz="2000" dirty="0" err="1" smtClean="0">
+              <a:rPr lang="en-GB" altLang="en-US" sz="2000" dirty="0" err="1">
                 <a:latin typeface="Courier New" pitchFamily="49" charset="0"/>
                 <a:cs typeface="Courier New" pitchFamily="49" charset="0"/>
               </a:rPr>
               <a:t>units.replace</a:t>
             </a:r>
             <a:r>
-              <a:rPr lang="en-GB" altLang="en-US" sz="2000" dirty="0" smtClean="0">
+              <a:rPr lang="en-GB" altLang="en-US" sz="2000" dirty="0">
                 <a:latin typeface="Courier New" pitchFamily="49" charset="0"/>
                 <a:cs typeface="Courier New" pitchFamily="49" charset="0"/>
               </a:rPr>
@@ -10416,7 +10947,7 @@
             <a:pPr eaLnBrk="1" hangingPunct="1">
               <a:defRPr/>
             </a:pPr>
-            <a:endParaRPr lang="en-GB" altLang="en-US" sz="2000" b="1" dirty="0" smtClean="0">
+            <a:endParaRPr lang="en-GB" altLang="en-US" sz="2000" b="1" dirty="0">
               <a:latin typeface="Courier New" pitchFamily="49" charset="0"/>
               <a:cs typeface="Courier New" pitchFamily="49" charset="0"/>
             </a:endParaRPr>
@@ -10426,7 +10957,7 @@
               <a:defRPr/>
             </a:pPr>
             <a:r>
-              <a:rPr lang="en-GB" altLang="en-US" sz="2000" dirty="0" smtClean="0">
+              <a:rPr lang="en-GB" altLang="en-US" sz="2000" dirty="0">
                 <a:solidFill>
                   <a:schemeClr val="tx2">
                     <a:lumMod val="50000"/>
@@ -10438,7 +10969,7 @@
               <a:t>    </a:t>
             </a:r>
             <a:r>
-              <a:rPr lang="en-GB" altLang="en-US" sz="2000" dirty="0" smtClean="0">
+              <a:rPr lang="en-GB" altLang="en-US" sz="2000" dirty="0">
                 <a:solidFill>
                   <a:srgbClr val="FFC000"/>
                 </a:solidFill>
@@ -10453,7 +10984,7 @@
               <a:defRPr/>
             </a:pPr>
             <a:r>
-              <a:rPr lang="en-GB" altLang="en-US" sz="2000" dirty="0" smtClean="0">
+              <a:rPr lang="en-GB" altLang="en-US" sz="2000" dirty="0">
                 <a:solidFill>
                   <a:schemeClr val="tx2">
                     <a:lumMod val="50000"/>
@@ -10470,7 +11001,7 @@
               <a:defRPr/>
             </a:pPr>
             <a:r>
-              <a:rPr lang="en-GB" altLang="en-US" sz="2000" dirty="0" smtClean="0">
+              <a:rPr lang="en-GB" altLang="en-US" sz="2000" dirty="0">
                 <a:solidFill>
                   <a:schemeClr val="tx2">
                     <a:lumMod val="50000"/>
@@ -10482,7 +11013,7 @@
               <a:t>    </a:t>
             </a:r>
             <a:r>
-              <a:rPr lang="en-GB" altLang="en-US" sz="2000" b="1" dirty="0" smtClean="0">
+              <a:rPr lang="en-GB" altLang="en-US" sz="2000" b="1" dirty="0">
                 <a:solidFill>
                   <a:schemeClr val="tx2">
                     <a:lumMod val="50000"/>
@@ -10494,7 +11025,7 @@
               <a:t>return</a:t>
             </a:r>
             <a:r>
-              <a:rPr lang="en-GB" altLang="en-US" sz="2000" dirty="0" smtClean="0">
+              <a:rPr lang="en-GB" altLang="en-US" sz="2000" dirty="0">
                 <a:solidFill>
                   <a:schemeClr val="tx2">
                     <a:lumMod val="50000"/>
@@ -10807,7 +11338,7 @@
           <a:p>
             <a:pPr eaLnBrk="1" hangingPunct="1"/>
             <a:r>
-              <a:rPr lang="en-GB" altLang="en-US" b="1" smtClean="0"/>
+              <a:rPr lang="en-GB" altLang="en-US" b="1"/>
               <a:t>Test the reader</a:t>
             </a:r>
           </a:p>
@@ -10969,14 +11500,14 @@
               <a:defRPr/>
             </a:pPr>
             <a:r>
-              <a:rPr lang="en-GB" altLang="en-US" sz="2000" b="1" dirty="0" smtClean="0">
+              <a:rPr lang="en-GB" altLang="en-US" sz="2000" b="1" dirty="0">
                 <a:latin typeface="Courier New" pitchFamily="49" charset="0"/>
                 <a:cs typeface="Courier New" pitchFamily="49" charset="0"/>
               </a:rPr>
               <a:t>&gt;&gt;&gt;</a:t>
             </a:r>
             <a:r>
-              <a:rPr lang="en-GB" altLang="en-US" sz="2000" dirty="0" smtClean="0">
+              <a:rPr lang="en-GB" altLang="en-US" sz="2000" dirty="0">
                 <a:latin typeface="Courier New" pitchFamily="49" charset="0"/>
                 <a:cs typeface="Courier New" pitchFamily="49" charset="0"/>
               </a:rPr>
@@ -10988,35 +11519,35 @@
               <a:defRPr/>
             </a:pPr>
             <a:r>
-              <a:rPr lang="en-GB" altLang="en-US" sz="2000" dirty="0" smtClean="0">
+              <a:rPr lang="en-GB" altLang="en-US" sz="2000" dirty="0">
                 <a:latin typeface="Courier New" pitchFamily="49" charset="0"/>
                 <a:cs typeface="Courier New" pitchFamily="49" charset="0"/>
               </a:rPr>
               <a:t>        </a:t>
             </a:r>
             <a:r>
-              <a:rPr lang="en-GB" altLang="en-US" sz="2000" dirty="0" err="1" smtClean="0">
+              <a:rPr lang="en-GB" altLang="en-US" sz="2000" dirty="0" err="1">
                 <a:latin typeface="Courier New" pitchFamily="49" charset="0"/>
                 <a:cs typeface="Courier New" pitchFamily="49" charset="0"/>
               </a:rPr>
               <a:t>readHeader</a:t>
             </a:r>
             <a:r>
-              <a:rPr lang="en-GB" altLang="en-US" sz="2000" dirty="0" smtClean="0">
+              <a:rPr lang="en-GB" altLang="en-US" sz="2000" dirty="0">
                 <a:latin typeface="Courier New" pitchFamily="49" charset="0"/>
                 <a:cs typeface="Courier New" pitchFamily="49" charset="0"/>
               </a:rPr>
               <a:t>("../</a:t>
             </a:r>
             <a:r>
-              <a:rPr lang="en-GB" altLang="en-US" sz="2000" dirty="0" err="1" smtClean="0">
+              <a:rPr lang="en-GB" altLang="en-US" sz="2000" dirty="0" err="1">
                 <a:latin typeface="Courier New" pitchFamily="49" charset="0"/>
                 <a:cs typeface="Courier New" pitchFamily="49" charset="0"/>
               </a:rPr>
               <a:t>example_data</a:t>
             </a:r>
             <a:r>
-              <a:rPr lang="en-GB" altLang="en-US" sz="2000" dirty="0" smtClean="0">
+              <a:rPr lang="en-GB" altLang="en-US" sz="2000" dirty="0">
                 <a:latin typeface="Courier New" pitchFamily="49" charset="0"/>
                 <a:cs typeface="Courier New" pitchFamily="49" charset="0"/>
               </a:rPr>
@@ -11027,7 +11558,7 @@
             <a:pPr eaLnBrk="1" hangingPunct="1">
               <a:defRPr/>
             </a:pPr>
-            <a:endParaRPr lang="en-GB" altLang="en-US" sz="2000" dirty="0" smtClean="0">
+            <a:endParaRPr lang="en-GB" altLang="en-US" sz="2000" dirty="0">
               <a:latin typeface="Courier New" pitchFamily="49" charset="0"/>
               <a:cs typeface="Courier New" pitchFamily="49" charset="0"/>
             </a:endParaRPr>
@@ -11037,39 +11568,32 @@
               <a:defRPr/>
             </a:pPr>
             <a:r>
-              <a:rPr lang="en-GB" altLang="en-US" sz="2000" b="1" dirty="0" smtClean="0">
+              <a:rPr lang="en-GB" altLang="en-US" sz="2000" b="1" dirty="0">
                 <a:latin typeface="Courier New" pitchFamily="49" charset="0"/>
                 <a:cs typeface="Courier New" pitchFamily="49" charset="0"/>
               </a:rPr>
               <a:t>&gt;&gt;&gt;</a:t>
-            </a:r>
-            <a:r>
-              <a:rPr lang="en-GB" altLang="en-US" sz="2000" dirty="0" smtClean="0">
-                <a:latin typeface="Courier New" pitchFamily="49" charset="0"/>
-                <a:cs typeface="Courier New" pitchFamily="49" charset="0"/>
-              </a:rPr>
-              <a:t> </a:t>
-            </a:r>
-            <a:r>
-              <a:rPr lang="en-GB" altLang="en-US" sz="2000" b="1" dirty="0" smtClean="0">
-                <a:latin typeface="Courier New" pitchFamily="49" charset="0"/>
-                <a:cs typeface="Courier New" pitchFamily="49" charset="0"/>
-              </a:rPr>
-              <a:t>print</a:t>
             </a:r>
             <a:r>
               <a:rPr lang="en-GB" altLang="en-US" sz="2000" dirty="0">
                 <a:latin typeface="Courier New" pitchFamily="49" charset="0"/>
                 <a:cs typeface="Courier New" pitchFamily="49" charset="0"/>
               </a:rPr>
-              <a:t>(</a:t>
-            </a:r>
-            <a:r>
-              <a:rPr lang="en-GB" altLang="en-US" sz="2000" dirty="0" smtClean="0">
+              <a:t> </a:t>
+            </a:r>
+            <a:r>
+              <a:rPr lang="en-GB" altLang="en-US" sz="2000" b="1" dirty="0">
                 <a:latin typeface="Courier New" pitchFamily="49" charset="0"/>
                 <a:cs typeface="Courier New" pitchFamily="49" charset="0"/>
               </a:rPr>
-              <a:t>location, variable, units)</a:t>
+              <a:t>print</a:t>
+            </a:r>
+            <a:r>
+              <a:rPr lang="en-GB" altLang="en-US" sz="2000" dirty="0">
+                <a:latin typeface="Courier New" pitchFamily="49" charset="0"/>
+                <a:cs typeface="Courier New" pitchFamily="49" charset="0"/>
+              </a:rPr>
+              <a:t>(location, variable, units)</a:t>
             </a:r>
           </a:p>
           <a:p>
@@ -11077,7 +11601,7 @@
               <a:defRPr/>
             </a:pPr>
             <a:r>
-              <a:rPr lang="en-GB" altLang="en-US" sz="2000" i="1" dirty="0" smtClean="0">
+              <a:rPr lang="en-GB" altLang="en-US" sz="2000" i="1" dirty="0">
                 <a:solidFill>
                   <a:schemeClr val="tx2">
                     <a:lumMod val="50000"/>
@@ -11093,7 +11617,7 @@
             <a:pPr eaLnBrk="1" hangingPunct="1">
               <a:defRPr/>
             </a:pPr>
-            <a:endParaRPr lang="en-GB" altLang="en-US" sz="2000" dirty="0" smtClean="0">
+            <a:endParaRPr lang="en-GB" altLang="en-US" sz="2000" dirty="0">
               <a:latin typeface="Courier New" pitchFamily="49" charset="0"/>
               <a:cs typeface="Courier New" pitchFamily="49" charset="0"/>
             </a:endParaRPr>
@@ -11103,39 +11627,32 @@
               <a:defRPr/>
             </a:pPr>
             <a:r>
-              <a:rPr lang="en-GB" altLang="en-US" sz="2000" b="1" dirty="0" smtClean="0">
+              <a:rPr lang="en-GB" altLang="en-US" sz="2000" b="1" dirty="0">
                 <a:latin typeface="Courier New" pitchFamily="49" charset="0"/>
                 <a:cs typeface="Courier New" pitchFamily="49" charset="0"/>
               </a:rPr>
               <a:t>&gt;&gt;&gt;</a:t>
-            </a:r>
-            <a:r>
-              <a:rPr lang="en-GB" altLang="en-US" sz="2000" dirty="0" smtClean="0">
-                <a:latin typeface="Courier New" pitchFamily="49" charset="0"/>
-                <a:cs typeface="Courier New" pitchFamily="49" charset="0"/>
-              </a:rPr>
-              <a:t> </a:t>
-            </a:r>
-            <a:r>
-              <a:rPr lang="en-GB" altLang="en-US" sz="2000" b="1" dirty="0" smtClean="0">
-                <a:latin typeface="Courier New" pitchFamily="49" charset="0"/>
-                <a:cs typeface="Courier New" pitchFamily="49" charset="0"/>
-              </a:rPr>
-              <a:t>print</a:t>
             </a:r>
             <a:r>
               <a:rPr lang="en-GB" altLang="en-US" sz="2000" dirty="0">
                 <a:latin typeface="Courier New" pitchFamily="49" charset="0"/>
                 <a:cs typeface="Courier New" pitchFamily="49" charset="0"/>
               </a:rPr>
-              <a:t>(</a:t>
-            </a:r>
-            <a:r>
-              <a:rPr lang="en-GB" altLang="en-US" sz="2000" dirty="0" smtClean="0">
+              <a:t> </a:t>
+            </a:r>
+            <a:r>
+              <a:rPr lang="en-GB" altLang="en-US" sz="2000" b="1" dirty="0">
                 <a:latin typeface="Courier New" pitchFamily="49" charset="0"/>
                 <a:cs typeface="Courier New" pitchFamily="49" charset="0"/>
               </a:rPr>
-              <a:t>comments[1])</a:t>
+              <a:t>print</a:t>
+            </a:r>
+            <a:r>
+              <a:rPr lang="en-GB" altLang="en-US" sz="2000" dirty="0">
+                <a:latin typeface="Courier New" pitchFamily="49" charset="0"/>
+                <a:cs typeface="Courier New" pitchFamily="49" charset="0"/>
+              </a:rPr>
+              <a:t>(comments[1])</a:t>
             </a:r>
           </a:p>
           <a:p>
@@ -11143,7 +11660,7 @@
               <a:defRPr/>
             </a:pPr>
             <a:r>
-              <a:rPr lang="en-GB" altLang="en-US" sz="2000" i="1" dirty="0" smtClean="0">
+              <a:rPr lang="en-GB" altLang="en-US" sz="2000" i="1" dirty="0">
                 <a:solidFill>
                   <a:schemeClr val="tx2">
                     <a:lumMod val="50000"/>
@@ -11394,7 +11911,7 @@
           <a:p>
             <a:pPr eaLnBrk="1" hangingPunct="1"/>
             <a:r>
-              <a:rPr lang="en-GB" altLang="en-US" b="1" smtClean="0"/>
+              <a:rPr lang="en-GB" altLang="en-US" b="1"/>
               <a:t>Write a function to handle missing data properly</a:t>
             </a:r>
           </a:p>
@@ -11588,7 +12105,7 @@
             <a:pPr eaLnBrk="1" hangingPunct="1">
               <a:defRPr/>
             </a:pPr>
-            <a:endParaRPr lang="en-GB" altLang="en-US" sz="2000" dirty="0" smtClean="0">
+            <a:endParaRPr lang="en-GB" altLang="en-US" sz="2000" dirty="0">
               <a:latin typeface="Courier New" pitchFamily="49" charset="0"/>
               <a:cs typeface="Courier New" pitchFamily="49" charset="0"/>
             </a:endParaRPr>
@@ -11607,28 +12124,28 @@
               <a:defRPr/>
             </a:pPr>
             <a:r>
-              <a:rPr lang="en-GB" altLang="en-US" sz="2000" b="1" dirty="0" err="1" smtClean="0">
+              <a:rPr lang="en-GB" altLang="en-US" sz="2000" b="1" dirty="0" err="1">
                 <a:latin typeface="Courier New" pitchFamily="49" charset="0"/>
                 <a:cs typeface="Courier New" pitchFamily="49" charset="0"/>
               </a:rPr>
               <a:t>def</a:t>
             </a:r>
             <a:r>
-              <a:rPr lang="en-GB" altLang="en-US" sz="2000" dirty="0" smtClean="0">
+              <a:rPr lang="en-GB" altLang="en-US" sz="2000" dirty="0">
                 <a:latin typeface="Courier New" pitchFamily="49" charset="0"/>
                 <a:cs typeface="Courier New" pitchFamily="49" charset="0"/>
               </a:rPr>
               <a:t> </a:t>
             </a:r>
             <a:r>
-              <a:rPr lang="en-GB" altLang="en-US" sz="2000" dirty="0" err="1" smtClean="0">
+              <a:rPr lang="en-GB" altLang="en-US" sz="2000" dirty="0" err="1">
                 <a:latin typeface="Courier New" pitchFamily="49" charset="0"/>
                 <a:cs typeface="Courier New" pitchFamily="49" charset="0"/>
               </a:rPr>
               <a:t>checkValue</a:t>
             </a:r>
             <a:r>
-              <a:rPr lang="en-GB" altLang="en-US" sz="2000" dirty="0" smtClean="0">
+              <a:rPr lang="en-GB" altLang="en-US" sz="2000" dirty="0">
                 <a:latin typeface="Courier New" pitchFamily="49" charset="0"/>
                 <a:cs typeface="Courier New" pitchFamily="49" charset="0"/>
               </a:rPr>
@@ -11640,26 +12157,14 @@
               <a:defRPr/>
             </a:pPr>
             <a:r>
-              <a:rPr lang="en-GB" altLang="en-US" sz="2000" dirty="0" smtClean="0">
-                <a:solidFill>
-                  <a:schemeClr val="tx2">
-                    <a:lumMod val="50000"/>
-                  </a:schemeClr>
+              <a:rPr lang="en-GB" altLang="en-US" sz="2000" dirty="0">
+                <a:solidFill>
+                  <a:srgbClr val="00B050"/>
                 </a:solidFill>
                 <a:latin typeface="Courier New" pitchFamily="49" charset="0"/>
                 <a:cs typeface="Courier New" pitchFamily="49" charset="0"/>
               </a:rPr>
-              <a:t>    </a:t>
-            </a:r>
-            <a:r>
-              <a:rPr lang="en-GB" altLang="en-US" sz="2000" dirty="0" smtClean="0">
-                <a:solidFill>
-                  <a:srgbClr val="FFC000"/>
-                </a:solidFill>
-                <a:latin typeface="Courier New" pitchFamily="49" charset="0"/>
-                <a:cs typeface="Courier New" pitchFamily="49" charset="0"/>
-              </a:rPr>
-              <a:t># Check if value should be a float </a:t>
+              <a:t>    # Check if value should be a float </a:t>
             </a:r>
           </a:p>
           <a:p>
@@ -11667,26 +12172,14 @@
               <a:defRPr/>
             </a:pPr>
             <a:r>
-              <a:rPr lang="en-GB" altLang="en-US" sz="2000" dirty="0" smtClean="0">
-                <a:solidFill>
-                  <a:schemeClr val="tx2">
-                    <a:lumMod val="50000"/>
-                  </a:schemeClr>
+              <a:rPr lang="en-GB" altLang="en-US" sz="2000" dirty="0">
+                <a:solidFill>
+                  <a:srgbClr val="00B050"/>
                 </a:solidFill>
                 <a:latin typeface="Courier New" pitchFamily="49" charset="0"/>
                 <a:cs typeface="Courier New" pitchFamily="49" charset="0"/>
               </a:rPr>
-              <a:t>    </a:t>
-            </a:r>
-            <a:r>
-              <a:rPr lang="en-GB" altLang="en-US" sz="2000" dirty="0" smtClean="0">
-                <a:solidFill>
-                  <a:srgbClr val="FFC000"/>
-                </a:solidFill>
-                <a:latin typeface="Courier New" pitchFamily="49" charset="0"/>
-                <a:cs typeface="Courier New" pitchFamily="49" charset="0"/>
-              </a:rPr>
-              <a:t># or flagged as missing</a:t>
+              <a:t>    # or flagged as missing</a:t>
             </a:r>
           </a:p>
           <a:p>
@@ -11694,21 +12187,21 @@
               <a:defRPr/>
             </a:pPr>
             <a:r>
-              <a:rPr lang="en-GB" altLang="en-US" sz="2000" dirty="0" smtClean="0">
+              <a:rPr lang="en-GB" altLang="en-US" sz="2000" dirty="0">
                 <a:latin typeface="Courier New" pitchFamily="49" charset="0"/>
                 <a:cs typeface="Courier New" pitchFamily="49" charset="0"/>
               </a:rPr>
               <a:t>    </a:t>
             </a:r>
             <a:r>
-              <a:rPr lang="en-GB" altLang="en-US" sz="2000" b="1" dirty="0" smtClean="0">
+              <a:rPr lang="en-GB" altLang="en-US" sz="2000" b="1" dirty="0">
                 <a:latin typeface="Courier New" pitchFamily="49" charset="0"/>
                 <a:cs typeface="Courier New" pitchFamily="49" charset="0"/>
               </a:rPr>
               <a:t>if</a:t>
             </a:r>
             <a:r>
-              <a:rPr lang="en-GB" altLang="en-US" sz="2000" dirty="0" smtClean="0">
+              <a:rPr lang="en-GB" altLang="en-US" sz="2000" dirty="0">
                 <a:latin typeface="Courier New" pitchFamily="49" charset="0"/>
                 <a:cs typeface="Courier New" pitchFamily="49" charset="0"/>
               </a:rPr>
@@ -11720,20 +12213,20 @@
               <a:defRPr/>
             </a:pPr>
             <a:r>
-              <a:rPr lang="en-GB" altLang="en-US" sz="2000" dirty="0" smtClean="0">
+              <a:rPr lang="en-GB" altLang="en-US" sz="2000" dirty="0">
                 <a:latin typeface="Courier New" pitchFamily="49" charset="0"/>
                 <a:cs typeface="Courier New" pitchFamily="49" charset="0"/>
               </a:rPr>
               <a:t>        value = </a:t>
             </a:r>
             <a:r>
-              <a:rPr lang="en-GB" altLang="en-US" sz="2000" dirty="0" err="1" smtClean="0">
+              <a:rPr lang="en-GB" altLang="en-US" sz="2000" dirty="0" err="1">
                 <a:latin typeface="Courier New" pitchFamily="49" charset="0"/>
                 <a:cs typeface="Courier New" pitchFamily="49" charset="0"/>
               </a:rPr>
               <a:t>MA.masked</a:t>
             </a:r>
-            <a:endParaRPr lang="en-GB" altLang="en-US" sz="2000" dirty="0" smtClean="0">
+            <a:endParaRPr lang="en-GB" altLang="en-US" sz="2000" dirty="0">
               <a:latin typeface="Courier New" pitchFamily="49" charset="0"/>
               <a:cs typeface="Courier New" pitchFamily="49" charset="0"/>
             </a:endParaRPr>
@@ -11743,21 +12236,21 @@
               <a:defRPr/>
             </a:pPr>
             <a:r>
-              <a:rPr lang="en-GB" altLang="en-US" sz="2000" dirty="0" smtClean="0">
+              <a:rPr lang="en-GB" altLang="en-US" sz="2000" dirty="0">
                 <a:latin typeface="Courier New" pitchFamily="49" charset="0"/>
                 <a:cs typeface="Courier New" pitchFamily="49" charset="0"/>
               </a:rPr>
               <a:t>    </a:t>
             </a:r>
             <a:r>
-              <a:rPr lang="en-GB" altLang="en-US" sz="2000" b="1" dirty="0" smtClean="0">
+              <a:rPr lang="en-GB" altLang="en-US" sz="2000" b="1" dirty="0">
                 <a:latin typeface="Courier New" pitchFamily="49" charset="0"/>
                 <a:cs typeface="Courier New" pitchFamily="49" charset="0"/>
               </a:rPr>
               <a:t>else</a:t>
             </a:r>
             <a:r>
-              <a:rPr lang="en-GB" altLang="en-US" sz="2000" dirty="0" smtClean="0">
+              <a:rPr lang="en-GB" altLang="en-US" sz="2000" dirty="0">
                 <a:latin typeface="Courier New" pitchFamily="49" charset="0"/>
                 <a:cs typeface="Courier New" pitchFamily="49" charset="0"/>
               </a:rPr>
@@ -11769,7 +12262,7 @@
               <a:defRPr/>
             </a:pPr>
             <a:r>
-              <a:rPr lang="en-GB" altLang="en-US" sz="2000" dirty="0" smtClean="0">
+              <a:rPr lang="en-GB" altLang="en-US" sz="2000" dirty="0">
                 <a:latin typeface="Courier New" pitchFamily="49" charset="0"/>
                 <a:cs typeface="Courier New" pitchFamily="49" charset="0"/>
               </a:rPr>
@@ -11781,21 +12274,21 @@
               <a:defRPr/>
             </a:pPr>
             <a:r>
-              <a:rPr lang="en-GB" altLang="en-US" sz="2000" dirty="0" smtClean="0">
+              <a:rPr lang="en-GB" altLang="en-US" sz="2000" dirty="0">
                 <a:latin typeface="Courier New" pitchFamily="49" charset="0"/>
                 <a:cs typeface="Courier New" pitchFamily="49" charset="0"/>
               </a:rPr>
               <a:t>    </a:t>
             </a:r>
             <a:r>
-              <a:rPr lang="en-GB" altLang="en-US" sz="2000" b="1" dirty="0" smtClean="0">
+              <a:rPr lang="en-GB" altLang="en-US" sz="2000" b="1" dirty="0">
                 <a:latin typeface="Courier New" pitchFamily="49" charset="0"/>
                 <a:cs typeface="Courier New" pitchFamily="49" charset="0"/>
               </a:rPr>
               <a:t>return</a:t>
             </a:r>
             <a:r>
-              <a:rPr lang="en-GB" altLang="en-US" sz="2000" dirty="0" smtClean="0">
+              <a:rPr lang="en-GB" altLang="en-US" sz="2000" dirty="0">
                 <a:latin typeface="Courier New" pitchFamily="49" charset="0"/>
                 <a:cs typeface="Courier New" pitchFamily="49" charset="0"/>
               </a:rPr>
@@ -11809,13 +12302,6 @@
   <p:clrMapOvr>
     <a:masterClrMapping/>
   </p:clrMapOvr>
-  <p:timing>
-    <p:tnLst>
-      <p:par>
-        <p:cTn id="1" dur="indefinite" restart="never" nodeType="tmRoot"/>
-      </p:par>
-    </p:tnLst>
-  </p:timing>
 </p:sld>
 </file>
 
@@ -11858,7 +12344,7 @@
           <a:p>
             <a:pPr eaLnBrk="1" hangingPunct="1"/>
             <a:r>
-              <a:rPr lang="en-GB" altLang="en-US" b="1" smtClean="0"/>
+              <a:rPr lang="en-GB" altLang="en-US" b="1"/>
               <a:t>Reading the data (part 1)</a:t>
             </a:r>
           </a:p>
@@ -12020,28 +12506,28 @@
               <a:defRPr/>
             </a:pPr>
             <a:r>
-              <a:rPr lang="en-GB" altLang="en-US" sz="2000" b="1" dirty="0" smtClean="0">
+              <a:rPr lang="en-GB" altLang="en-US" sz="2000" b="1" dirty="0">
                 <a:latin typeface="Courier New" pitchFamily="49" charset="0"/>
                 <a:cs typeface="Courier New" pitchFamily="49" charset="0"/>
               </a:rPr>
               <a:t>import </a:t>
             </a:r>
             <a:r>
-              <a:rPr lang="en-GB" altLang="en-US" sz="2000" dirty="0" smtClean="0">
+              <a:rPr lang="en-GB" altLang="en-US" sz="2000" dirty="0">
                 <a:latin typeface="Courier New" pitchFamily="49" charset="0"/>
                 <a:cs typeface="Courier New" pitchFamily="49" charset="0"/>
               </a:rPr>
               <a:t>numpy.ma</a:t>
             </a:r>
             <a:r>
-              <a:rPr lang="en-GB" altLang="en-US" sz="2000" b="1" dirty="0" smtClean="0">
+              <a:rPr lang="en-GB" altLang="en-US" sz="2000" b="1" dirty="0">
                 <a:latin typeface="Courier New" pitchFamily="49" charset="0"/>
                 <a:cs typeface="Courier New" pitchFamily="49" charset="0"/>
               </a:rPr>
               <a:t> as </a:t>
             </a:r>
             <a:r>
-              <a:rPr lang="en-GB" altLang="en-US" sz="2000" dirty="0" smtClean="0">
+              <a:rPr lang="en-GB" altLang="en-US" sz="2000" dirty="0">
                 <a:latin typeface="Courier New" pitchFamily="49" charset="0"/>
                 <a:cs typeface="Courier New" pitchFamily="49" charset="0"/>
               </a:rPr>
@@ -12052,7 +12538,7 @@
             <a:pPr eaLnBrk="1" hangingPunct="1">
               <a:defRPr/>
             </a:pPr>
-            <a:endParaRPr lang="en-GB" altLang="en-US" sz="800" b="1" dirty="0" smtClean="0">
+            <a:endParaRPr lang="en-GB" altLang="en-US" sz="800" b="1" dirty="0">
               <a:latin typeface="Courier New" pitchFamily="49" charset="0"/>
               <a:cs typeface="Courier New" pitchFamily="49" charset="0"/>
             </a:endParaRPr>
@@ -12062,42 +12548,42 @@
               <a:defRPr/>
             </a:pPr>
             <a:r>
-              <a:rPr lang="en-GB" altLang="en-US" sz="2000" b="1" dirty="0" err="1" smtClean="0">
+              <a:rPr lang="en-GB" altLang="en-US" sz="2000" b="1" dirty="0" err="1">
                 <a:latin typeface="Courier New" pitchFamily="49" charset="0"/>
                 <a:cs typeface="Courier New" pitchFamily="49" charset="0"/>
               </a:rPr>
               <a:t>def</a:t>
             </a:r>
             <a:r>
-              <a:rPr lang="en-GB" altLang="en-US" sz="2000" b="1" dirty="0" smtClean="0">
+              <a:rPr lang="en-GB" altLang="en-US" sz="2000" b="1" dirty="0">
                 <a:latin typeface="Courier New" pitchFamily="49" charset="0"/>
                 <a:cs typeface="Courier New" pitchFamily="49" charset="0"/>
               </a:rPr>
               <a:t> </a:t>
             </a:r>
             <a:r>
-              <a:rPr lang="en-GB" altLang="en-US" sz="2000" dirty="0" err="1" smtClean="0">
+              <a:rPr lang="en-GB" altLang="en-US" sz="2000" dirty="0" err="1">
                 <a:latin typeface="Courier New" pitchFamily="49" charset="0"/>
                 <a:cs typeface="Courier New" pitchFamily="49" charset="0"/>
               </a:rPr>
               <a:t>readData</a:t>
             </a:r>
             <a:r>
-              <a:rPr lang="en-GB" altLang="en-US" sz="2000" dirty="0" smtClean="0">
+              <a:rPr lang="en-GB" altLang="en-US" sz="2000" dirty="0">
                 <a:latin typeface="Courier New" pitchFamily="49" charset="0"/>
                 <a:cs typeface="Courier New" pitchFamily="49" charset="0"/>
               </a:rPr>
               <a:t>(</a:t>
             </a:r>
             <a:r>
-              <a:rPr lang="en-GB" altLang="en-US" sz="2000" dirty="0" err="1" smtClean="0">
+              <a:rPr lang="en-GB" altLang="en-US" sz="2000" dirty="0" err="1">
                 <a:latin typeface="Courier New" pitchFamily="49" charset="0"/>
                 <a:cs typeface="Courier New" pitchFamily="49" charset="0"/>
               </a:rPr>
               <a:t>fname</a:t>
             </a:r>
             <a:r>
-              <a:rPr lang="en-GB" altLang="en-US" sz="2000" dirty="0" smtClean="0">
+              <a:rPr lang="en-GB" altLang="en-US" sz="2000" dirty="0">
                 <a:latin typeface="Courier New" pitchFamily="49" charset="0"/>
                 <a:cs typeface="Courier New" pitchFamily="49" charset="0"/>
               </a:rPr>
@@ -12109,7 +12595,7 @@
               <a:defRPr/>
             </a:pPr>
             <a:r>
-              <a:rPr lang="en-GB" altLang="en-US" sz="2000" dirty="0" smtClean="0">
+              <a:rPr lang="en-GB" altLang="en-US" sz="2000" dirty="0">
                 <a:solidFill>
                   <a:schemeClr val="tx2">
                     <a:lumMod val="50000"/>
@@ -12121,7 +12607,7 @@
               <a:t>    </a:t>
             </a:r>
             <a:r>
-              <a:rPr lang="en-GB" altLang="en-US" sz="2000" dirty="0" smtClean="0">
+              <a:rPr lang="en-GB" altLang="en-US" sz="2000" dirty="0">
                 <a:solidFill>
                   <a:srgbClr val="FFC000"/>
                 </a:solidFill>
@@ -12136,7 +12622,7 @@
               <a:defRPr/>
             </a:pPr>
             <a:r>
-              <a:rPr lang="en-GB" altLang="en-US" sz="2000" dirty="0" smtClean="0">
+              <a:rPr lang="en-GB" altLang="en-US" sz="2000" dirty="0">
                 <a:solidFill>
                   <a:schemeClr val="tx2">
                     <a:lumMod val="50000"/>
@@ -12148,7 +12634,7 @@
               <a:t>    </a:t>
             </a:r>
             <a:r>
-              <a:rPr lang="en-GB" altLang="en-US" sz="2000" b="1" dirty="0" smtClean="0">
+              <a:rPr lang="en-GB" altLang="en-US" sz="2000" b="1" dirty="0">
                 <a:solidFill>
                   <a:schemeClr val="tx2">
                     <a:lumMod val="50000"/>
@@ -12160,7 +12646,7 @@
               <a:t>with</a:t>
             </a:r>
             <a:r>
-              <a:rPr lang="en-GB" altLang="en-US" sz="2000" dirty="0" smtClean="0">
+              <a:rPr lang="en-GB" altLang="en-US" sz="2000" dirty="0">
                 <a:solidFill>
                   <a:schemeClr val="tx2">
                     <a:lumMod val="50000"/>
@@ -12172,7 +12658,7 @@
               <a:t> open(</a:t>
             </a:r>
             <a:r>
-              <a:rPr lang="en-GB" altLang="en-US" sz="2000" dirty="0" err="1" smtClean="0">
+              <a:rPr lang="en-GB" altLang="en-US" sz="2000" dirty="0" err="1">
                 <a:solidFill>
                   <a:schemeClr val="tx2">
                     <a:lumMod val="50000"/>
@@ -12184,7 +12670,7 @@
               <a:t>fname</a:t>
             </a:r>
             <a:r>
-              <a:rPr lang="en-GB" altLang="en-US" sz="2000" dirty="0" smtClean="0">
+              <a:rPr lang="en-GB" altLang="en-US" sz="2000" dirty="0">
                 <a:solidFill>
                   <a:schemeClr val="tx2">
                     <a:lumMod val="50000"/>
@@ -12196,7 +12682,7 @@
               <a:t>) </a:t>
             </a:r>
             <a:r>
-              <a:rPr lang="en-GB" altLang="en-US" sz="2000" b="1" dirty="0" smtClean="0">
+              <a:rPr lang="en-GB" altLang="en-US" sz="2000" b="1" dirty="0">
                 <a:solidFill>
                   <a:schemeClr val="tx2">
                     <a:lumMod val="50000"/>
@@ -12208,7 +12694,7 @@
               <a:t>as</a:t>
             </a:r>
             <a:r>
-              <a:rPr lang="en-GB" altLang="en-US" sz="2000" dirty="0" smtClean="0">
+              <a:rPr lang="en-GB" altLang="en-US" sz="2000" dirty="0">
                 <a:solidFill>
                   <a:schemeClr val="tx2">
                     <a:lumMod val="50000"/>
@@ -12224,7 +12710,7 @@
             <a:pPr eaLnBrk="1" hangingPunct="1">
               <a:defRPr/>
             </a:pPr>
-            <a:endParaRPr lang="en-GB" altLang="en-US" sz="2000" dirty="0" smtClean="0">
+            <a:endParaRPr lang="en-GB" altLang="en-US" sz="2000" dirty="0">
               <a:latin typeface="Courier New" pitchFamily="49" charset="0"/>
               <a:cs typeface="Courier New" pitchFamily="49" charset="0"/>
             </a:endParaRPr>
@@ -12234,14 +12720,14 @@
               <a:defRPr/>
             </a:pPr>
             <a:r>
-              <a:rPr lang="en-GB" altLang="en-US" sz="2000" dirty="0" smtClean="0">
+              <a:rPr lang="en-GB" altLang="en-US" sz="2000" dirty="0">
                 <a:latin typeface="Courier New" pitchFamily="49" charset="0"/>
                 <a:cs typeface="Courier New" pitchFamily="49" charset="0"/>
               </a:rPr>
               <a:t>        </a:t>
             </a:r>
             <a:r>
-              <a:rPr lang="en-GB" altLang="en-US" sz="2000" dirty="0" smtClean="0">
+              <a:rPr lang="en-GB" altLang="en-US" sz="2000" dirty="0">
                 <a:solidFill>
                   <a:srgbClr val="FFC000"/>
                 </a:solidFill>
@@ -12256,35 +12742,35 @@
               <a:defRPr/>
             </a:pPr>
             <a:r>
-              <a:rPr lang="en-GB" altLang="en-US" sz="2000" dirty="0" smtClean="0">
+              <a:rPr lang="en-GB" altLang="en-US" sz="2000" dirty="0">
                 <a:latin typeface="Courier New" pitchFamily="49" charset="0"/>
                 <a:cs typeface="Courier New" pitchFamily="49" charset="0"/>
               </a:rPr>
               <a:t>        </a:t>
             </a:r>
             <a:r>
-              <a:rPr lang="en-GB" altLang="en-US" sz="2000" b="1" dirty="0" smtClean="0">
+              <a:rPr lang="en-GB" altLang="en-US" sz="2000" b="1" dirty="0">
                 <a:latin typeface="Courier New" pitchFamily="49" charset="0"/>
                 <a:cs typeface="Courier New" pitchFamily="49" charset="0"/>
               </a:rPr>
               <a:t>for</a:t>
             </a:r>
             <a:r>
-              <a:rPr lang="en-GB" altLang="en-US" sz="2000" dirty="0" smtClean="0">
+              <a:rPr lang="en-GB" altLang="en-US" sz="2000" dirty="0">
                 <a:latin typeface="Courier New" pitchFamily="49" charset="0"/>
                 <a:cs typeface="Courier New" pitchFamily="49" charset="0"/>
               </a:rPr>
               <a:t> i </a:t>
             </a:r>
             <a:r>
-              <a:rPr lang="en-GB" altLang="en-US" sz="2000" b="1" dirty="0" smtClean="0">
+              <a:rPr lang="en-GB" altLang="en-US" sz="2000" b="1" dirty="0">
                 <a:latin typeface="Courier New" pitchFamily="49" charset="0"/>
                 <a:cs typeface="Courier New" pitchFamily="49" charset="0"/>
               </a:rPr>
               <a:t>in</a:t>
             </a:r>
             <a:r>
-              <a:rPr lang="en-GB" altLang="en-US" sz="2000" dirty="0" smtClean="0">
+              <a:rPr lang="en-GB" altLang="en-US" sz="2000" dirty="0">
                 <a:latin typeface="Courier New" pitchFamily="49" charset="0"/>
                 <a:cs typeface="Courier New" pitchFamily="49" charset="0"/>
               </a:rPr>
@@ -12296,21 +12782,21 @@
               <a:defRPr/>
             </a:pPr>
             <a:r>
-              <a:rPr lang="en-GB" altLang="en-US" sz="2000" dirty="0" smtClean="0">
+              <a:rPr lang="en-GB" altLang="en-US" sz="2000" dirty="0">
                 <a:latin typeface="Courier New" pitchFamily="49" charset="0"/>
                 <a:cs typeface="Courier New" pitchFamily="49" charset="0"/>
               </a:rPr>
               <a:t>            </a:t>
             </a:r>
             <a:r>
-              <a:rPr lang="en-GB" altLang="en-US" sz="2000" dirty="0" err="1" smtClean="0">
+              <a:rPr lang="en-GB" altLang="en-US" sz="2000" dirty="0" err="1">
                 <a:latin typeface="Courier New" pitchFamily="49" charset="0"/>
                 <a:cs typeface="Courier New" pitchFamily="49" charset="0"/>
               </a:rPr>
               <a:t>f.readline</a:t>
             </a:r>
             <a:r>
-              <a:rPr lang="en-GB" altLang="en-US" sz="2000" dirty="0" smtClean="0">
+              <a:rPr lang="en-GB" altLang="en-US" sz="2000" dirty="0">
                 <a:latin typeface="Courier New" pitchFamily="49" charset="0"/>
                 <a:cs typeface="Courier New" pitchFamily="49" charset="0"/>
               </a:rPr>
@@ -12322,7 +12808,7 @@
               <a:defRPr/>
             </a:pPr>
             <a:r>
-              <a:rPr lang="en-GB" altLang="en-US" sz="2000" dirty="0" smtClean="0">
+              <a:rPr lang="en-GB" altLang="en-US" sz="2000" dirty="0">
                 <a:latin typeface="Courier New" pitchFamily="49" charset="0"/>
                 <a:cs typeface="Courier New" pitchFamily="49" charset="0"/>
               </a:rPr>
@@ -12334,35 +12820,35 @@
               <a:defRPr/>
             </a:pPr>
             <a:r>
-              <a:rPr lang="en-GB" altLang="en-US" sz="2000" dirty="0" smtClean="0">
+              <a:rPr lang="en-GB" altLang="en-US" sz="2000" dirty="0">
                 <a:latin typeface="Courier New" pitchFamily="49" charset="0"/>
                 <a:cs typeface="Courier New" pitchFamily="49" charset="0"/>
               </a:rPr>
               <a:t>        </a:t>
             </a:r>
             <a:r>
-              <a:rPr lang="en-GB" altLang="en-US" sz="2000" dirty="0" err="1" smtClean="0">
+              <a:rPr lang="en-GB" altLang="en-US" sz="2000" dirty="0" err="1">
                 <a:latin typeface="Courier New" pitchFamily="49" charset="0"/>
                 <a:cs typeface="Courier New" pitchFamily="49" charset="0"/>
               </a:rPr>
               <a:t>col_names</a:t>
             </a:r>
             <a:r>
-              <a:rPr lang="en-GB" altLang="en-US" sz="2000" dirty="0" smtClean="0">
+              <a:rPr lang="en-GB" altLang="en-US" sz="2000" dirty="0">
                 <a:latin typeface="Courier New" pitchFamily="49" charset="0"/>
                 <a:cs typeface="Courier New" pitchFamily="49" charset="0"/>
               </a:rPr>
               <a:t> = </a:t>
             </a:r>
             <a:r>
-              <a:rPr lang="en-GB" altLang="en-US" sz="2000" dirty="0" err="1" smtClean="0">
+              <a:rPr lang="en-GB" altLang="en-US" sz="2000" dirty="0" err="1">
                 <a:latin typeface="Courier New" pitchFamily="49" charset="0"/>
                 <a:cs typeface="Courier New" pitchFamily="49" charset="0"/>
               </a:rPr>
               <a:t>f.readline</a:t>
             </a:r>
             <a:r>
-              <a:rPr lang="en-GB" altLang="en-US" sz="2000" dirty="0" smtClean="0">
+              <a:rPr lang="en-GB" altLang="en-US" sz="2000" dirty="0">
                 <a:latin typeface="Courier New" pitchFamily="49" charset="0"/>
                 <a:cs typeface="Courier New" pitchFamily="49" charset="0"/>
               </a:rPr>
@@ -12374,35 +12860,35 @@
               <a:defRPr/>
             </a:pPr>
             <a:r>
-              <a:rPr lang="en-GB" altLang="en-US" sz="2000" dirty="0" smtClean="0">
+              <a:rPr lang="en-GB" altLang="en-US" sz="2000" dirty="0">
                 <a:latin typeface="Courier New" pitchFamily="49" charset="0"/>
                 <a:cs typeface="Courier New" pitchFamily="49" charset="0"/>
               </a:rPr>
               <a:t>        </a:t>
             </a:r>
             <a:r>
-              <a:rPr lang="en-GB" altLang="en-US" sz="2000" dirty="0" err="1" smtClean="0">
+              <a:rPr lang="en-GB" altLang="en-US" sz="2000" dirty="0" err="1">
                 <a:latin typeface="Courier New" pitchFamily="49" charset="0"/>
                 <a:cs typeface="Courier New" pitchFamily="49" charset="0"/>
               </a:rPr>
               <a:t>data_block</a:t>
             </a:r>
             <a:r>
-              <a:rPr lang="en-GB" altLang="en-US" sz="2000" dirty="0" smtClean="0">
+              <a:rPr lang="en-GB" altLang="en-US" sz="2000" dirty="0">
                 <a:latin typeface="Courier New" pitchFamily="49" charset="0"/>
                 <a:cs typeface="Courier New" pitchFamily="49" charset="0"/>
               </a:rPr>
               <a:t> = </a:t>
             </a:r>
             <a:r>
-              <a:rPr lang="en-GB" altLang="en-US" sz="2000" dirty="0" err="1" smtClean="0">
+              <a:rPr lang="en-GB" altLang="en-US" sz="2000" dirty="0" err="1">
                 <a:latin typeface="Courier New" pitchFamily="49" charset="0"/>
                 <a:cs typeface="Courier New" pitchFamily="49" charset="0"/>
               </a:rPr>
               <a:t>f.readlines</a:t>
             </a:r>
             <a:r>
-              <a:rPr lang="en-GB" altLang="en-US" sz="2000" dirty="0" smtClean="0">
+              <a:rPr lang="en-GB" altLang="en-US" sz="2000" dirty="0">
                 <a:latin typeface="Courier New" pitchFamily="49" charset="0"/>
                 <a:cs typeface="Courier New" pitchFamily="49" charset="0"/>
               </a:rPr>
@@ -12414,7 +12900,7 @@
               <a:defRPr/>
             </a:pPr>
             <a:r>
-              <a:rPr lang="en-GB" altLang="en-US" sz="2000" dirty="0" smtClean="0">
+              <a:rPr lang="en-GB" altLang="en-US" sz="2000" dirty="0">
                 <a:latin typeface="Courier New" pitchFamily="49" charset="0"/>
                 <a:cs typeface="Courier New" pitchFamily="49" charset="0"/>
               </a:rPr>
@@ -12426,14 +12912,14 @@
               <a:defRPr/>
             </a:pPr>
             <a:r>
-              <a:rPr lang="en-GB" altLang="en-US" sz="2000" dirty="0" smtClean="0">
+              <a:rPr lang="en-GB" altLang="en-US" sz="2000" dirty="0">
                 <a:latin typeface="Courier New" pitchFamily="49" charset="0"/>
                 <a:cs typeface="Courier New" pitchFamily="49" charset="0"/>
               </a:rPr>
               <a:t>    </a:t>
             </a:r>
             <a:r>
-              <a:rPr lang="en-GB" altLang="en-US" sz="2000" dirty="0" smtClean="0">
+              <a:rPr lang="en-GB" altLang="en-US" sz="2000" dirty="0">
                 <a:solidFill>
                   <a:srgbClr val="FFC000"/>
                 </a:solidFill>
@@ -12448,14 +12934,14 @@
               <a:defRPr/>
             </a:pPr>
             <a:r>
-              <a:rPr lang="en-GB" altLang="en-US" sz="2000" dirty="0" smtClean="0">
+              <a:rPr lang="en-GB" altLang="en-US" sz="2000" dirty="0">
                 <a:latin typeface="Courier New" pitchFamily="49" charset="0"/>
                 <a:cs typeface="Courier New" pitchFamily="49" charset="0"/>
               </a:rPr>
               <a:t>    </a:t>
             </a:r>
             <a:r>
-              <a:rPr lang="en-GB" altLang="en-US" sz="2000" dirty="0" smtClean="0">
+              <a:rPr lang="en-GB" altLang="en-US" sz="2000" dirty="0">
                 <a:solidFill>
                   <a:srgbClr val="FFC000"/>
                 </a:solidFill>
@@ -12470,7 +12956,7 @@
               <a:defRPr/>
             </a:pPr>
             <a:r>
-              <a:rPr lang="en-GB" altLang="en-US" sz="2000" dirty="0" smtClean="0">
+              <a:rPr lang="en-GB" altLang="en-US" sz="2000" dirty="0">
                 <a:latin typeface="Courier New" pitchFamily="49" charset="0"/>
                 <a:cs typeface="Courier New" pitchFamily="49" charset="0"/>
               </a:rPr>
@@ -12481,7 +12967,7 @@
             <a:pPr eaLnBrk="1" hangingPunct="1">
               <a:defRPr/>
             </a:pPr>
-            <a:endParaRPr lang="en-GB" altLang="en-US" sz="2000" b="1" dirty="0" smtClean="0">
+            <a:endParaRPr lang="en-GB" altLang="en-US" sz="2000" b="1" dirty="0">
               <a:latin typeface="Courier New" pitchFamily="49" charset="0"/>
               <a:cs typeface="Courier New" pitchFamily="49" charset="0"/>
             </a:endParaRPr>
@@ -12959,13 +13445,6 @@
   <p:clrMapOvr>
     <a:masterClrMapping/>
   </p:clrMapOvr>
-  <p:timing>
-    <p:tnLst>
-      <p:par>
-        <p:cTn id="1" dur="indefinite" restart="never" nodeType="tmRoot"/>
-      </p:par>
-    </p:tnLst>
-  </p:timing>
 </p:sld>
 </file>
 
@@ -13008,7 +13487,7 @@
           <a:p>
             <a:pPr eaLnBrk="1" hangingPunct="1"/>
             <a:r>
-              <a:rPr lang="en-GB" altLang="en-US" b="1" smtClean="0"/>
+              <a:rPr lang="en-GB" altLang="en-US" b="1"/>
               <a:t>Reading the data (part 2)</a:t>
             </a:r>
           </a:p>
@@ -13170,14 +13649,14 @@
               <a:defRPr/>
             </a:pPr>
             <a:r>
-              <a:rPr lang="en-GB" altLang="en-US" sz="2000" dirty="0" smtClean="0">
+              <a:rPr lang="en-GB" altLang="en-US" sz="2000" dirty="0">
                 <a:latin typeface="Courier New" pitchFamily="49" charset="0"/>
                 <a:cs typeface="Courier New" pitchFamily="49" charset="0"/>
               </a:rPr>
               <a:t>    </a:t>
             </a:r>
             <a:r>
-              <a:rPr lang="en-GB" altLang="en-US" sz="2000" dirty="0" smtClean="0">
+              <a:rPr lang="en-GB" altLang="en-US" sz="2000" dirty="0">
                 <a:solidFill>
                   <a:srgbClr val="FFC000"/>
                 </a:solidFill>
@@ -13192,7 +13671,7 @@
               <a:defRPr/>
             </a:pPr>
             <a:r>
-              <a:rPr lang="en-GB" altLang="en-US" sz="2000" dirty="0" smtClean="0">
+              <a:rPr lang="en-GB" altLang="en-US" sz="2000" dirty="0">
                 <a:solidFill>
                   <a:schemeClr val="accent2">
                     <a:lumMod val="50000"/>
@@ -13204,56 +13683,56 @@
               <a:t>    </a:t>
             </a:r>
             <a:r>
-              <a:rPr lang="en-GB" altLang="en-US" sz="2000" b="1" dirty="0" smtClean="0">
+              <a:rPr lang="en-GB" altLang="en-US" sz="2000" b="1" dirty="0">
                 <a:latin typeface="Courier New" pitchFamily="49" charset="0"/>
                 <a:cs typeface="Courier New" pitchFamily="49" charset="0"/>
               </a:rPr>
               <a:t>for</a:t>
             </a:r>
             <a:r>
-              <a:rPr lang="en-GB" altLang="en-US" sz="2000" dirty="0" smtClean="0">
+              <a:rPr lang="en-GB" altLang="en-US" sz="2000" dirty="0">
                 <a:latin typeface="Courier New" pitchFamily="49" charset="0"/>
                 <a:cs typeface="Courier New" pitchFamily="49" charset="0"/>
               </a:rPr>
               <a:t> </a:t>
             </a:r>
             <a:r>
-              <a:rPr lang="en-GB" altLang="en-US" sz="2000" dirty="0" err="1" smtClean="0">
+              <a:rPr lang="en-GB" altLang="en-US" sz="2000" dirty="0" err="1">
                 <a:latin typeface="Courier New" pitchFamily="49" charset="0"/>
                 <a:cs typeface="Courier New" pitchFamily="49" charset="0"/>
               </a:rPr>
               <a:t>col_name</a:t>
             </a:r>
             <a:r>
-              <a:rPr lang="en-GB" altLang="en-US" sz="2000" dirty="0" smtClean="0">
+              <a:rPr lang="en-GB" altLang="en-US" sz="2000" dirty="0">
                 <a:latin typeface="Courier New" pitchFamily="49" charset="0"/>
                 <a:cs typeface="Courier New" pitchFamily="49" charset="0"/>
               </a:rPr>
               <a:t> </a:t>
             </a:r>
             <a:r>
-              <a:rPr lang="en-GB" altLang="en-US" sz="2000" b="1" dirty="0" smtClean="0">
+              <a:rPr lang="en-GB" altLang="en-US" sz="2000" b="1" dirty="0">
                 <a:latin typeface="Courier New" pitchFamily="49" charset="0"/>
                 <a:cs typeface="Courier New" pitchFamily="49" charset="0"/>
               </a:rPr>
               <a:t>in</a:t>
             </a:r>
             <a:r>
-              <a:rPr lang="en-GB" altLang="en-US" sz="2000" dirty="0" smtClean="0">
+              <a:rPr lang="en-GB" altLang="en-US" sz="2000" dirty="0">
                 <a:latin typeface="Courier New" pitchFamily="49" charset="0"/>
                 <a:cs typeface="Courier New" pitchFamily="49" charset="0"/>
               </a:rPr>
               <a:t> </a:t>
             </a:r>
             <a:r>
-              <a:rPr lang="en-GB" altLang="en-US" sz="2000" dirty="0" err="1" smtClean="0">
+              <a:rPr lang="en-GB" altLang="en-US" sz="2000" dirty="0" err="1">
                 <a:latin typeface="Courier New" pitchFamily="49" charset="0"/>
                 <a:cs typeface="Courier New" pitchFamily="49" charset="0"/>
               </a:rPr>
               <a:t>col_names</a:t>
             </a:r>
             <a:r>
-              <a:rPr lang="en-GB" altLang="en-US" sz="2000" dirty="0" smtClean="0">
+              <a:rPr lang="en-GB" altLang="en-US" sz="2000" dirty="0">
                 <a:latin typeface="Courier New" pitchFamily="49" charset="0"/>
                 <a:cs typeface="Courier New" pitchFamily="49" charset="0"/>
               </a:rPr>
@@ -13264,7 +13743,7 @@
             <a:pPr eaLnBrk="1" hangingPunct="1">
               <a:defRPr/>
             </a:pPr>
-            <a:endParaRPr lang="en-GB" altLang="en-US" sz="2000" dirty="0" smtClean="0">
+            <a:endParaRPr lang="en-GB" altLang="en-US" sz="2000" dirty="0">
               <a:solidFill>
                 <a:schemeClr val="accent2">
                   <a:lumMod val="50000"/>
@@ -13279,7 +13758,7 @@
               <a:defRPr/>
             </a:pPr>
             <a:r>
-              <a:rPr lang="en-GB" altLang="en-US" sz="2000" dirty="0" smtClean="0">
+              <a:rPr lang="en-GB" altLang="en-US" sz="2000" dirty="0">
                 <a:solidFill>
                   <a:schemeClr val="tx2">
                     <a:lumMod val="50000"/>
@@ -13291,7 +13770,7 @@
               <a:t>        data[</a:t>
             </a:r>
             <a:r>
-              <a:rPr lang="en-GB" altLang="en-US" sz="2000" dirty="0" err="1" smtClean="0">
+              <a:rPr lang="en-GB" altLang="en-US" sz="2000" dirty="0" err="1">
                 <a:solidFill>
                   <a:schemeClr val="tx2">
                     <a:lumMod val="50000"/>
@@ -13303,7 +13782,7 @@
               <a:t>col_name</a:t>
             </a:r>
             <a:r>
-              <a:rPr lang="en-GB" altLang="en-US" sz="2000" dirty="0" smtClean="0">
+              <a:rPr lang="en-GB" altLang="en-US" sz="2000" dirty="0">
                 <a:solidFill>
                   <a:schemeClr val="tx2">
                     <a:lumMod val="50000"/>
@@ -13315,7 +13794,7 @@
               <a:t>] = </a:t>
             </a:r>
             <a:r>
-              <a:rPr lang="en-GB" altLang="en-US" sz="2000" dirty="0" err="1" smtClean="0">
+              <a:rPr lang="en-GB" altLang="en-US" sz="2000" dirty="0" err="1">
                 <a:solidFill>
                   <a:schemeClr val="tx2">
                     <a:lumMod val="50000"/>
@@ -13327,7 +13806,7 @@
               <a:t>MA.zeros</a:t>
             </a:r>
             <a:r>
-              <a:rPr lang="en-GB" altLang="en-US" sz="2000" dirty="0" smtClean="0">
+              <a:rPr lang="en-GB" altLang="en-US" sz="2000" dirty="0">
                 <a:solidFill>
                   <a:schemeClr val="tx2">
                     <a:lumMod val="50000"/>
@@ -13339,7 +13818,7 @@
               <a:t>(</a:t>
             </a:r>
             <a:r>
-              <a:rPr lang="en-GB" altLang="en-US" sz="2000" dirty="0" err="1" smtClean="0">
+              <a:rPr lang="en-GB" altLang="en-US" sz="2000" dirty="0" err="1">
                 <a:solidFill>
                   <a:schemeClr val="tx2">
                     <a:lumMod val="50000"/>
@@ -13351,7 +13830,7 @@
               <a:t>len</a:t>
             </a:r>
             <a:r>
-              <a:rPr lang="en-GB" altLang="en-US" sz="2000" dirty="0" smtClean="0">
+              <a:rPr lang="en-GB" altLang="en-US" sz="2000" dirty="0">
                 <a:solidFill>
                   <a:schemeClr val="tx2">
                     <a:lumMod val="50000"/>
@@ -13363,7 +13842,7 @@
               <a:t>(</a:t>
             </a:r>
             <a:r>
-              <a:rPr lang="en-GB" altLang="en-US" sz="2000" dirty="0" err="1" smtClean="0">
+              <a:rPr lang="en-GB" altLang="en-US" sz="2000" dirty="0" err="1">
                 <a:solidFill>
                   <a:schemeClr val="tx2">
                     <a:lumMod val="50000"/>
@@ -13375,7 +13854,7 @@
               <a:t>data_block</a:t>
             </a:r>
             <a:r>
-              <a:rPr lang="en-GB" altLang="en-US" sz="2000" dirty="0" smtClean="0">
+              <a:rPr lang="en-GB" altLang="en-US" sz="2000" dirty="0">
                 <a:solidFill>
                   <a:schemeClr val="tx2">
                     <a:lumMod val="50000"/>
@@ -13387,7 +13866,7 @@
               <a:t>), 'f',  </a:t>
             </a:r>
             <a:br>
-              <a:rPr lang="en-GB" altLang="en-US" sz="2000" dirty="0" smtClean="0">
+              <a:rPr lang="en-GB" altLang="en-US" sz="2000" dirty="0">
                 <a:solidFill>
                   <a:schemeClr val="tx2">
                     <a:lumMod val="50000"/>
@@ -13398,7 +13877,7 @@
               </a:rPr>
             </a:br>
             <a:r>
-              <a:rPr lang="en-GB" altLang="en-US" sz="2000" dirty="0" smtClean="0">
+              <a:rPr lang="en-GB" altLang="en-US" sz="2000" dirty="0">
                 <a:solidFill>
                   <a:schemeClr val="tx2">
                     <a:lumMod val="50000"/>
@@ -13410,7 +13889,7 @@
               <a:t>                            </a:t>
             </a:r>
             <a:r>
-              <a:rPr lang="en-GB" altLang="en-US" sz="2000" dirty="0" err="1" smtClean="0">
+              <a:rPr lang="en-GB" altLang="en-US" sz="2000" dirty="0" err="1">
                 <a:solidFill>
                   <a:schemeClr val="tx2">
                     <a:lumMod val="50000"/>
@@ -13422,7 +13901,7 @@
               <a:t>fill_value</a:t>
             </a:r>
             <a:r>
-              <a:rPr lang="en-GB" altLang="en-US" sz="2000" dirty="0" smtClean="0">
+              <a:rPr lang="en-GB" altLang="en-US" sz="2000" dirty="0">
                 <a:solidFill>
                   <a:schemeClr val="tx2">
                     <a:lumMod val="50000"/>
@@ -13439,7 +13918,7 @@
               <a:defRPr/>
             </a:pPr>
             <a:r>
-              <a:rPr lang="en-GB" altLang="en-US" sz="2000" dirty="0" smtClean="0">
+              <a:rPr lang="en-GB" altLang="en-US" sz="2000" dirty="0">
                 <a:latin typeface="Courier New" pitchFamily="49" charset="0"/>
                 <a:cs typeface="Courier New" pitchFamily="49" charset="0"/>
               </a:rPr>
@@ -13769,14 +14248,14 @@
               <a:buNone/>
             </a:pPr>
             <a:r>
-              <a:rPr lang="en-GB" altLang="en-US" sz="2000">
+              <a:rPr lang="en-GB" altLang="en-US" sz="2000" dirty="0">
                 <a:latin typeface="Courier New" panose="02070309020205020404" pitchFamily="49" charset="0"/>
                 <a:cs typeface="Courier New" panose="02070309020205020404" pitchFamily="49" charset="0"/>
               </a:rPr>
               <a:t>    </a:t>
             </a:r>
             <a:r>
-              <a:rPr lang="en-GB" altLang="en-US" sz="2000">
+              <a:rPr lang="en-GB" altLang="en-US" sz="2000" dirty="0">
                 <a:solidFill>
                   <a:srgbClr val="FFC000"/>
                 </a:solidFill>
@@ -13798,39 +14277,67 @@
               <a:buNone/>
             </a:pPr>
             <a:r>
-              <a:rPr lang="en-GB" altLang="en-US" sz="2000">
+              <a:rPr lang="en-GB" altLang="en-US" sz="2000" dirty="0">
                 <a:latin typeface="Courier New" panose="02070309020205020404" pitchFamily="49" charset="0"/>
                 <a:cs typeface="Courier New" panose="02070309020205020404" pitchFamily="49" charset="0"/>
               </a:rPr>
               <a:t>    </a:t>
             </a:r>
             <a:r>
-              <a:rPr lang="en-GB" altLang="en-US" sz="2000" b="1">
+              <a:rPr lang="en-GB" altLang="en-US" sz="2000" b="1" dirty="0">
                 <a:latin typeface="Courier New" panose="02070309020205020404" pitchFamily="49" charset="0"/>
                 <a:cs typeface="Courier New" panose="02070309020205020404" pitchFamily="49" charset="0"/>
               </a:rPr>
               <a:t>for</a:t>
             </a:r>
             <a:r>
-              <a:rPr lang="en-GB" altLang="en-US" sz="2000">
+              <a:rPr lang="en-GB" altLang="en-US" sz="2000" dirty="0">
                 <a:latin typeface="Courier New" panose="02070309020205020404" pitchFamily="49" charset="0"/>
                 <a:cs typeface="Courier New" panose="02070309020205020404" pitchFamily="49" charset="0"/>
               </a:rPr>
-              <a:t> (line_count, line) </a:t>
-            </a:r>
-            <a:r>
-              <a:rPr lang="en-GB" altLang="en-US" sz="2000" b="1">
+              <a:t> (</a:t>
+            </a:r>
+            <a:r>
+              <a:rPr lang="en-GB" altLang="en-US" sz="2000" dirty="0" err="1">
                 <a:latin typeface="Courier New" panose="02070309020205020404" pitchFamily="49" charset="0"/>
                 <a:cs typeface="Courier New" panose="02070309020205020404" pitchFamily="49" charset="0"/>
               </a:rPr>
-              <a:t>in</a:t>
-            </a:r>
-            <a:r>
-              <a:rPr lang="en-GB" altLang="en-US" sz="2000">
+              <a:t>line_count</a:t>
+            </a:r>
+            <a:r>
+              <a:rPr lang="en-GB" altLang="en-US" sz="2000" dirty="0">
                 <a:latin typeface="Courier New" panose="02070309020205020404" pitchFamily="49" charset="0"/>
                 <a:cs typeface="Courier New" panose="02070309020205020404" pitchFamily="49" charset="0"/>
               </a:rPr>
-              <a:t> enumerate(data_block):</a:t>
+              <a:t>, line) </a:t>
+            </a:r>
+            <a:r>
+              <a:rPr lang="en-GB" altLang="en-US" sz="2000" b="1" dirty="0">
+                <a:latin typeface="Courier New" panose="02070309020205020404" pitchFamily="49" charset="0"/>
+                <a:cs typeface="Courier New" panose="02070309020205020404" pitchFamily="49" charset="0"/>
+              </a:rPr>
+              <a:t>in</a:t>
+            </a:r>
+            <a:r>
+              <a:rPr lang="en-GB" altLang="en-US" sz="2000" dirty="0">
+                <a:latin typeface="Courier New" panose="02070309020205020404" pitchFamily="49" charset="0"/>
+                <a:cs typeface="Courier New" panose="02070309020205020404" pitchFamily="49" charset="0"/>
+              </a:rPr>
+              <a:t> enumerate(</a:t>
+            </a:r>
+            <a:r>
+              <a:rPr lang="en-GB" altLang="en-US" sz="2000" dirty="0" err="1">
+                <a:latin typeface="Courier New" panose="02070309020205020404" pitchFamily="49" charset="0"/>
+                <a:cs typeface="Courier New" panose="02070309020205020404" pitchFamily="49" charset="0"/>
+              </a:rPr>
+              <a:t>data_block</a:t>
+            </a:r>
+            <a:r>
+              <a:rPr lang="en-GB" altLang="en-US" sz="2000" dirty="0">
+                <a:latin typeface="Courier New" panose="02070309020205020404" pitchFamily="49" charset="0"/>
+                <a:cs typeface="Courier New" panose="02070309020205020404" pitchFamily="49" charset="0"/>
+              </a:rPr>
+              <a:t>):</a:t>
             </a:r>
           </a:p>
           <a:p>
@@ -13845,11 +14352,25 @@
               <a:buNone/>
             </a:pPr>
             <a:r>
-              <a:rPr lang="en-GB" altLang="en-US" sz="2000">
+              <a:rPr lang="en-GB" altLang="en-US" sz="2000" dirty="0">
                 <a:latin typeface="Courier New" panose="02070309020205020404" pitchFamily="49" charset="0"/>
                 <a:cs typeface="Courier New" panose="02070309020205020404" pitchFamily="49" charset="0"/>
               </a:rPr>
-              <a:t>        items = line.split()</a:t>
+              <a:t>        items = </a:t>
+            </a:r>
+            <a:r>
+              <a:rPr lang="en-GB" altLang="en-US" sz="2000" dirty="0" err="1">
+                <a:latin typeface="Courier New" panose="02070309020205020404" pitchFamily="49" charset="0"/>
+                <a:cs typeface="Courier New" panose="02070309020205020404" pitchFamily="49" charset="0"/>
+              </a:rPr>
+              <a:t>line.split</a:t>
+            </a:r>
+            <a:r>
+              <a:rPr lang="en-GB" altLang="en-US" sz="2000" dirty="0">
+                <a:latin typeface="Courier New" panose="02070309020205020404" pitchFamily="49" charset="0"/>
+                <a:cs typeface="Courier New" panose="02070309020205020404" pitchFamily="49" charset="0"/>
+              </a:rPr>
+              <a:t>()</a:t>
             </a:r>
           </a:p>
           <a:p>
@@ -13864,7 +14385,7 @@
               <a:buNone/>
             </a:pPr>
             <a:r>
-              <a:rPr lang="en-GB" altLang="en-US" sz="2000">
+              <a:rPr lang="en-GB" altLang="en-US" sz="2000" dirty="0">
                 <a:latin typeface="Courier New" panose="02070309020205020404" pitchFamily="49" charset="0"/>
                 <a:cs typeface="Courier New" panose="02070309020205020404" pitchFamily="49" charset="0"/>
               </a:rPr>
@@ -13883,39 +14404,81 @@
               <a:buNone/>
             </a:pPr>
             <a:r>
-              <a:rPr lang="en-GB" altLang="en-US" sz="2000">
+              <a:rPr lang="en-GB" altLang="en-US" sz="2000" dirty="0">
                 <a:latin typeface="Courier New" panose="02070309020205020404" pitchFamily="49" charset="0"/>
                 <a:cs typeface="Courier New" panose="02070309020205020404" pitchFamily="49" charset="0"/>
               </a:rPr>
               <a:t>        </a:t>
             </a:r>
             <a:r>
-              <a:rPr lang="en-GB" altLang="en-US" sz="2000" b="1">
+              <a:rPr lang="en-GB" altLang="en-US" sz="2000" b="1" dirty="0">
                 <a:latin typeface="Courier New" panose="02070309020205020404" pitchFamily="49" charset="0"/>
                 <a:cs typeface="Courier New" panose="02070309020205020404" pitchFamily="49" charset="0"/>
               </a:rPr>
               <a:t>for</a:t>
             </a:r>
             <a:r>
-              <a:rPr lang="en-GB" altLang="en-US" sz="2000">
+              <a:rPr lang="en-GB" altLang="en-US" sz="2000" dirty="0">
                 <a:latin typeface="Courier New" panose="02070309020205020404" pitchFamily="49" charset="0"/>
                 <a:cs typeface="Courier New" panose="02070309020205020404" pitchFamily="49" charset="0"/>
               </a:rPr>
-              <a:t> (col_count, col_name) </a:t>
-            </a:r>
-            <a:r>
-              <a:rPr lang="en-GB" altLang="en-US" sz="2000" b="1">
+              <a:t> (</a:t>
+            </a:r>
+            <a:r>
+              <a:rPr lang="en-GB" altLang="en-US" sz="2000" dirty="0" err="1">
                 <a:latin typeface="Courier New" panose="02070309020205020404" pitchFamily="49" charset="0"/>
                 <a:cs typeface="Courier New" panose="02070309020205020404" pitchFamily="49" charset="0"/>
               </a:rPr>
-              <a:t>in</a:t>
-            </a:r>
-            <a:r>
-              <a:rPr lang="en-GB" altLang="en-US" sz="2000">
+              <a:t>col_count</a:t>
+            </a:r>
+            <a:r>
+              <a:rPr lang="en-GB" altLang="en-US" sz="2000" dirty="0">
                 <a:latin typeface="Courier New" panose="02070309020205020404" pitchFamily="49" charset="0"/>
                 <a:cs typeface="Courier New" panose="02070309020205020404" pitchFamily="49" charset="0"/>
               </a:rPr>
-              <a:t> enumerate(col_names):</a:t>
+              <a:t>, </a:t>
+            </a:r>
+            <a:r>
+              <a:rPr lang="en-GB" altLang="en-US" sz="2000" dirty="0" err="1">
+                <a:latin typeface="Courier New" panose="02070309020205020404" pitchFamily="49" charset="0"/>
+                <a:cs typeface="Courier New" panose="02070309020205020404" pitchFamily="49" charset="0"/>
+              </a:rPr>
+              <a:t>col_name</a:t>
+            </a:r>
+            <a:r>
+              <a:rPr lang="en-GB" altLang="en-US" sz="2000" dirty="0">
+                <a:latin typeface="Courier New" panose="02070309020205020404" pitchFamily="49" charset="0"/>
+                <a:cs typeface="Courier New" panose="02070309020205020404" pitchFamily="49" charset="0"/>
+              </a:rPr>
+              <a:t>) </a:t>
+            </a:r>
+            <a:r>
+              <a:rPr lang="en-GB" altLang="en-US" sz="2000" b="1" dirty="0">
+                <a:latin typeface="Courier New" panose="02070309020205020404" pitchFamily="49" charset="0"/>
+                <a:cs typeface="Courier New" panose="02070309020205020404" pitchFamily="49" charset="0"/>
+              </a:rPr>
+              <a:t>in</a:t>
+            </a:r>
+            <a:r>
+              <a:rPr lang="en-GB" altLang="en-US" sz="2000" dirty="0">
+                <a:latin typeface="Courier New" panose="02070309020205020404" pitchFamily="49" charset="0"/>
+                <a:cs typeface="Courier New" panose="02070309020205020404" pitchFamily="49" charset="0"/>
+              </a:rPr>
+              <a:t> enumerate(</a:t>
+            </a:r>
+            <a:r>
+              <a:rPr lang="en-GB" altLang="en-US" sz="2000" dirty="0" err="1">
+                <a:latin typeface="Courier New" panose="02070309020205020404" pitchFamily="49" charset="0"/>
+                <a:cs typeface="Courier New" panose="02070309020205020404" pitchFamily="49" charset="0"/>
+              </a:rPr>
+              <a:t>col_names</a:t>
+            </a:r>
+            <a:r>
+              <a:rPr lang="en-GB" altLang="en-US" sz="2000" dirty="0">
+                <a:latin typeface="Courier New" panose="02070309020205020404" pitchFamily="49" charset="0"/>
+                <a:cs typeface="Courier New" panose="02070309020205020404" pitchFamily="49" charset="0"/>
+              </a:rPr>
+              <a:t>):</a:t>
             </a:r>
           </a:p>
           <a:p>
@@ -13930,11 +14493,25 @@
               <a:buNone/>
             </a:pPr>
             <a:r>
-              <a:rPr lang="en-GB" altLang="en-US" sz="2000">
+              <a:rPr lang="en-GB" altLang="en-US" sz="2000" dirty="0">
                 <a:latin typeface="Courier New" panose="02070309020205020404" pitchFamily="49" charset="0"/>
                 <a:cs typeface="Courier New" panose="02070309020205020404" pitchFamily="49" charset="0"/>
               </a:rPr>
-              <a:t>            value = items[col_count]</a:t>
+              <a:t>            value = items[</a:t>
+            </a:r>
+            <a:r>
+              <a:rPr lang="en-GB" altLang="en-US" sz="2000" dirty="0" err="1">
+                <a:latin typeface="Courier New" panose="02070309020205020404" pitchFamily="49" charset="0"/>
+                <a:cs typeface="Courier New" panose="02070309020205020404" pitchFamily="49" charset="0"/>
+              </a:rPr>
+              <a:t>col_count</a:t>
+            </a:r>
+            <a:r>
+              <a:rPr lang="en-GB" altLang="en-US" sz="2000" dirty="0">
+                <a:latin typeface="Courier New" panose="02070309020205020404" pitchFamily="49" charset="0"/>
+                <a:cs typeface="Courier New" panose="02070309020205020404" pitchFamily="49" charset="0"/>
+              </a:rPr>
+              <a:t>]</a:t>
             </a:r>
           </a:p>
           <a:p>
@@ -13949,11 +14526,53 @@
               <a:buNone/>
             </a:pPr>
             <a:r>
-              <a:rPr lang="en-GB" altLang="en-US" sz="2000">
+              <a:rPr lang="en-GB" altLang="en-US" sz="2000" dirty="0">
                 <a:latin typeface="Courier New" panose="02070309020205020404" pitchFamily="49" charset="0"/>
                 <a:cs typeface="Courier New" panose="02070309020205020404" pitchFamily="49" charset="0"/>
               </a:rPr>
-              <a:t>            data[col_name][line_count] = checkValue(value)</a:t>
+              <a:t>            data[</a:t>
+            </a:r>
+            <a:r>
+              <a:rPr lang="en-GB" altLang="en-US" sz="2000" dirty="0" err="1">
+                <a:latin typeface="Courier New" panose="02070309020205020404" pitchFamily="49" charset="0"/>
+                <a:cs typeface="Courier New" panose="02070309020205020404" pitchFamily="49" charset="0"/>
+              </a:rPr>
+              <a:t>col_name</a:t>
+            </a:r>
+            <a:r>
+              <a:rPr lang="en-GB" altLang="en-US" sz="2000" dirty="0">
+                <a:latin typeface="Courier New" panose="02070309020205020404" pitchFamily="49" charset="0"/>
+                <a:cs typeface="Courier New" panose="02070309020205020404" pitchFamily="49" charset="0"/>
+              </a:rPr>
+              <a:t>][</a:t>
+            </a:r>
+            <a:r>
+              <a:rPr lang="en-GB" altLang="en-US" sz="2000" dirty="0" err="1">
+                <a:latin typeface="Courier New" panose="02070309020205020404" pitchFamily="49" charset="0"/>
+                <a:cs typeface="Courier New" panose="02070309020205020404" pitchFamily="49" charset="0"/>
+              </a:rPr>
+              <a:t>line_count</a:t>
+            </a:r>
+            <a:r>
+              <a:rPr lang="en-GB" altLang="en-US" sz="2000" dirty="0">
+                <a:latin typeface="Courier New" panose="02070309020205020404" pitchFamily="49" charset="0"/>
+                <a:cs typeface="Courier New" panose="02070309020205020404" pitchFamily="49" charset="0"/>
+              </a:rPr>
+              <a:t>] = </a:t>
+            </a:r>
+            <a:r>
+              <a:rPr lang="en-GB" altLang="en-US" sz="2000" dirty="0" err="1">
+                <a:latin typeface="Courier New" panose="02070309020205020404" pitchFamily="49" charset="0"/>
+                <a:cs typeface="Courier New" panose="02070309020205020404" pitchFamily="49" charset="0"/>
+              </a:rPr>
+              <a:t>checkValue</a:t>
+            </a:r>
+            <a:r>
+              <a:rPr lang="en-GB" altLang="en-US" sz="2000" dirty="0">
+                <a:latin typeface="Courier New" panose="02070309020205020404" pitchFamily="49" charset="0"/>
+                <a:cs typeface="Courier New" panose="02070309020205020404" pitchFamily="49" charset="0"/>
+              </a:rPr>
+              <a:t>(value)</a:t>
             </a:r>
           </a:p>
           <a:p>
@@ -13967,7 +14586,7 @@
               <a:buFontTx/>
               <a:buNone/>
             </a:pPr>
-            <a:endParaRPr lang="en-GB" altLang="en-US" sz="2000">
+            <a:endParaRPr lang="en-GB" altLang="en-US" sz="2000" dirty="0">
               <a:latin typeface="Courier New" panose="02070309020205020404" pitchFamily="49" charset="0"/>
               <a:cs typeface="Courier New" panose="02070309020205020404" pitchFamily="49" charset="0"/>
             </a:endParaRPr>
@@ -13984,21 +14603,21 @@
               <a:buNone/>
             </a:pPr>
             <a:r>
-              <a:rPr lang="en-GB" altLang="en-US" sz="2000">
+              <a:rPr lang="en-GB" altLang="en-US" sz="2000" dirty="0">
                 <a:latin typeface="Courier New" panose="02070309020205020404" pitchFamily="49" charset="0"/>
                 <a:cs typeface="Courier New" panose="02070309020205020404" pitchFamily="49" charset="0"/>
               </a:rPr>
               <a:t>    </a:t>
             </a:r>
             <a:r>
-              <a:rPr lang="en-GB" altLang="en-US" sz="2000" b="1">
+              <a:rPr lang="en-GB" altLang="en-US" sz="2000" b="1" dirty="0">
                 <a:latin typeface="Courier New" panose="02070309020205020404" pitchFamily="49" charset="0"/>
                 <a:cs typeface="Courier New" panose="02070309020205020404" pitchFamily="49" charset="0"/>
               </a:rPr>
               <a:t>return</a:t>
             </a:r>
             <a:r>
-              <a:rPr lang="en-GB" altLang="en-US" sz="2000">
+              <a:rPr lang="en-GB" altLang="en-US" sz="2000" dirty="0">
                 <a:latin typeface="Courier New" panose="02070309020205020404" pitchFamily="49" charset="0"/>
                 <a:cs typeface="Courier New" panose="02070309020205020404" pitchFamily="49" charset="0"/>
               </a:rPr>
@@ -14625,7 +15244,7 @@
               <a:defRPr/>
             </a:pPr>
             <a:r>
-              <a:rPr lang="en-GB" sz="4000" b="1" dirty="0" smtClean="0">
+              <a:rPr lang="en-GB" sz="4000" b="1" dirty="0">
                 <a:solidFill>
                   <a:srgbClr val="000000"/>
                 </a:solidFill>
@@ -14634,7 +15253,7 @@
               </a:rPr>
               <a:t>ASCII or text file formats</a:t>
             </a:r>
-            <a:endParaRPr lang="en-GB" dirty="0" smtClean="0"/>
+            <a:endParaRPr lang="en-GB" dirty="0"/>
           </a:p>
         </p:txBody>
       </p:sp>
@@ -14826,7 +15445,7 @@
           <a:p>
             <a:pPr eaLnBrk="1" hangingPunct="1"/>
             <a:r>
-              <a:rPr lang="en-GB" altLang="en-US" b="1" smtClean="0"/>
+              <a:rPr lang="en-GB" altLang="en-US" b="1"/>
               <a:t>Testing the code</a:t>
             </a:r>
           </a:p>
@@ -15046,18 +15665,46 @@
               <a:buNone/>
             </a:pPr>
             <a:r>
-              <a:rPr lang="en-GB" altLang="en-US" sz="2000" b="1">
+              <a:rPr lang="en-GB" altLang="en-US" sz="2000" b="1" dirty="0">
                 <a:latin typeface="Courier New" panose="02070309020205020404" pitchFamily="49" charset="0"/>
                 <a:cs typeface="Courier New" panose="02070309020205020404" pitchFamily="49" charset="0"/>
               </a:rPr>
               <a:t>&gt;&gt;&gt;</a:t>
             </a:r>
             <a:r>
-              <a:rPr lang="en-GB" altLang="en-US" sz="2000">
+              <a:rPr lang="en-GB" altLang="en-US" sz="2000" dirty="0">
                 <a:latin typeface="Courier New" panose="02070309020205020404" pitchFamily="49" charset="0"/>
                 <a:cs typeface="Courier New" panose="02070309020205020404" pitchFamily="49" charset="0"/>
               </a:rPr>
-              <a:t> data = readData("../example_data/uk_rainfall.txt")</a:t>
+              <a:t> data = </a:t>
+            </a:r>
+            <a:r>
+              <a:rPr lang="en-GB" altLang="en-US" sz="2000" dirty="0" err="1">
+                <a:latin typeface="Courier New" panose="02070309020205020404" pitchFamily="49" charset="0"/>
+                <a:cs typeface="Courier New" panose="02070309020205020404" pitchFamily="49" charset="0"/>
+              </a:rPr>
+              <a:t>readData</a:t>
+            </a:r>
+            <a:r>
+              <a:rPr lang="en-GB" altLang="en-US" sz="2000" dirty="0">
+                <a:latin typeface="Courier New" panose="02070309020205020404" pitchFamily="49" charset="0"/>
+                <a:cs typeface="Courier New" panose="02070309020205020404" pitchFamily="49" charset="0"/>
+              </a:rPr>
+              <a:t>("../</a:t>
+            </a:r>
+            <a:r>
+              <a:rPr lang="en-GB" altLang="en-US" sz="2000" dirty="0" err="1">
+                <a:latin typeface="Courier New" panose="02070309020205020404" pitchFamily="49" charset="0"/>
+                <a:cs typeface="Courier New" panose="02070309020205020404" pitchFamily="49" charset="0"/>
+              </a:rPr>
+              <a:t>example_data</a:t>
+            </a:r>
+            <a:r>
+              <a:rPr lang="en-GB" altLang="en-US" sz="2000" dirty="0">
+                <a:latin typeface="Courier New" panose="02070309020205020404" pitchFamily="49" charset="0"/>
+                <a:cs typeface="Courier New" panose="02070309020205020404" pitchFamily="49" charset="0"/>
+              </a:rPr>
+              <a:t>/uk_rainfall.txt")</a:t>
             </a:r>
           </a:p>
           <a:p>
@@ -15072,28 +15719,28 @@
               <a:buNone/>
             </a:pPr>
             <a:r>
-              <a:rPr lang="en-GB" altLang="en-US" sz="2000" b="1">
+              <a:rPr lang="en-GB" altLang="en-US" sz="2000" b="1" dirty="0">
                 <a:latin typeface="Courier New" panose="02070309020205020404" pitchFamily="49" charset="0"/>
                 <a:cs typeface="Courier New" panose="02070309020205020404" pitchFamily="49" charset="0"/>
               </a:rPr>
               <a:t>&gt;&gt;&gt;</a:t>
             </a:r>
             <a:r>
-              <a:rPr lang="en-GB" altLang="en-US" sz="2000">
+              <a:rPr lang="en-GB" altLang="en-US" sz="2000" dirty="0">
                 <a:latin typeface="Courier New" panose="02070309020205020404" pitchFamily="49" charset="0"/>
                 <a:cs typeface="Courier New" panose="02070309020205020404" pitchFamily="49" charset="0"/>
               </a:rPr>
               <a:t> </a:t>
             </a:r>
             <a:r>
-              <a:rPr lang="en-GB" altLang="en-US" sz="2000" b="1">
+              <a:rPr lang="en-GB" altLang="en-US" sz="2000" b="1" dirty="0">
                 <a:latin typeface="Courier New" panose="02070309020205020404" pitchFamily="49" charset="0"/>
                 <a:cs typeface="Courier New" panose="02070309020205020404" pitchFamily="49" charset="0"/>
               </a:rPr>
               <a:t>print</a:t>
             </a:r>
             <a:r>
-              <a:rPr lang="en-GB" altLang="en-US" sz="2000">
+              <a:rPr lang="en-GB" altLang="en-US" sz="2000" dirty="0">
                 <a:latin typeface="Courier New" panose="02070309020205020404" pitchFamily="49" charset="0"/>
                 <a:cs typeface="Courier New" panose="02070309020205020404" pitchFamily="49" charset="0"/>
               </a:rPr>
@@ -15112,7 +15759,7 @@
               <a:buNone/>
             </a:pPr>
             <a:r>
-              <a:rPr lang="en-GB" altLang="en-US" sz="2000" i="1">
+              <a:rPr lang="en-GB" altLang="en-US" sz="2000" i="1" dirty="0">
                 <a:solidFill>
                   <a:srgbClr val="336600"/>
                 </a:solidFill>
@@ -15133,7 +15780,7 @@
               <a:buFontTx/>
               <a:buNone/>
             </a:pPr>
-            <a:endParaRPr lang="en-GB" altLang="en-US" sz="2000">
+            <a:endParaRPr lang="en-GB" altLang="en-US" sz="2000" dirty="0">
               <a:latin typeface="Courier New" panose="02070309020205020404" pitchFamily="49" charset="0"/>
               <a:cs typeface="Courier New" panose="02070309020205020404" pitchFamily="49" charset="0"/>
             </a:endParaRPr>
@@ -15150,28 +15797,28 @@
               <a:buNone/>
             </a:pPr>
             <a:r>
-              <a:rPr lang="en-GB" altLang="en-US" sz="2000" b="1">
+              <a:rPr lang="en-GB" altLang="en-US" sz="2000" b="1" dirty="0">
                 <a:latin typeface="Courier New" panose="02070309020205020404" pitchFamily="49" charset="0"/>
                 <a:cs typeface="Courier New" panose="02070309020205020404" pitchFamily="49" charset="0"/>
               </a:rPr>
               <a:t>&gt;&gt;&gt;</a:t>
             </a:r>
             <a:r>
-              <a:rPr lang="en-GB" altLang="en-US" sz="2000">
+              <a:rPr lang="en-GB" altLang="en-US" sz="2000" dirty="0">
                 <a:latin typeface="Courier New" panose="02070309020205020404" pitchFamily="49" charset="0"/>
                 <a:cs typeface="Courier New" panose="02070309020205020404" pitchFamily="49" charset="0"/>
               </a:rPr>
               <a:t> </a:t>
             </a:r>
             <a:r>
-              <a:rPr lang="en-GB" altLang="en-US" sz="2000" b="1">
+              <a:rPr lang="en-GB" altLang="en-US" sz="2000" b="1" dirty="0">
                 <a:latin typeface="Courier New" panose="02070309020205020404" pitchFamily="49" charset="0"/>
                 <a:cs typeface="Courier New" panose="02070309020205020404" pitchFamily="49" charset="0"/>
               </a:rPr>
               <a:t>print</a:t>
             </a:r>
             <a:r>
-              <a:rPr lang="en-GB" altLang="en-US" sz="2000">
+              <a:rPr lang="en-GB" altLang="en-US" sz="2000" dirty="0">
                 <a:latin typeface="Courier New" panose="02070309020205020404" pitchFamily="49" charset="0"/>
                 <a:cs typeface="Courier New" panose="02070309020205020404" pitchFamily="49" charset="0"/>
               </a:rPr>
@@ -15190,7 +15837,7 @@
               <a:buNone/>
             </a:pPr>
             <a:r>
-              <a:rPr lang="en-GB" altLang="en-US" sz="2000" i="1">
+              <a:rPr lang="en-GB" altLang="en-US" sz="2000" i="1" dirty="0">
                 <a:solidFill>
                   <a:srgbClr val="336600"/>
                 </a:solidFill>
@@ -15211,7 +15858,7 @@
               <a:buFontTx/>
               <a:buNone/>
             </a:pPr>
-            <a:endParaRPr lang="en-GB" altLang="en-US" sz="2000">
+            <a:endParaRPr lang="en-GB" altLang="en-US" sz="2000" dirty="0">
               <a:latin typeface="Courier New" panose="02070309020205020404" pitchFamily="49" charset="0"/>
               <a:cs typeface="Courier New" panose="02070309020205020404" pitchFamily="49" charset="0"/>
             </a:endParaRPr>
@@ -15228,14 +15875,14 @@
               <a:buNone/>
             </a:pPr>
             <a:r>
-              <a:rPr lang="en-GB" altLang="en-US" sz="2000" b="1">
+              <a:rPr lang="en-GB" altLang="en-US" sz="2000" b="1" dirty="0">
                 <a:latin typeface="Courier New" panose="02070309020205020404" pitchFamily="49" charset="0"/>
                 <a:cs typeface="Courier New" panose="02070309020205020404" pitchFamily="49" charset="0"/>
               </a:rPr>
               <a:t>&gt;&gt;&gt;</a:t>
             </a:r>
             <a:r>
-              <a:rPr lang="en-GB" altLang="en-US" sz="2000">
+              <a:rPr lang="en-GB" altLang="en-US" sz="2000" dirty="0">
                 <a:latin typeface="Courier New" panose="02070309020205020404" pitchFamily="49" charset="0"/>
                 <a:cs typeface="Courier New" panose="02070309020205020404" pitchFamily="49" charset="0"/>
               </a:rPr>
@@ -15254,32 +15901,46 @@
               <a:buNone/>
             </a:pPr>
             <a:r>
-              <a:rPr lang="en-GB" altLang="en-US" sz="2000" b="1">
+              <a:rPr lang="en-GB" altLang="en-US" sz="2000" b="1" dirty="0">
                 <a:latin typeface="Courier New" panose="02070309020205020404" pitchFamily="49" charset="0"/>
                 <a:cs typeface="Courier New" panose="02070309020205020404" pitchFamily="49" charset="0"/>
               </a:rPr>
               <a:t>&gt;&gt;&gt;</a:t>
             </a:r>
             <a:r>
-              <a:rPr lang="en-GB" altLang="en-US" sz="2000">
+              <a:rPr lang="en-GB" altLang="en-US" sz="2000" dirty="0">
                 <a:latin typeface="Courier New" panose="02070309020205020404" pitchFamily="49" charset="0"/>
                 <a:cs typeface="Courier New" panose="02070309020205020404" pitchFamily="49" charset="0"/>
               </a:rPr>
               <a:t> </a:t>
             </a:r>
             <a:r>
-              <a:rPr lang="en-GB" altLang="en-US" sz="2000" b="1">
+              <a:rPr lang="en-GB" altLang="en-US" sz="2000" b="1" dirty="0">
                 <a:latin typeface="Courier New" panose="02070309020205020404" pitchFamily="49" charset="0"/>
                 <a:cs typeface="Courier New" panose="02070309020205020404" pitchFamily="49" charset="0"/>
               </a:rPr>
               <a:t>print</a:t>
             </a:r>
             <a:r>
-              <a:rPr lang="en-GB" altLang="en-US" sz="2000">
+              <a:rPr lang="en-GB" altLang="en-US" sz="2000" dirty="0">
                 <a:latin typeface="Courier New" panose="02070309020205020404" pitchFamily="49" charset="0"/>
                 <a:cs typeface="Courier New" panose="02070309020205020404" pitchFamily="49" charset="0"/>
               </a:rPr>
-              <a:t>(MA.is_masked(winter[0]))</a:t>
+              <a:t>(</a:t>
+            </a:r>
+            <a:r>
+              <a:rPr lang="en-GB" altLang="en-US" sz="2000" dirty="0" err="1">
+                <a:latin typeface="Courier New" panose="02070309020205020404" pitchFamily="49" charset="0"/>
+                <a:cs typeface="Courier New" panose="02070309020205020404" pitchFamily="49" charset="0"/>
+              </a:rPr>
+              <a:t>MA.is_masked</a:t>
+            </a:r>
+            <a:r>
+              <a:rPr lang="en-GB" altLang="en-US" sz="2000" dirty="0">
+                <a:latin typeface="Courier New" panose="02070309020205020404" pitchFamily="49" charset="0"/>
+                <a:cs typeface="Courier New" panose="02070309020205020404" pitchFamily="49" charset="0"/>
+              </a:rPr>
+              <a:t>(winter[0]))</a:t>
             </a:r>
           </a:p>
           <a:p>
@@ -15294,7 +15955,7 @@
               <a:buNone/>
             </a:pPr>
             <a:r>
-              <a:rPr lang="en-GB" altLang="en-US" sz="2000" i="1">
+              <a:rPr lang="en-GB" altLang="en-US" sz="2000" i="1" dirty="0">
                 <a:solidFill>
                   <a:srgbClr val="336600"/>
                 </a:solidFill>
@@ -15316,32 +15977,46 @@
               <a:buNone/>
             </a:pPr>
             <a:r>
-              <a:rPr lang="en-GB" altLang="en-US" sz="2000" b="1">
+              <a:rPr lang="en-GB" altLang="en-US" sz="2000" b="1" dirty="0">
                 <a:latin typeface="Courier New" panose="02070309020205020404" pitchFamily="49" charset="0"/>
                 <a:cs typeface="Courier New" panose="02070309020205020404" pitchFamily="49" charset="0"/>
               </a:rPr>
               <a:t>&gt;&gt;&gt;</a:t>
             </a:r>
             <a:r>
-              <a:rPr lang="en-GB" altLang="en-US" sz="2000">
+              <a:rPr lang="en-GB" altLang="en-US" sz="2000" dirty="0">
                 <a:latin typeface="Courier New" panose="02070309020205020404" pitchFamily="49" charset="0"/>
                 <a:cs typeface="Courier New" panose="02070309020205020404" pitchFamily="49" charset="0"/>
               </a:rPr>
               <a:t> </a:t>
             </a:r>
             <a:r>
-              <a:rPr lang="en-GB" altLang="en-US" sz="2000" b="1">
+              <a:rPr lang="en-GB" altLang="en-US" sz="2000" b="1" dirty="0">
                 <a:latin typeface="Courier New" panose="02070309020205020404" pitchFamily="49" charset="0"/>
                 <a:cs typeface="Courier New" panose="02070309020205020404" pitchFamily="49" charset="0"/>
               </a:rPr>
               <a:t>print</a:t>
             </a:r>
             <a:r>
-              <a:rPr lang="en-GB" altLang="en-US" sz="2000">
+              <a:rPr lang="en-GB" altLang="en-US" sz="2000" dirty="0">
                 <a:latin typeface="Courier New" panose="02070309020205020404" pitchFamily="49" charset="0"/>
                 <a:cs typeface="Courier New" panose="02070309020205020404" pitchFamily="49" charset="0"/>
               </a:rPr>
-              <a:t>(MA.is_masked(winter[1]))</a:t>
+              <a:t>(</a:t>
+            </a:r>
+            <a:r>
+              <a:rPr lang="en-GB" altLang="en-US" sz="2000" dirty="0" err="1">
+                <a:latin typeface="Courier New" panose="02070309020205020404" pitchFamily="49" charset="0"/>
+                <a:cs typeface="Courier New" panose="02070309020205020404" pitchFamily="49" charset="0"/>
+              </a:rPr>
+              <a:t>MA.is_masked</a:t>
+            </a:r>
+            <a:r>
+              <a:rPr lang="en-GB" altLang="en-US" sz="2000" dirty="0">
+                <a:latin typeface="Courier New" panose="02070309020205020404" pitchFamily="49" charset="0"/>
+                <a:cs typeface="Courier New" panose="02070309020205020404" pitchFamily="49" charset="0"/>
+              </a:rPr>
+              <a:t>(winter[1]))</a:t>
             </a:r>
           </a:p>
           <a:p>
@@ -15356,7 +16031,7 @@
               <a:buNone/>
             </a:pPr>
             <a:r>
-              <a:rPr lang="en-GB" altLang="en-US" sz="2000" i="1">
+              <a:rPr lang="en-GB" altLang="en-US" sz="2000" i="1" dirty="0">
                 <a:solidFill>
                   <a:srgbClr val="336600"/>
                 </a:solidFill>
@@ -15744,13 +16419,6 @@
   <p:clrMapOvr>
     <a:masterClrMapping/>
   </p:clrMapOvr>
-  <p:timing>
-    <p:tnLst>
-      <p:par>
-        <p:cTn id="1" dur="indefinite" restart="never" nodeType="tmRoot"/>
-      </p:par>
-    </p:tnLst>
-  </p:timing>
 </p:sld>
 </file>
 
@@ -15793,7 +16461,7 @@
           <a:p>
             <a:pPr eaLnBrk="1" hangingPunct="1"/>
             <a:r>
-              <a:rPr lang="en-GB" altLang="en-US" b="1" smtClean="0"/>
+              <a:rPr lang="en-GB" altLang="en-US" b="1"/>
               <a:t>What about CSV or tab-delimited?</a:t>
             </a:r>
           </a:p>
@@ -16014,26 +16682,26 @@
               <a:defRPr/>
             </a:pPr>
             <a:r>
-              <a:rPr lang="en-GB" altLang="en-US" sz="2800" dirty="0" smtClean="0">
+              <a:rPr lang="en-GB" altLang="en-US" sz="2800" dirty="0">
                 <a:latin typeface="+mn-lt"/>
               </a:rPr>
               <a:t>The above example will work exactly the same with a tab-delimited file (because the string </a:t>
             </a:r>
             <a:r>
-              <a:rPr lang="en-GB" altLang="en-US" dirty="0" smtClean="0">
+              <a:rPr lang="en-GB" altLang="en-US" dirty="0">
                 <a:latin typeface="+mn-lt"/>
                 <a:cs typeface="Courier New" panose="02070309020205020404" pitchFamily="49" charset="0"/>
               </a:rPr>
               <a:t>split</a:t>
             </a:r>
             <a:r>
-              <a:rPr lang="en-GB" altLang="en-US" dirty="0" smtClean="0">
+              <a:rPr lang="en-GB" altLang="en-US" dirty="0">
                 <a:latin typeface="+mn-lt"/>
               </a:rPr>
               <a:t> </a:t>
             </a:r>
             <a:r>
-              <a:rPr lang="en-GB" altLang="en-US" sz="2800" dirty="0" smtClean="0">
+              <a:rPr lang="en-GB" altLang="en-US" sz="2800" dirty="0">
                 <a:latin typeface="+mn-lt"/>
               </a:rPr>
               <a:t>method splits on white space) .</a:t>
@@ -16051,7 +16719,7 @@
               <a:buNone/>
               <a:defRPr/>
             </a:pPr>
-            <a:endParaRPr lang="en-GB" altLang="en-US" sz="2800" dirty="0" smtClean="0">
+            <a:endParaRPr lang="en-GB" altLang="en-US" sz="2800" dirty="0">
               <a:latin typeface="+mn-lt"/>
             </a:endParaRPr>
           </a:p>
@@ -16068,7 +16736,7 @@
               <a:defRPr/>
             </a:pPr>
             <a:r>
-              <a:rPr lang="en-GB" altLang="en-US" sz="2800" dirty="0" smtClean="0">
+              <a:rPr lang="en-GB" altLang="en-US" sz="2800" dirty="0">
                 <a:latin typeface="+mn-lt"/>
               </a:rPr>
               <a:t>If the file used commas (CSV) to separate columns then you could use:</a:t>
@@ -16086,7 +16754,7 @@
               <a:buNone/>
               <a:defRPr/>
             </a:pPr>
-            <a:endParaRPr lang="en-GB" altLang="en-US" sz="2800" dirty="0" smtClean="0">
+            <a:endParaRPr lang="en-GB" altLang="en-US" sz="2800" dirty="0">
               <a:latin typeface="Arial" panose="020B0604020202020204" pitchFamily="34" charset="0"/>
             </a:endParaRPr>
           </a:p>
@@ -16103,20 +16771,20 @@
               <a:defRPr/>
             </a:pPr>
             <a:r>
-              <a:rPr lang="en-GB" altLang="en-US" sz="2800" dirty="0" smtClean="0">
+              <a:rPr lang="en-GB" altLang="en-US" sz="2800" dirty="0">
                 <a:latin typeface="Arial" panose="020B0604020202020204" pitchFamily="34" charset="0"/>
               </a:rPr>
               <a:t>	</a:t>
             </a:r>
             <a:r>
-              <a:rPr lang="en-GB" altLang="en-US" dirty="0" err="1" smtClean="0">
+              <a:rPr lang="en-GB" altLang="en-US" dirty="0" err="1">
                 <a:latin typeface="Courier New" panose="02070309020205020404" pitchFamily="49" charset="0"/>
                 <a:cs typeface="Courier New" panose="02070309020205020404" pitchFamily="49" charset="0"/>
               </a:rPr>
               <a:t>line.split</a:t>
             </a:r>
             <a:r>
-              <a:rPr lang="en-GB" altLang="en-US" dirty="0" smtClean="0">
+              <a:rPr lang="en-GB" altLang="en-US" dirty="0">
                 <a:latin typeface="Courier New" panose="02070309020205020404" pitchFamily="49" charset="0"/>
                 <a:cs typeface="Courier New" panose="02070309020205020404" pitchFamily="49" charset="0"/>
               </a:rPr>
@@ -16130,13 +16798,6 @@
   <p:clrMapOvr>
     <a:masterClrMapping/>
   </p:clrMapOvr>
-  <p:timing>
-    <p:tnLst>
-      <p:par>
-        <p:cTn id="1" dur="indefinite" restart="never" nodeType="tmRoot"/>
-      </p:par>
-    </p:tnLst>
-  </p:timing>
 </p:sld>
 </file>
 
@@ -16179,7 +16840,7 @@
           <a:p>
             <a:pPr eaLnBrk="1" hangingPunct="1"/>
             <a:r>
-              <a:rPr lang="en-GB" altLang="en-US" b="1" smtClean="0"/>
+              <a:rPr lang="en-GB" altLang="en-US" b="1"/>
               <a:t>Or try the Python "csv" module</a:t>
             </a:r>
           </a:p>
@@ -16196,7 +16857,7 @@
         <p:spPr bwMode="auto">
           <a:xfrm>
             <a:off x="250825" y="1382713"/>
-            <a:ext cx="8713788" cy="3970337"/>
+            <a:ext cx="8713788" cy="3970318"/>
           </a:xfrm>
           <a:prstGeom prst="rect">
             <a:avLst/>
@@ -16400,7 +17061,7 @@
               <a:defRPr/>
             </a:pPr>
             <a:r>
-              <a:rPr lang="en-GB" altLang="en-US" dirty="0" smtClean="0">
+              <a:rPr lang="en-GB" altLang="en-US" dirty="0">
                 <a:latin typeface="+mn-lt"/>
               </a:rPr>
               <a:t>There is a python "csv" module that is able to read text files with various delimiters. E.g.:</a:t>
@@ -16418,7 +17079,7 @@
               <a:buNone/>
               <a:defRPr/>
             </a:pPr>
-            <a:endParaRPr lang="en-GB" altLang="en-US" dirty="0" smtClean="0">
+            <a:endParaRPr lang="en-GB" altLang="en-US" dirty="0">
               <a:latin typeface="Arial" panose="020B0604020202020204" pitchFamily="34" charset="0"/>
             </a:endParaRPr>
           </a:p>
@@ -16435,28 +17096,28 @@
               <a:defRPr/>
             </a:pPr>
             <a:r>
-              <a:rPr lang="en-GB" altLang="en-US" sz="2000" b="1" dirty="0" smtClean="0">
+              <a:rPr lang="en-GB" altLang="en-US" sz="2000" b="1" dirty="0">
                 <a:latin typeface="Courier New" panose="02070309020205020404" pitchFamily="49" charset="0"/>
                 <a:cs typeface="Courier New" panose="02070309020205020404" pitchFamily="49" charset="0"/>
               </a:rPr>
               <a:t>&gt;&gt;&gt;</a:t>
             </a:r>
             <a:r>
-              <a:rPr lang="en-GB" altLang="en-US" sz="2000" dirty="0" smtClean="0">
+              <a:rPr lang="en-GB" altLang="en-US" sz="2000" dirty="0">
                 <a:latin typeface="Courier New" panose="02070309020205020404" pitchFamily="49" charset="0"/>
                 <a:cs typeface="Courier New" panose="02070309020205020404" pitchFamily="49" charset="0"/>
               </a:rPr>
               <a:t> </a:t>
             </a:r>
             <a:r>
-              <a:rPr lang="en-GB" altLang="en-US" sz="2000" b="1" dirty="0" smtClean="0">
+              <a:rPr lang="en-GB" altLang="en-US" sz="2000" b="1" dirty="0">
                 <a:latin typeface="Courier New" panose="02070309020205020404" pitchFamily="49" charset="0"/>
                 <a:cs typeface="Courier New" panose="02070309020205020404" pitchFamily="49" charset="0"/>
               </a:rPr>
               <a:t>import</a:t>
             </a:r>
             <a:r>
-              <a:rPr lang="en-GB" altLang="en-US" sz="2000" dirty="0" smtClean="0">
+              <a:rPr lang="en-GB" altLang="en-US" sz="2000" dirty="0">
                 <a:latin typeface="Courier New" panose="02070309020205020404" pitchFamily="49" charset="0"/>
                 <a:cs typeface="Courier New" panose="02070309020205020404" pitchFamily="49" charset="0"/>
               </a:rPr>
@@ -16476,46 +17137,53 @@
               <a:defRPr/>
             </a:pPr>
             <a:r>
-              <a:rPr lang="en-GB" altLang="en-US" sz="2000" b="1" dirty="0" smtClean="0">
+              <a:rPr lang="en-GB" altLang="en-US" sz="2000" b="1" dirty="0">
                 <a:latin typeface="Courier New" panose="02070309020205020404" pitchFamily="49" charset="0"/>
                 <a:cs typeface="Courier New" panose="02070309020205020404" pitchFamily="49" charset="0"/>
               </a:rPr>
               <a:t>&gt;&gt;&gt;</a:t>
             </a:r>
             <a:r>
-              <a:rPr lang="en-GB" altLang="en-US" sz="2000" dirty="0" smtClean="0">
+              <a:rPr lang="en-GB" altLang="en-US" sz="2000" dirty="0">
                 <a:latin typeface="Courier New" panose="02070309020205020404" pitchFamily="49" charset="0"/>
                 <a:cs typeface="Courier New" panose="02070309020205020404" pitchFamily="49" charset="0"/>
               </a:rPr>
-              <a:t> r = </a:t>
-            </a:r>
-            <a:r>
-              <a:rPr lang="en-GB" altLang="en-US" sz="2000" dirty="0" err="1" smtClean="0">
+              <a:t> </a:t>
+            </a:r>
+            <a:r>
+              <a:rPr lang="en-GB" altLang="en-US" sz="1800" dirty="0">
                 <a:latin typeface="Courier New" panose="02070309020205020404" pitchFamily="49" charset="0"/>
                 <a:cs typeface="Courier New" panose="02070309020205020404" pitchFamily="49" charset="0"/>
               </a:rPr>
-              <a:t>csv.reader</a:t>
-            </a:r>
-            <a:r>
-              <a:rPr lang="en-GB" altLang="en-US" sz="2000" dirty="0" smtClean="0">
+              <a:t>r = </a:t>
+            </a:r>
+            <a:r>
+              <a:rPr lang="en-GB" altLang="en-US" sz="1800" dirty="0" err="1">
                 <a:latin typeface="Courier New" panose="02070309020205020404" pitchFamily="49" charset="0"/>
                 <a:cs typeface="Courier New" panose="02070309020205020404" pitchFamily="49" charset="0"/>
               </a:rPr>
-              <a:t>(open("../</a:t>
-            </a:r>
-            <a:r>
-              <a:rPr lang="en-GB" altLang="en-US" sz="2000" dirty="0" err="1" smtClean="0">
+              <a:t>csv.reader</a:t>
+            </a:r>
+            <a:r>
+              <a:rPr lang="en-GB" altLang="en-US" sz="1800" dirty="0">
                 <a:latin typeface="Courier New" panose="02070309020205020404" pitchFamily="49" charset="0"/>
                 <a:cs typeface="Courier New" panose="02070309020205020404" pitchFamily="49" charset="0"/>
               </a:rPr>
-              <a:t>example_data</a:t>
-            </a:r>
-            <a:r>
-              <a:rPr lang="en-GB" altLang="en-US" sz="2000" dirty="0" smtClean="0">
+              <a:t>(open("../</a:t>
+            </a:r>
+            <a:r>
+              <a:rPr lang="en-GB" altLang="en-US" sz="1800" dirty="0" err="1">
                 <a:latin typeface="Courier New" panose="02070309020205020404" pitchFamily="49" charset="0"/>
                 <a:cs typeface="Courier New" panose="02070309020205020404" pitchFamily="49" charset="0"/>
               </a:rPr>
-              <a:t>/weather.csv"))</a:t>
+              <a:t>example_data</a:t>
+            </a:r>
+            <a:r>
+              <a:rPr lang="en-GB" altLang="en-US" sz="1800" dirty="0">
+                <a:latin typeface="Courier New" panose="02070309020205020404" pitchFamily="49" charset="0"/>
+                <a:cs typeface="Courier New" panose="02070309020205020404" pitchFamily="49" charset="0"/>
+              </a:rPr>
+              <a:t>/ uk_rainfall.txt "))</a:t>
             </a:r>
           </a:p>
           <a:p>
@@ -16531,42 +17199,42 @@
               <a:defRPr/>
             </a:pPr>
             <a:r>
-              <a:rPr lang="en-GB" altLang="en-US" sz="2000" b="1" dirty="0" smtClean="0">
+              <a:rPr lang="en-GB" altLang="en-US" sz="2000" b="1" dirty="0">
                 <a:latin typeface="Courier New" panose="02070309020205020404" pitchFamily="49" charset="0"/>
                 <a:cs typeface="Courier New" panose="02070309020205020404" pitchFamily="49" charset="0"/>
               </a:rPr>
               <a:t>&gt;&gt;&gt;</a:t>
             </a:r>
             <a:r>
-              <a:rPr lang="en-GB" altLang="en-US" sz="2000" dirty="0" smtClean="0">
+              <a:rPr lang="en-GB" altLang="en-US" sz="2000" dirty="0">
                 <a:latin typeface="Courier New" panose="02070309020205020404" pitchFamily="49" charset="0"/>
                 <a:cs typeface="Courier New" panose="02070309020205020404" pitchFamily="49" charset="0"/>
               </a:rPr>
               <a:t> </a:t>
             </a:r>
             <a:r>
-              <a:rPr lang="en-GB" altLang="en-US" sz="2000" b="1" dirty="0" smtClean="0">
+              <a:rPr lang="en-GB" altLang="en-US" sz="2000" b="1" dirty="0">
                 <a:latin typeface="Courier New" panose="02070309020205020404" pitchFamily="49" charset="0"/>
                 <a:cs typeface="Courier New" panose="02070309020205020404" pitchFamily="49" charset="0"/>
               </a:rPr>
               <a:t>for</a:t>
             </a:r>
             <a:r>
-              <a:rPr lang="en-GB" altLang="en-US" sz="2000" dirty="0" smtClean="0">
+              <a:rPr lang="en-GB" altLang="en-US" sz="2000" dirty="0">
                 <a:latin typeface="Courier New" panose="02070309020205020404" pitchFamily="49" charset="0"/>
                 <a:cs typeface="Courier New" panose="02070309020205020404" pitchFamily="49" charset="0"/>
               </a:rPr>
               <a:t> row </a:t>
             </a:r>
             <a:r>
-              <a:rPr lang="en-GB" altLang="en-US" sz="2000" b="1" dirty="0" smtClean="0">
+              <a:rPr lang="en-GB" altLang="en-US" sz="2000" b="1" dirty="0">
                 <a:latin typeface="Courier New" panose="02070309020205020404" pitchFamily="49" charset="0"/>
                 <a:cs typeface="Courier New" panose="02070309020205020404" pitchFamily="49" charset="0"/>
               </a:rPr>
               <a:t>in</a:t>
             </a:r>
             <a:r>
-              <a:rPr lang="en-GB" altLang="en-US" sz="2000" dirty="0" smtClean="0">
+              <a:rPr lang="en-GB" altLang="en-US" sz="2000" dirty="0">
                 <a:latin typeface="Courier New" panose="02070309020205020404" pitchFamily="49" charset="0"/>
                 <a:cs typeface="Courier New" panose="02070309020205020404" pitchFamily="49" charset="0"/>
               </a:rPr>
@@ -16586,21 +17254,21 @@
               <a:defRPr/>
             </a:pPr>
             <a:r>
-              <a:rPr lang="en-GB" altLang="en-US" sz="2000" dirty="0" smtClean="0">
+              <a:rPr lang="en-GB" altLang="en-US" sz="2000" dirty="0">
                 <a:latin typeface="Courier New" panose="02070309020205020404" pitchFamily="49" charset="0"/>
                 <a:cs typeface="Courier New" panose="02070309020205020404" pitchFamily="49" charset="0"/>
               </a:rPr>
               <a:t>...     </a:t>
             </a:r>
             <a:r>
-              <a:rPr lang="en-GB" altLang="en-US" sz="2000" b="1" dirty="0" smtClean="0">
+              <a:rPr lang="en-GB" altLang="en-US" sz="2000" b="1" dirty="0">
                 <a:latin typeface="Courier New" panose="02070309020205020404" pitchFamily="49" charset="0"/>
                 <a:cs typeface="Courier New" panose="02070309020205020404" pitchFamily="49" charset="0"/>
               </a:rPr>
               <a:t>print</a:t>
             </a:r>
             <a:r>
-              <a:rPr lang="en-GB" altLang="en-US" sz="2000" dirty="0" smtClean="0">
+              <a:rPr lang="en-GB" altLang="en-US" sz="2000" dirty="0">
                 <a:latin typeface="Courier New" panose="02070309020205020404" pitchFamily="49" charset="0"/>
                 <a:cs typeface="Courier New" panose="02070309020205020404" pitchFamily="49" charset="0"/>
               </a:rPr>
@@ -16619,7 +17287,7 @@
               <a:buNone/>
               <a:defRPr/>
             </a:pPr>
-            <a:endParaRPr lang="en-GB" altLang="en-US" sz="2000" dirty="0" smtClean="0">
+            <a:endParaRPr lang="en-GB" altLang="en-US" sz="2000" dirty="0">
               <a:latin typeface="Courier New" panose="02070309020205020404" pitchFamily="49" charset="0"/>
               <a:cs typeface="Courier New" panose="02070309020205020404" pitchFamily="49" charset="0"/>
             </a:endParaRPr>
@@ -16637,7 +17305,7 @@
               <a:defRPr/>
             </a:pPr>
             <a:r>
-              <a:rPr lang="en-GB" altLang="en-US" sz="2000" i="1" dirty="0" smtClean="0">
+              <a:rPr lang="en-GB" altLang="en-US" sz="2000" i="1" dirty="0">
                 <a:solidFill>
                   <a:srgbClr val="336600"/>
                 </a:solidFill>
@@ -16660,7 +17328,7 @@
               <a:defRPr/>
             </a:pPr>
             <a:r>
-              <a:rPr lang="en-GB" altLang="en-US" sz="2000" i="1" dirty="0" smtClean="0">
+              <a:rPr lang="en-GB" altLang="en-US" sz="2000" i="1" dirty="0">
                 <a:solidFill>
                   <a:srgbClr val="336600"/>
                 </a:solidFill>
@@ -16683,7 +17351,7 @@
               <a:defRPr/>
             </a:pPr>
             <a:r>
-              <a:rPr lang="en-GB" altLang="en-US" sz="2000" i="1" dirty="0" smtClean="0">
+              <a:rPr lang="en-GB" altLang="en-US" sz="2000" i="1" dirty="0">
                 <a:solidFill>
                   <a:srgbClr val="336600"/>
                 </a:solidFill>
@@ -16706,7 +17374,7 @@
               <a:defRPr/>
             </a:pPr>
             <a:r>
-              <a:rPr lang="en-GB" altLang="en-US" sz="2000" i="1" dirty="0" smtClean="0">
+              <a:rPr lang="en-GB" altLang="en-US" sz="2000" i="1" dirty="0">
                 <a:solidFill>
                   <a:srgbClr val="336600"/>
                 </a:solidFill>
@@ -16933,20 +17601,20 @@
               <a:defRPr/>
             </a:pPr>
             <a:r>
-              <a:rPr lang="en-GB" altLang="en-US" dirty="0" smtClean="0">
+              <a:rPr lang="en-GB" altLang="en-US" dirty="0">
                 <a:latin typeface="+mn-lt"/>
               </a:rPr>
               <a:t>See:  </a:t>
             </a:r>
             <a:r>
-              <a:rPr lang="en-GB" altLang="en-US" dirty="0" smtClean="0">
+              <a:rPr lang="en-GB" altLang="en-US" dirty="0">
                 <a:latin typeface="+mn-lt"/>
                 <a:hlinkClick r:id="rId3"/>
               </a:rPr>
               <a:t>https://docs.python.org/3.7/library/csv.html</a:t>
             </a:r>
             <a:r>
-              <a:rPr lang="en-GB" altLang="en-US" dirty="0" smtClean="0">
+              <a:rPr lang="en-GB" altLang="en-US" dirty="0">
                 <a:latin typeface="+mn-lt"/>
               </a:rPr>
               <a:t> </a:t>
@@ -17324,6 +17992,2125 @@
 </p:sld>
 </file>
 
+<file path=ppt/slides/slide24.xml><?xml version="1.0" encoding="utf-8"?>
+<p:sld xmlns:a="http://schemas.openxmlformats.org/drawingml/2006/main" xmlns:r="http://schemas.openxmlformats.org/officeDocument/2006/relationships" xmlns:p="http://schemas.openxmlformats.org/presentationml/2006/main">
+  <p:cSld>
+    <p:spTree>
+      <p:nvGrpSpPr>
+        <p:cNvPr id="1" name=""/>
+        <p:cNvGrpSpPr/>
+        <p:nvPr/>
+      </p:nvGrpSpPr>
+      <p:grpSpPr>
+        <a:xfrm>
+          <a:off x="0" y="0"/>
+          <a:ext cx="0" cy="0"/>
+          <a:chOff x="0" y="0"/>
+          <a:chExt cx="0" cy="0"/>
+        </a:xfrm>
+      </p:grpSpPr>
+      <p:sp>
+        <p:nvSpPr>
+          <p:cNvPr id="52226" name="Title 1"/>
+          <p:cNvSpPr>
+            <a:spLocks noGrp="1"/>
+          </p:cNvSpPr>
+          <p:nvPr>
+            <p:ph type="title" idx="4294967295"/>
+          </p:nvPr>
+        </p:nvSpPr>
+        <p:spPr>
+          <a:xfrm>
+            <a:off x="337888" y="265112"/>
+            <a:ext cx="8229600" cy="1143000"/>
+          </a:xfrm>
+        </p:spPr>
+        <p:txBody>
+          <a:bodyPr/>
+          <a:lstStyle/>
+          <a:p>
+            <a:pPr eaLnBrk="1" hangingPunct="1"/>
+            <a:r>
+              <a:rPr lang="en-GB" altLang="en-US" b="1" dirty="0"/>
+              <a:t>But really, use “pandas” instead!</a:t>
+            </a:r>
+          </a:p>
+        </p:txBody>
+      </p:sp>
+      <p:sp>
+        <p:nvSpPr>
+          <p:cNvPr id="21507" name="TextBox 2"/>
+          <p:cNvSpPr txBox="1">
+            <a:spLocks noChangeArrowheads="1"/>
+          </p:cNvSpPr>
+          <p:nvPr/>
+        </p:nvSpPr>
+        <p:spPr bwMode="auto">
+          <a:xfrm>
+            <a:off x="215106" y="1628800"/>
+            <a:ext cx="8713788" cy="2554545"/>
+          </a:xfrm>
+          <a:prstGeom prst="rect">
+            <a:avLst/>
+          </a:prstGeom>
+          <a:noFill/>
+          <a:ln>
+            <a:noFill/>
+          </a:ln>
+          <a:extLst>
+            <a:ext uri="{909E8E84-426E-40DD-AFC4-6F175D3DCCD1}">
+              <a14:hiddenFill xmlns:a14="http://schemas.microsoft.com/office/drawing/2010/main">
+                <a:solidFill>
+                  <a:srgbClr val="FFFFFF"/>
+                </a:solidFill>
+              </a14:hiddenFill>
+            </a:ext>
+            <a:ext uri="{91240B29-F687-4F45-9708-019B960494DF}">
+              <a14:hiddenLine xmlns:a14="http://schemas.microsoft.com/office/drawing/2010/main" w="9525">
+                <a:solidFill>
+                  <a:srgbClr val="000000"/>
+                </a:solidFill>
+                <a:miter lim="800000"/>
+                <a:headEnd/>
+                <a:tailEnd/>
+              </a14:hiddenLine>
+            </a:ext>
+          </a:extLst>
+        </p:spPr>
+        <p:txBody>
+          <a:bodyPr>
+            <a:spAutoFit/>
+          </a:bodyPr>
+          <a:lstStyle>
+            <a:lvl1pPr>
+              <a:lnSpc>
+                <a:spcPct val="90000"/>
+              </a:lnSpc>
+              <a:spcBef>
+                <a:spcPts val="1000"/>
+              </a:spcBef>
+              <a:buFont typeface="Arial" panose="020B0604020202020204" pitchFamily="34" charset="0"/>
+              <a:buChar char="•"/>
+              <a:defRPr sz="2400">
+                <a:solidFill>
+                  <a:schemeClr val="tx1"/>
+                </a:solidFill>
+                <a:latin typeface="Calibri" panose="020F0502020204030204" pitchFamily="34" charset="0"/>
+              </a:defRPr>
+            </a:lvl1pPr>
+            <a:lvl2pPr marL="742950" indent="-285750">
+              <a:lnSpc>
+                <a:spcPct val="90000"/>
+              </a:lnSpc>
+              <a:spcBef>
+                <a:spcPts val="500"/>
+              </a:spcBef>
+              <a:buFont typeface="Arial" panose="020B0604020202020204" pitchFamily="34" charset="0"/>
+              <a:buChar char="•"/>
+              <a:defRPr sz="2000">
+                <a:solidFill>
+                  <a:schemeClr val="tx1"/>
+                </a:solidFill>
+                <a:latin typeface="Calibri" panose="020F0502020204030204" pitchFamily="34" charset="0"/>
+              </a:defRPr>
+            </a:lvl2pPr>
+            <a:lvl3pPr marL="1143000" indent="-228600">
+              <a:lnSpc>
+                <a:spcPct val="90000"/>
+              </a:lnSpc>
+              <a:spcBef>
+                <a:spcPts val="500"/>
+              </a:spcBef>
+              <a:buFont typeface="Arial" panose="020B0604020202020204" pitchFamily="34" charset="0"/>
+              <a:buChar char="•"/>
+              <a:defRPr>
+                <a:solidFill>
+                  <a:schemeClr val="tx1"/>
+                </a:solidFill>
+                <a:latin typeface="Calibri" panose="020F0502020204030204" pitchFamily="34" charset="0"/>
+              </a:defRPr>
+            </a:lvl3pPr>
+            <a:lvl4pPr marL="1600200" indent="-228600">
+              <a:lnSpc>
+                <a:spcPct val="90000"/>
+              </a:lnSpc>
+              <a:spcBef>
+                <a:spcPts val="500"/>
+              </a:spcBef>
+              <a:buFont typeface="Arial" panose="020B0604020202020204" pitchFamily="34" charset="0"/>
+              <a:buChar char="•"/>
+              <a:defRPr sz="1600">
+                <a:solidFill>
+                  <a:schemeClr val="tx1"/>
+                </a:solidFill>
+                <a:latin typeface="Calibri" panose="020F0502020204030204" pitchFamily="34" charset="0"/>
+              </a:defRPr>
+            </a:lvl4pPr>
+            <a:lvl5pPr marL="2057400" indent="-228600">
+              <a:lnSpc>
+                <a:spcPct val="90000"/>
+              </a:lnSpc>
+              <a:spcBef>
+                <a:spcPts val="500"/>
+              </a:spcBef>
+              <a:buFont typeface="Arial" panose="020B0604020202020204" pitchFamily="34" charset="0"/>
+              <a:buChar char="•"/>
+              <a:defRPr sz="1600">
+                <a:solidFill>
+                  <a:schemeClr val="tx1"/>
+                </a:solidFill>
+                <a:latin typeface="Calibri" panose="020F0502020204030204" pitchFamily="34" charset="0"/>
+              </a:defRPr>
+            </a:lvl5pPr>
+            <a:lvl6pPr marL="2514600" indent="-228600" eaLnBrk="0" fontAlgn="base" hangingPunct="0">
+              <a:lnSpc>
+                <a:spcPct val="90000"/>
+              </a:lnSpc>
+              <a:spcBef>
+                <a:spcPts val="500"/>
+              </a:spcBef>
+              <a:spcAft>
+                <a:spcPct val="0"/>
+              </a:spcAft>
+              <a:buFont typeface="Arial" panose="020B0604020202020204" pitchFamily="34" charset="0"/>
+              <a:buChar char="•"/>
+              <a:defRPr sz="1600">
+                <a:solidFill>
+                  <a:schemeClr val="tx1"/>
+                </a:solidFill>
+                <a:latin typeface="Calibri" panose="020F0502020204030204" pitchFamily="34" charset="0"/>
+              </a:defRPr>
+            </a:lvl6pPr>
+            <a:lvl7pPr marL="2971800" indent="-228600" eaLnBrk="0" fontAlgn="base" hangingPunct="0">
+              <a:lnSpc>
+                <a:spcPct val="90000"/>
+              </a:lnSpc>
+              <a:spcBef>
+                <a:spcPts val="500"/>
+              </a:spcBef>
+              <a:spcAft>
+                <a:spcPct val="0"/>
+              </a:spcAft>
+              <a:buFont typeface="Arial" panose="020B0604020202020204" pitchFamily="34" charset="0"/>
+              <a:buChar char="•"/>
+              <a:defRPr sz="1600">
+                <a:solidFill>
+                  <a:schemeClr val="tx1"/>
+                </a:solidFill>
+                <a:latin typeface="Calibri" panose="020F0502020204030204" pitchFamily="34" charset="0"/>
+              </a:defRPr>
+            </a:lvl7pPr>
+            <a:lvl8pPr marL="3429000" indent="-228600" eaLnBrk="0" fontAlgn="base" hangingPunct="0">
+              <a:lnSpc>
+                <a:spcPct val="90000"/>
+              </a:lnSpc>
+              <a:spcBef>
+                <a:spcPts val="500"/>
+              </a:spcBef>
+              <a:spcAft>
+                <a:spcPct val="0"/>
+              </a:spcAft>
+              <a:buFont typeface="Arial" panose="020B0604020202020204" pitchFamily="34" charset="0"/>
+              <a:buChar char="•"/>
+              <a:defRPr sz="1600">
+                <a:solidFill>
+                  <a:schemeClr val="tx1"/>
+                </a:solidFill>
+                <a:latin typeface="Calibri" panose="020F0502020204030204" pitchFamily="34" charset="0"/>
+              </a:defRPr>
+            </a:lvl8pPr>
+            <a:lvl9pPr marL="3886200" indent="-228600" eaLnBrk="0" fontAlgn="base" hangingPunct="0">
+              <a:lnSpc>
+                <a:spcPct val="90000"/>
+              </a:lnSpc>
+              <a:spcBef>
+                <a:spcPts val="500"/>
+              </a:spcBef>
+              <a:spcAft>
+                <a:spcPct val="0"/>
+              </a:spcAft>
+              <a:buFont typeface="Arial" panose="020B0604020202020204" pitchFamily="34" charset="0"/>
+              <a:buChar char="•"/>
+              <a:defRPr sz="1600">
+                <a:solidFill>
+                  <a:schemeClr val="tx1"/>
+                </a:solidFill>
+                <a:latin typeface="Calibri" panose="020F0502020204030204" pitchFamily="34" charset="0"/>
+              </a:defRPr>
+            </a:lvl9pPr>
+          </a:lstStyle>
+          <a:p>
+            <a:pPr eaLnBrk="1" hangingPunct="1">
+              <a:lnSpc>
+                <a:spcPct val="100000"/>
+              </a:lnSpc>
+              <a:spcBef>
+                <a:spcPct val="0"/>
+              </a:spcBef>
+              <a:buFontTx/>
+              <a:buNone/>
+              <a:defRPr/>
+            </a:pPr>
+            <a:r>
+              <a:rPr lang="en-GB" altLang="en-US" sz="2000" dirty="0">
+                <a:solidFill>
+                  <a:srgbClr val="336600"/>
+                </a:solidFill>
+                <a:latin typeface="Courier New" panose="02070309020205020404" pitchFamily="49" charset="0"/>
+                <a:cs typeface="Courier New" panose="02070309020205020404" pitchFamily="49" charset="0"/>
+              </a:rPr>
+              <a:t># Read the first 6 lines with the old ways...</a:t>
+            </a:r>
+          </a:p>
+          <a:p>
+            <a:pPr eaLnBrk="1" hangingPunct="1">
+              <a:lnSpc>
+                <a:spcPct val="100000"/>
+              </a:lnSpc>
+              <a:spcBef>
+                <a:spcPct val="0"/>
+              </a:spcBef>
+              <a:buFontTx/>
+              <a:buNone/>
+              <a:defRPr/>
+            </a:pPr>
+            <a:endParaRPr lang="en-GB" altLang="en-US" sz="2000" dirty="0">
+              <a:solidFill>
+                <a:srgbClr val="336600"/>
+              </a:solidFill>
+              <a:latin typeface="Courier New" panose="02070309020205020404" pitchFamily="49" charset="0"/>
+              <a:cs typeface="Courier New" panose="02070309020205020404" pitchFamily="49" charset="0"/>
+            </a:endParaRPr>
+          </a:p>
+          <a:p>
+            <a:pPr eaLnBrk="1" hangingPunct="1">
+              <a:lnSpc>
+                <a:spcPct val="100000"/>
+              </a:lnSpc>
+              <a:spcBef>
+                <a:spcPct val="0"/>
+              </a:spcBef>
+              <a:buFontTx/>
+              <a:buNone/>
+              <a:defRPr/>
+            </a:pPr>
+            <a:r>
+              <a:rPr lang="en-GB" altLang="en-US" sz="2000" dirty="0" err="1">
+                <a:solidFill>
+                  <a:srgbClr val="336600"/>
+                </a:solidFill>
+                <a:latin typeface="Courier New" panose="02070309020205020404" pitchFamily="49" charset="0"/>
+                <a:cs typeface="Courier New" panose="02070309020205020404" pitchFamily="49" charset="0"/>
+              </a:rPr>
+              <a:t>fpath</a:t>
+            </a:r>
+            <a:r>
+              <a:rPr lang="en-GB" altLang="en-US" sz="2000" dirty="0">
+                <a:solidFill>
+                  <a:srgbClr val="336600"/>
+                </a:solidFill>
+                <a:latin typeface="Courier New" panose="02070309020205020404" pitchFamily="49" charset="0"/>
+                <a:cs typeface="Courier New" panose="02070309020205020404" pitchFamily="49" charset="0"/>
+              </a:rPr>
+              <a:t> = "</a:t>
+            </a:r>
+            <a:r>
+              <a:rPr lang="en-GB" altLang="en-US" sz="2000" dirty="0" err="1">
+                <a:solidFill>
+                  <a:srgbClr val="336600"/>
+                </a:solidFill>
+                <a:latin typeface="Courier New" panose="02070309020205020404" pitchFamily="49" charset="0"/>
+                <a:cs typeface="Courier New" panose="02070309020205020404" pitchFamily="49" charset="0"/>
+              </a:rPr>
+              <a:t>example_data</a:t>
+            </a:r>
+            <a:r>
+              <a:rPr lang="en-GB" altLang="en-US" sz="2000" dirty="0">
+                <a:solidFill>
+                  <a:srgbClr val="336600"/>
+                </a:solidFill>
+                <a:latin typeface="Courier New" panose="02070309020205020404" pitchFamily="49" charset="0"/>
+                <a:cs typeface="Courier New" panose="02070309020205020404" pitchFamily="49" charset="0"/>
+              </a:rPr>
+              <a:t>/uk_rainfall.txt"</a:t>
+            </a:r>
+          </a:p>
+          <a:p>
+            <a:pPr eaLnBrk="1" hangingPunct="1">
+              <a:lnSpc>
+                <a:spcPct val="100000"/>
+              </a:lnSpc>
+              <a:spcBef>
+                <a:spcPct val="0"/>
+              </a:spcBef>
+              <a:buFontTx/>
+              <a:buNone/>
+              <a:defRPr/>
+            </a:pPr>
+            <a:r>
+              <a:rPr lang="en-GB" altLang="en-US" sz="2000" dirty="0">
+                <a:solidFill>
+                  <a:srgbClr val="336600"/>
+                </a:solidFill>
+                <a:latin typeface="Courier New" panose="02070309020205020404" pitchFamily="49" charset="0"/>
+                <a:cs typeface="Courier New" panose="02070309020205020404" pitchFamily="49" charset="0"/>
+              </a:rPr>
+              <a:t>metadata = [</a:t>
+            </a:r>
+            <a:r>
+              <a:rPr lang="en-GB" altLang="en-US" sz="2000" dirty="0" err="1">
+                <a:solidFill>
+                  <a:srgbClr val="336600"/>
+                </a:solidFill>
+                <a:latin typeface="Courier New" panose="02070309020205020404" pitchFamily="49" charset="0"/>
+                <a:cs typeface="Courier New" panose="02070309020205020404" pitchFamily="49" charset="0"/>
+              </a:rPr>
+              <a:t>line.strip</a:t>
+            </a:r>
+            <a:r>
+              <a:rPr lang="en-GB" altLang="en-US" sz="2000" dirty="0">
+                <a:solidFill>
+                  <a:srgbClr val="336600"/>
+                </a:solidFill>
+                <a:latin typeface="Courier New" panose="02070309020205020404" pitchFamily="49" charset="0"/>
+                <a:cs typeface="Courier New" panose="02070309020205020404" pitchFamily="49" charset="0"/>
+              </a:rPr>
+              <a:t>() for line in </a:t>
+            </a:r>
+          </a:p>
+          <a:p>
+            <a:pPr eaLnBrk="1" hangingPunct="1">
+              <a:lnSpc>
+                <a:spcPct val="100000"/>
+              </a:lnSpc>
+              <a:spcBef>
+                <a:spcPct val="0"/>
+              </a:spcBef>
+              <a:buFontTx/>
+              <a:buNone/>
+              <a:defRPr/>
+            </a:pPr>
+            <a:r>
+              <a:rPr lang="en-GB" altLang="en-US" sz="2000" dirty="0">
+                <a:solidFill>
+                  <a:srgbClr val="336600"/>
+                </a:solidFill>
+                <a:latin typeface="Courier New" panose="02070309020205020404" pitchFamily="49" charset="0"/>
+                <a:cs typeface="Courier New" panose="02070309020205020404" pitchFamily="49" charset="0"/>
+              </a:rPr>
+              <a:t>				 open(</a:t>
+            </a:r>
+            <a:r>
+              <a:rPr lang="en-GB" altLang="en-US" sz="2000" dirty="0" err="1">
+                <a:solidFill>
+                  <a:srgbClr val="336600"/>
+                </a:solidFill>
+                <a:latin typeface="Courier New" panose="02070309020205020404" pitchFamily="49" charset="0"/>
+                <a:cs typeface="Courier New" panose="02070309020205020404" pitchFamily="49" charset="0"/>
+              </a:rPr>
+              <a:t>fpath</a:t>
+            </a:r>
+            <a:r>
+              <a:rPr lang="en-GB" altLang="en-US" sz="2000" dirty="0">
+                <a:solidFill>
+                  <a:srgbClr val="336600"/>
+                </a:solidFill>
+                <a:latin typeface="Courier New" panose="02070309020205020404" pitchFamily="49" charset="0"/>
+                <a:cs typeface="Courier New" panose="02070309020205020404" pitchFamily="49" charset="0"/>
+              </a:rPr>
+              <a:t>).</a:t>
+            </a:r>
+            <a:r>
+              <a:rPr lang="en-GB" altLang="en-US" sz="2000" dirty="0" err="1">
+                <a:solidFill>
+                  <a:srgbClr val="336600"/>
+                </a:solidFill>
+                <a:latin typeface="Courier New" panose="02070309020205020404" pitchFamily="49" charset="0"/>
+                <a:cs typeface="Courier New" panose="02070309020205020404" pitchFamily="49" charset="0"/>
+              </a:rPr>
+              <a:t>readlines</a:t>
+            </a:r>
+            <a:r>
+              <a:rPr lang="en-GB" altLang="en-US" sz="2000" dirty="0">
+                <a:solidFill>
+                  <a:srgbClr val="336600"/>
+                </a:solidFill>
+                <a:latin typeface="Courier New" panose="02070309020205020404" pitchFamily="49" charset="0"/>
+                <a:cs typeface="Courier New" panose="02070309020205020404" pitchFamily="49" charset="0"/>
+              </a:rPr>
+              <a:t>()[:6]]</a:t>
+            </a:r>
+          </a:p>
+          <a:p>
+            <a:pPr eaLnBrk="1" hangingPunct="1">
+              <a:lnSpc>
+                <a:spcPct val="100000"/>
+              </a:lnSpc>
+              <a:spcBef>
+                <a:spcPct val="0"/>
+              </a:spcBef>
+              <a:buFontTx/>
+              <a:buNone/>
+              <a:defRPr/>
+            </a:pPr>
+            <a:endParaRPr lang="en-GB" altLang="en-US" sz="2000" dirty="0">
+              <a:solidFill>
+                <a:srgbClr val="336600"/>
+              </a:solidFill>
+              <a:latin typeface="Courier New" panose="02070309020205020404" pitchFamily="49" charset="0"/>
+              <a:cs typeface="Courier New" panose="02070309020205020404" pitchFamily="49" charset="0"/>
+            </a:endParaRPr>
+          </a:p>
+          <a:p>
+            <a:pPr eaLnBrk="1" hangingPunct="1">
+              <a:lnSpc>
+                <a:spcPct val="100000"/>
+              </a:lnSpc>
+              <a:spcBef>
+                <a:spcPct val="0"/>
+              </a:spcBef>
+              <a:buFontTx/>
+              <a:buNone/>
+              <a:defRPr/>
+            </a:pPr>
+            <a:r>
+              <a:rPr lang="en-GB" altLang="en-US" sz="2000" dirty="0">
+                <a:solidFill>
+                  <a:srgbClr val="336600"/>
+                </a:solidFill>
+                <a:latin typeface="Courier New" panose="02070309020205020404" pitchFamily="49" charset="0"/>
+                <a:cs typeface="Courier New" panose="02070309020205020404" pitchFamily="49" charset="0"/>
+              </a:rPr>
+              <a:t>for item in metadata:</a:t>
+            </a:r>
+          </a:p>
+          <a:p>
+            <a:pPr eaLnBrk="1" hangingPunct="1">
+              <a:lnSpc>
+                <a:spcPct val="100000"/>
+              </a:lnSpc>
+              <a:spcBef>
+                <a:spcPct val="0"/>
+              </a:spcBef>
+              <a:buFontTx/>
+              <a:buNone/>
+              <a:defRPr/>
+            </a:pPr>
+            <a:r>
+              <a:rPr lang="en-GB" altLang="en-US" sz="2000" dirty="0">
+                <a:solidFill>
+                  <a:srgbClr val="336600"/>
+                </a:solidFill>
+                <a:latin typeface="Courier New" panose="02070309020205020404" pitchFamily="49" charset="0"/>
+                <a:cs typeface="Courier New" panose="02070309020205020404" pitchFamily="49" charset="0"/>
+              </a:rPr>
+              <a:t>    print("Item:", item)</a:t>
+            </a:r>
+          </a:p>
+        </p:txBody>
+      </p:sp>
+    </p:spTree>
+    <p:extLst>
+      <p:ext uri="{BB962C8B-B14F-4D97-AF65-F5344CB8AC3E}">
+        <p14:creationId xmlns:p14="http://schemas.microsoft.com/office/powerpoint/2010/main" val="2241143126"/>
+      </p:ext>
+    </p:extLst>
+  </p:cSld>
+  <p:clrMapOvr>
+    <a:masterClrMapping/>
+  </p:clrMapOvr>
+  <p:timing>
+    <p:tnLst>
+      <p:par>
+        <p:cTn id="1" dur="indefinite" restart="never" nodeType="tmRoot">
+          <p:childTnLst>
+            <p:seq concurrent="1" nextAc="seek">
+              <p:cTn id="2" dur="indefinite" nodeType="mainSeq">
+                <p:childTnLst>
+                  <p:par>
+                    <p:cTn id="3" fill="hold">
+                      <p:stCondLst>
+                        <p:cond delay="indefinite"/>
+                      </p:stCondLst>
+                      <p:childTnLst>
+                        <p:par>
+                          <p:cTn id="4" fill="hold">
+                            <p:stCondLst>
+                              <p:cond delay="0"/>
+                            </p:stCondLst>
+                            <p:childTnLst>
+                              <p:par>
+                                <p:cTn id="5" presetID="1" presetClass="entr" presetSubtype="0" fill="hold" nodeType="clickEffect">
+                                  <p:stCondLst>
+                                    <p:cond delay="0"/>
+                                  </p:stCondLst>
+                                  <p:childTnLst>
+                                    <p:set>
+                                      <p:cBhvr>
+                                        <p:cTn id="6" dur="1" fill="hold">
+                                          <p:stCondLst>
+                                            <p:cond delay="0"/>
+                                          </p:stCondLst>
+                                        </p:cTn>
+                                        <p:tgtEl>
+                                          <p:spTgt spid="21507">
+                                            <p:txEl>
+                                              <p:pRg st="0" end="0"/>
+                                            </p:txEl>
+                                          </p:spTgt>
+                                        </p:tgtEl>
+                                        <p:attrNameLst>
+                                          <p:attrName>style.visibility</p:attrName>
+                                        </p:attrNameLst>
+                                      </p:cBhvr>
+                                      <p:to>
+                                        <p:strVal val="visible"/>
+                                      </p:to>
+                                    </p:set>
+                                  </p:childTnLst>
+                                </p:cTn>
+                              </p:par>
+                            </p:childTnLst>
+                          </p:cTn>
+                        </p:par>
+                      </p:childTnLst>
+                    </p:cTn>
+                  </p:par>
+                  <p:par>
+                    <p:cTn id="7" fill="hold">
+                      <p:stCondLst>
+                        <p:cond delay="indefinite"/>
+                      </p:stCondLst>
+                      <p:childTnLst>
+                        <p:par>
+                          <p:cTn id="8" fill="hold">
+                            <p:stCondLst>
+                              <p:cond delay="0"/>
+                            </p:stCondLst>
+                            <p:childTnLst>
+                              <p:par>
+                                <p:cTn id="9" presetID="1" presetClass="entr" presetSubtype="0" fill="hold" nodeType="clickEffect">
+                                  <p:stCondLst>
+                                    <p:cond delay="0"/>
+                                  </p:stCondLst>
+                                  <p:childTnLst>
+                                    <p:set>
+                                      <p:cBhvr>
+                                        <p:cTn id="10" dur="1" fill="hold">
+                                          <p:stCondLst>
+                                            <p:cond delay="0"/>
+                                          </p:stCondLst>
+                                        </p:cTn>
+                                        <p:tgtEl>
+                                          <p:spTgt spid="21507">
+                                            <p:txEl>
+                                              <p:pRg st="2" end="2"/>
+                                            </p:txEl>
+                                          </p:spTgt>
+                                        </p:tgtEl>
+                                        <p:attrNameLst>
+                                          <p:attrName>style.visibility</p:attrName>
+                                        </p:attrNameLst>
+                                      </p:cBhvr>
+                                      <p:to>
+                                        <p:strVal val="visible"/>
+                                      </p:to>
+                                    </p:set>
+                                  </p:childTnLst>
+                                </p:cTn>
+                              </p:par>
+                            </p:childTnLst>
+                          </p:cTn>
+                        </p:par>
+                      </p:childTnLst>
+                    </p:cTn>
+                  </p:par>
+                  <p:par>
+                    <p:cTn id="11" fill="hold">
+                      <p:stCondLst>
+                        <p:cond delay="indefinite"/>
+                      </p:stCondLst>
+                      <p:childTnLst>
+                        <p:par>
+                          <p:cTn id="12" fill="hold">
+                            <p:stCondLst>
+                              <p:cond delay="0"/>
+                            </p:stCondLst>
+                            <p:childTnLst>
+                              <p:par>
+                                <p:cTn id="13" presetID="1" presetClass="entr" presetSubtype="0" fill="hold" nodeType="clickEffect">
+                                  <p:stCondLst>
+                                    <p:cond delay="0"/>
+                                  </p:stCondLst>
+                                  <p:childTnLst>
+                                    <p:set>
+                                      <p:cBhvr>
+                                        <p:cTn id="14" dur="1" fill="hold">
+                                          <p:stCondLst>
+                                            <p:cond delay="0"/>
+                                          </p:stCondLst>
+                                        </p:cTn>
+                                        <p:tgtEl>
+                                          <p:spTgt spid="21507">
+                                            <p:txEl>
+                                              <p:pRg st="3" end="3"/>
+                                            </p:txEl>
+                                          </p:spTgt>
+                                        </p:tgtEl>
+                                        <p:attrNameLst>
+                                          <p:attrName>style.visibility</p:attrName>
+                                        </p:attrNameLst>
+                                      </p:cBhvr>
+                                      <p:to>
+                                        <p:strVal val="visible"/>
+                                      </p:to>
+                                    </p:set>
+                                  </p:childTnLst>
+                                </p:cTn>
+                              </p:par>
+                            </p:childTnLst>
+                          </p:cTn>
+                        </p:par>
+                      </p:childTnLst>
+                    </p:cTn>
+                  </p:par>
+                  <p:par>
+                    <p:cTn id="15" fill="hold">
+                      <p:stCondLst>
+                        <p:cond delay="indefinite"/>
+                      </p:stCondLst>
+                      <p:childTnLst>
+                        <p:par>
+                          <p:cTn id="16" fill="hold">
+                            <p:stCondLst>
+                              <p:cond delay="0"/>
+                            </p:stCondLst>
+                            <p:childTnLst>
+                              <p:par>
+                                <p:cTn id="17" presetID="1" presetClass="entr" presetSubtype="0" fill="hold" nodeType="clickEffect">
+                                  <p:stCondLst>
+                                    <p:cond delay="0"/>
+                                  </p:stCondLst>
+                                  <p:childTnLst>
+                                    <p:set>
+                                      <p:cBhvr>
+                                        <p:cTn id="18" dur="1" fill="hold">
+                                          <p:stCondLst>
+                                            <p:cond delay="0"/>
+                                          </p:stCondLst>
+                                        </p:cTn>
+                                        <p:tgtEl>
+                                          <p:spTgt spid="21507">
+                                            <p:txEl>
+                                              <p:pRg st="4" end="4"/>
+                                            </p:txEl>
+                                          </p:spTgt>
+                                        </p:tgtEl>
+                                        <p:attrNameLst>
+                                          <p:attrName>style.visibility</p:attrName>
+                                        </p:attrNameLst>
+                                      </p:cBhvr>
+                                      <p:to>
+                                        <p:strVal val="visible"/>
+                                      </p:to>
+                                    </p:set>
+                                  </p:childTnLst>
+                                </p:cTn>
+                              </p:par>
+                            </p:childTnLst>
+                          </p:cTn>
+                        </p:par>
+                      </p:childTnLst>
+                    </p:cTn>
+                  </p:par>
+                  <p:par>
+                    <p:cTn id="19" fill="hold">
+                      <p:stCondLst>
+                        <p:cond delay="indefinite"/>
+                      </p:stCondLst>
+                      <p:childTnLst>
+                        <p:par>
+                          <p:cTn id="20" fill="hold">
+                            <p:stCondLst>
+                              <p:cond delay="0"/>
+                            </p:stCondLst>
+                            <p:childTnLst>
+                              <p:par>
+                                <p:cTn id="21" presetID="1" presetClass="entr" presetSubtype="0" fill="hold" nodeType="clickEffect">
+                                  <p:stCondLst>
+                                    <p:cond delay="0"/>
+                                  </p:stCondLst>
+                                  <p:childTnLst>
+                                    <p:set>
+                                      <p:cBhvr>
+                                        <p:cTn id="22" dur="1" fill="hold">
+                                          <p:stCondLst>
+                                            <p:cond delay="0"/>
+                                          </p:stCondLst>
+                                        </p:cTn>
+                                        <p:tgtEl>
+                                          <p:spTgt spid="21507">
+                                            <p:txEl>
+                                              <p:pRg st="6" end="6"/>
+                                            </p:txEl>
+                                          </p:spTgt>
+                                        </p:tgtEl>
+                                        <p:attrNameLst>
+                                          <p:attrName>style.visibility</p:attrName>
+                                        </p:attrNameLst>
+                                      </p:cBhvr>
+                                      <p:to>
+                                        <p:strVal val="visible"/>
+                                      </p:to>
+                                    </p:set>
+                                  </p:childTnLst>
+                                </p:cTn>
+                              </p:par>
+                            </p:childTnLst>
+                          </p:cTn>
+                        </p:par>
+                      </p:childTnLst>
+                    </p:cTn>
+                  </p:par>
+                  <p:par>
+                    <p:cTn id="23" fill="hold">
+                      <p:stCondLst>
+                        <p:cond delay="indefinite"/>
+                      </p:stCondLst>
+                      <p:childTnLst>
+                        <p:par>
+                          <p:cTn id="24" fill="hold">
+                            <p:stCondLst>
+                              <p:cond delay="0"/>
+                            </p:stCondLst>
+                            <p:childTnLst>
+                              <p:par>
+                                <p:cTn id="25" presetID="1" presetClass="entr" presetSubtype="0" fill="hold" nodeType="clickEffect">
+                                  <p:stCondLst>
+                                    <p:cond delay="0"/>
+                                  </p:stCondLst>
+                                  <p:childTnLst>
+                                    <p:set>
+                                      <p:cBhvr>
+                                        <p:cTn id="26" dur="1" fill="hold">
+                                          <p:stCondLst>
+                                            <p:cond delay="0"/>
+                                          </p:stCondLst>
+                                        </p:cTn>
+                                        <p:tgtEl>
+                                          <p:spTgt spid="21507">
+                                            <p:txEl>
+                                              <p:pRg st="7" end="7"/>
+                                            </p:txEl>
+                                          </p:spTgt>
+                                        </p:tgtEl>
+                                        <p:attrNameLst>
+                                          <p:attrName>style.visibility</p:attrName>
+                                        </p:attrNameLst>
+                                      </p:cBhvr>
+                                      <p:to>
+                                        <p:strVal val="visible"/>
+                                      </p:to>
+                                    </p:set>
+                                  </p:childTnLst>
+                                </p:cTn>
+                              </p:par>
+                            </p:childTnLst>
+                          </p:cTn>
+                        </p:par>
+                      </p:childTnLst>
+                    </p:cTn>
+                  </p:par>
+                </p:childTnLst>
+              </p:cTn>
+              <p:prevCondLst>
+                <p:cond evt="onPrev" delay="0">
+                  <p:tgtEl>
+                    <p:sldTgt/>
+                  </p:tgtEl>
+                </p:cond>
+              </p:prevCondLst>
+              <p:nextCondLst>
+                <p:cond evt="onNext" delay="0">
+                  <p:tgtEl>
+                    <p:sldTgt/>
+                  </p:tgtEl>
+                </p:cond>
+              </p:nextCondLst>
+            </p:seq>
+          </p:childTnLst>
+        </p:cTn>
+      </p:par>
+    </p:tnLst>
+  </p:timing>
+</p:sld>
+</file>
+
+<file path=ppt/slides/slide25.xml><?xml version="1.0" encoding="utf-8"?>
+<p:sld xmlns:a="http://schemas.openxmlformats.org/drawingml/2006/main" xmlns:r="http://schemas.openxmlformats.org/officeDocument/2006/relationships" xmlns:p="http://schemas.openxmlformats.org/presentationml/2006/main">
+  <p:cSld>
+    <p:spTree>
+      <p:nvGrpSpPr>
+        <p:cNvPr id="1" name=""/>
+        <p:cNvGrpSpPr/>
+        <p:nvPr/>
+      </p:nvGrpSpPr>
+      <p:grpSpPr>
+        <a:xfrm>
+          <a:off x="0" y="0"/>
+          <a:ext cx="0" cy="0"/>
+          <a:chOff x="0" y="0"/>
+          <a:chExt cx="0" cy="0"/>
+        </a:xfrm>
+      </p:grpSpPr>
+      <p:sp>
+        <p:nvSpPr>
+          <p:cNvPr id="52226" name="Title 1"/>
+          <p:cNvSpPr>
+            <a:spLocks noGrp="1"/>
+          </p:cNvSpPr>
+          <p:nvPr>
+            <p:ph type="title" idx="4294967295"/>
+          </p:nvPr>
+        </p:nvSpPr>
+        <p:spPr>
+          <a:xfrm>
+            <a:off x="7171" y="160940"/>
+            <a:ext cx="8229600" cy="1143000"/>
+          </a:xfrm>
+        </p:spPr>
+        <p:txBody>
+          <a:bodyPr/>
+          <a:lstStyle/>
+          <a:p>
+            <a:pPr eaLnBrk="1" hangingPunct="1"/>
+            <a:r>
+              <a:rPr lang="en-GB" altLang="en-US" b="1" dirty="0"/>
+              <a:t>But really, use “pandas” instead!</a:t>
+            </a:r>
+          </a:p>
+        </p:txBody>
+      </p:sp>
+      <p:sp>
+        <p:nvSpPr>
+          <p:cNvPr id="21507" name="TextBox 2"/>
+          <p:cNvSpPr txBox="1">
+            <a:spLocks noChangeArrowheads="1"/>
+          </p:cNvSpPr>
+          <p:nvPr/>
+        </p:nvSpPr>
+        <p:spPr bwMode="auto">
+          <a:xfrm>
+            <a:off x="337888" y="1094068"/>
+            <a:ext cx="8713788" cy="4093428"/>
+          </a:xfrm>
+          <a:prstGeom prst="rect">
+            <a:avLst/>
+          </a:prstGeom>
+          <a:noFill/>
+          <a:ln>
+            <a:noFill/>
+          </a:ln>
+          <a:extLst>
+            <a:ext uri="{909E8E84-426E-40DD-AFC4-6F175D3DCCD1}">
+              <a14:hiddenFill xmlns:a14="http://schemas.microsoft.com/office/drawing/2010/main">
+                <a:solidFill>
+                  <a:srgbClr val="FFFFFF"/>
+                </a:solidFill>
+              </a14:hiddenFill>
+            </a:ext>
+            <a:ext uri="{91240B29-F687-4F45-9708-019B960494DF}">
+              <a14:hiddenLine xmlns:a14="http://schemas.microsoft.com/office/drawing/2010/main" w="9525">
+                <a:solidFill>
+                  <a:srgbClr val="000000"/>
+                </a:solidFill>
+                <a:miter lim="800000"/>
+                <a:headEnd/>
+                <a:tailEnd/>
+              </a14:hiddenLine>
+            </a:ext>
+          </a:extLst>
+        </p:spPr>
+        <p:txBody>
+          <a:bodyPr>
+            <a:spAutoFit/>
+          </a:bodyPr>
+          <a:lstStyle>
+            <a:lvl1pPr>
+              <a:lnSpc>
+                <a:spcPct val="90000"/>
+              </a:lnSpc>
+              <a:spcBef>
+                <a:spcPts val="1000"/>
+              </a:spcBef>
+              <a:buFont typeface="Arial" panose="020B0604020202020204" pitchFamily="34" charset="0"/>
+              <a:buChar char="•"/>
+              <a:defRPr sz="2400">
+                <a:solidFill>
+                  <a:schemeClr val="tx1"/>
+                </a:solidFill>
+                <a:latin typeface="Calibri" panose="020F0502020204030204" pitchFamily="34" charset="0"/>
+              </a:defRPr>
+            </a:lvl1pPr>
+            <a:lvl2pPr marL="742950" indent="-285750">
+              <a:lnSpc>
+                <a:spcPct val="90000"/>
+              </a:lnSpc>
+              <a:spcBef>
+                <a:spcPts val="500"/>
+              </a:spcBef>
+              <a:buFont typeface="Arial" panose="020B0604020202020204" pitchFamily="34" charset="0"/>
+              <a:buChar char="•"/>
+              <a:defRPr sz="2000">
+                <a:solidFill>
+                  <a:schemeClr val="tx1"/>
+                </a:solidFill>
+                <a:latin typeface="Calibri" panose="020F0502020204030204" pitchFamily="34" charset="0"/>
+              </a:defRPr>
+            </a:lvl2pPr>
+            <a:lvl3pPr marL="1143000" indent="-228600">
+              <a:lnSpc>
+                <a:spcPct val="90000"/>
+              </a:lnSpc>
+              <a:spcBef>
+                <a:spcPts val="500"/>
+              </a:spcBef>
+              <a:buFont typeface="Arial" panose="020B0604020202020204" pitchFamily="34" charset="0"/>
+              <a:buChar char="•"/>
+              <a:defRPr>
+                <a:solidFill>
+                  <a:schemeClr val="tx1"/>
+                </a:solidFill>
+                <a:latin typeface="Calibri" panose="020F0502020204030204" pitchFamily="34" charset="0"/>
+              </a:defRPr>
+            </a:lvl3pPr>
+            <a:lvl4pPr marL="1600200" indent="-228600">
+              <a:lnSpc>
+                <a:spcPct val="90000"/>
+              </a:lnSpc>
+              <a:spcBef>
+                <a:spcPts val="500"/>
+              </a:spcBef>
+              <a:buFont typeface="Arial" panose="020B0604020202020204" pitchFamily="34" charset="0"/>
+              <a:buChar char="•"/>
+              <a:defRPr sz="1600">
+                <a:solidFill>
+                  <a:schemeClr val="tx1"/>
+                </a:solidFill>
+                <a:latin typeface="Calibri" panose="020F0502020204030204" pitchFamily="34" charset="0"/>
+              </a:defRPr>
+            </a:lvl4pPr>
+            <a:lvl5pPr marL="2057400" indent="-228600">
+              <a:lnSpc>
+                <a:spcPct val="90000"/>
+              </a:lnSpc>
+              <a:spcBef>
+                <a:spcPts val="500"/>
+              </a:spcBef>
+              <a:buFont typeface="Arial" panose="020B0604020202020204" pitchFamily="34" charset="0"/>
+              <a:buChar char="•"/>
+              <a:defRPr sz="1600">
+                <a:solidFill>
+                  <a:schemeClr val="tx1"/>
+                </a:solidFill>
+                <a:latin typeface="Calibri" panose="020F0502020204030204" pitchFamily="34" charset="0"/>
+              </a:defRPr>
+            </a:lvl5pPr>
+            <a:lvl6pPr marL="2514600" indent="-228600" eaLnBrk="0" fontAlgn="base" hangingPunct="0">
+              <a:lnSpc>
+                <a:spcPct val="90000"/>
+              </a:lnSpc>
+              <a:spcBef>
+                <a:spcPts val="500"/>
+              </a:spcBef>
+              <a:spcAft>
+                <a:spcPct val="0"/>
+              </a:spcAft>
+              <a:buFont typeface="Arial" panose="020B0604020202020204" pitchFamily="34" charset="0"/>
+              <a:buChar char="•"/>
+              <a:defRPr sz="1600">
+                <a:solidFill>
+                  <a:schemeClr val="tx1"/>
+                </a:solidFill>
+                <a:latin typeface="Calibri" panose="020F0502020204030204" pitchFamily="34" charset="0"/>
+              </a:defRPr>
+            </a:lvl6pPr>
+            <a:lvl7pPr marL="2971800" indent="-228600" eaLnBrk="0" fontAlgn="base" hangingPunct="0">
+              <a:lnSpc>
+                <a:spcPct val="90000"/>
+              </a:lnSpc>
+              <a:spcBef>
+                <a:spcPts val="500"/>
+              </a:spcBef>
+              <a:spcAft>
+                <a:spcPct val="0"/>
+              </a:spcAft>
+              <a:buFont typeface="Arial" panose="020B0604020202020204" pitchFamily="34" charset="0"/>
+              <a:buChar char="•"/>
+              <a:defRPr sz="1600">
+                <a:solidFill>
+                  <a:schemeClr val="tx1"/>
+                </a:solidFill>
+                <a:latin typeface="Calibri" panose="020F0502020204030204" pitchFamily="34" charset="0"/>
+              </a:defRPr>
+            </a:lvl7pPr>
+            <a:lvl8pPr marL="3429000" indent="-228600" eaLnBrk="0" fontAlgn="base" hangingPunct="0">
+              <a:lnSpc>
+                <a:spcPct val="90000"/>
+              </a:lnSpc>
+              <a:spcBef>
+                <a:spcPts val="500"/>
+              </a:spcBef>
+              <a:spcAft>
+                <a:spcPct val="0"/>
+              </a:spcAft>
+              <a:buFont typeface="Arial" panose="020B0604020202020204" pitchFamily="34" charset="0"/>
+              <a:buChar char="•"/>
+              <a:defRPr sz="1600">
+                <a:solidFill>
+                  <a:schemeClr val="tx1"/>
+                </a:solidFill>
+                <a:latin typeface="Calibri" panose="020F0502020204030204" pitchFamily="34" charset="0"/>
+              </a:defRPr>
+            </a:lvl8pPr>
+            <a:lvl9pPr marL="3886200" indent="-228600" eaLnBrk="0" fontAlgn="base" hangingPunct="0">
+              <a:lnSpc>
+                <a:spcPct val="90000"/>
+              </a:lnSpc>
+              <a:spcBef>
+                <a:spcPts val="500"/>
+              </a:spcBef>
+              <a:spcAft>
+                <a:spcPct val="0"/>
+              </a:spcAft>
+              <a:buFont typeface="Arial" panose="020B0604020202020204" pitchFamily="34" charset="0"/>
+              <a:buChar char="•"/>
+              <a:defRPr sz="1600">
+                <a:solidFill>
+                  <a:schemeClr val="tx1"/>
+                </a:solidFill>
+                <a:latin typeface="Calibri" panose="020F0502020204030204" pitchFamily="34" charset="0"/>
+              </a:defRPr>
+            </a:lvl9pPr>
+          </a:lstStyle>
+          <a:p>
+            <a:pPr eaLnBrk="1" hangingPunct="1">
+              <a:lnSpc>
+                <a:spcPct val="100000"/>
+              </a:lnSpc>
+              <a:spcBef>
+                <a:spcPct val="0"/>
+              </a:spcBef>
+              <a:buFontTx/>
+              <a:buNone/>
+              <a:defRPr/>
+            </a:pPr>
+            <a:r>
+              <a:rPr lang="en-GB" altLang="en-US" sz="2000" dirty="0">
+                <a:latin typeface="Courier New" panose="02070309020205020404" pitchFamily="49" charset="0"/>
+                <a:cs typeface="Courier New" panose="02070309020205020404" pitchFamily="49" charset="0"/>
+              </a:rPr>
+              <a:t>import pandas as pd</a:t>
+            </a:r>
+          </a:p>
+          <a:p>
+            <a:pPr eaLnBrk="1" hangingPunct="1">
+              <a:lnSpc>
+                <a:spcPct val="100000"/>
+              </a:lnSpc>
+              <a:spcBef>
+                <a:spcPct val="0"/>
+              </a:spcBef>
+              <a:buFontTx/>
+              <a:buNone/>
+              <a:defRPr/>
+            </a:pPr>
+            <a:r>
+              <a:rPr lang="en-GB" altLang="en-US" sz="2000" dirty="0" err="1">
+                <a:latin typeface="Courier New" panose="02070309020205020404" pitchFamily="49" charset="0"/>
+                <a:cs typeface="Courier New" panose="02070309020205020404" pitchFamily="49" charset="0"/>
+              </a:rPr>
+              <a:t>df</a:t>
+            </a:r>
+            <a:r>
+              <a:rPr lang="en-GB" altLang="en-US" sz="2000" dirty="0">
+                <a:latin typeface="Courier New" panose="02070309020205020404" pitchFamily="49" charset="0"/>
+                <a:cs typeface="Courier New" panose="02070309020205020404" pitchFamily="49" charset="0"/>
+              </a:rPr>
+              <a:t> = </a:t>
+            </a:r>
+            <a:r>
+              <a:rPr lang="en-GB" altLang="en-US" sz="2000" dirty="0" err="1">
+                <a:latin typeface="Courier New" panose="02070309020205020404" pitchFamily="49" charset="0"/>
+                <a:cs typeface="Courier New" panose="02070309020205020404" pitchFamily="49" charset="0"/>
+              </a:rPr>
+              <a:t>pd.read_csv</a:t>
+            </a:r>
+            <a:r>
+              <a:rPr lang="en-GB" altLang="en-US" sz="2000" dirty="0">
+                <a:latin typeface="Courier New" panose="02070309020205020404" pitchFamily="49" charset="0"/>
+                <a:cs typeface="Courier New" panose="02070309020205020404" pitchFamily="49" charset="0"/>
+              </a:rPr>
+              <a:t>(</a:t>
+            </a:r>
+            <a:r>
+              <a:rPr lang="en-GB" altLang="en-US" sz="2000" dirty="0" err="1">
+                <a:latin typeface="Courier New" panose="02070309020205020404" pitchFamily="49" charset="0"/>
+                <a:cs typeface="Courier New" panose="02070309020205020404" pitchFamily="49" charset="0"/>
+              </a:rPr>
+              <a:t>fpath</a:t>
+            </a:r>
+            <a:r>
+              <a:rPr lang="en-GB" altLang="en-US" sz="2000" dirty="0">
+                <a:latin typeface="Courier New" panose="02070309020205020404" pitchFamily="49" charset="0"/>
+                <a:cs typeface="Courier New" panose="02070309020205020404" pitchFamily="49" charset="0"/>
+              </a:rPr>
+              <a:t>, </a:t>
+            </a:r>
+            <a:r>
+              <a:rPr lang="en-GB" altLang="en-US" sz="2000" dirty="0" err="1">
+                <a:latin typeface="Courier New" panose="02070309020205020404" pitchFamily="49" charset="0"/>
+                <a:cs typeface="Courier New" panose="02070309020205020404" pitchFamily="49" charset="0"/>
+              </a:rPr>
+              <a:t>skiprows</a:t>
+            </a:r>
+            <a:r>
+              <a:rPr lang="en-GB" altLang="en-US" sz="2000" dirty="0">
+                <a:latin typeface="Courier New" panose="02070309020205020404" pitchFamily="49" charset="0"/>
+                <a:cs typeface="Courier New" panose="02070309020205020404" pitchFamily="49" charset="0"/>
+              </a:rPr>
+              <a:t>=6, </a:t>
+            </a:r>
+            <a:r>
+              <a:rPr lang="en-GB" altLang="en-US" sz="2000" dirty="0" err="1">
+                <a:latin typeface="Courier New" panose="02070309020205020404" pitchFamily="49" charset="0"/>
+                <a:cs typeface="Courier New" panose="02070309020205020404" pitchFamily="49" charset="0"/>
+              </a:rPr>
+              <a:t>sep</a:t>
+            </a:r>
+            <a:r>
+              <a:rPr lang="en-GB" altLang="en-US" sz="2000" dirty="0">
+                <a:latin typeface="Courier New" panose="02070309020205020404" pitchFamily="49" charset="0"/>
+                <a:cs typeface="Courier New" panose="02070309020205020404" pitchFamily="49" charset="0"/>
+              </a:rPr>
+              <a:t>="\s+", 	</a:t>
+            </a:r>
+            <a:r>
+              <a:rPr lang="en-GB" altLang="en-US" sz="2000" dirty="0" err="1">
+                <a:latin typeface="Courier New" panose="02070309020205020404" pitchFamily="49" charset="0"/>
+                <a:cs typeface="Courier New" panose="02070309020205020404" pitchFamily="49" charset="0"/>
+              </a:rPr>
+              <a:t>index_col</a:t>
+            </a:r>
+            <a:r>
+              <a:rPr lang="en-GB" altLang="en-US" sz="2000" dirty="0">
+                <a:latin typeface="Courier New" panose="02070309020205020404" pitchFamily="49" charset="0"/>
+                <a:cs typeface="Courier New" panose="02070309020205020404" pitchFamily="49" charset="0"/>
+              </a:rPr>
+              <a:t>=0, </a:t>
+            </a:r>
+            <a:r>
+              <a:rPr lang="en-GB" altLang="en-US" sz="2000" dirty="0" err="1">
+                <a:latin typeface="Courier New" panose="02070309020205020404" pitchFamily="49" charset="0"/>
+                <a:cs typeface="Courier New" panose="02070309020205020404" pitchFamily="49" charset="0"/>
+              </a:rPr>
+              <a:t>na_values</a:t>
+            </a:r>
+            <a:r>
+              <a:rPr lang="en-GB" altLang="en-US" sz="2000" dirty="0">
+                <a:latin typeface="Courier New" panose="02070309020205020404" pitchFamily="49" charset="0"/>
+                <a:cs typeface="Courier New" panose="02070309020205020404" pitchFamily="49" charset="0"/>
+              </a:rPr>
+              <a:t>="---")</a:t>
+            </a:r>
+          </a:p>
+          <a:p>
+            <a:pPr eaLnBrk="1" hangingPunct="1">
+              <a:lnSpc>
+                <a:spcPct val="100000"/>
+              </a:lnSpc>
+              <a:spcBef>
+                <a:spcPct val="0"/>
+              </a:spcBef>
+              <a:buFontTx/>
+              <a:buNone/>
+              <a:defRPr/>
+            </a:pPr>
+            <a:endParaRPr lang="en-GB" altLang="en-US" sz="2000" dirty="0">
+              <a:latin typeface="Courier New" panose="02070309020205020404" pitchFamily="49" charset="0"/>
+              <a:cs typeface="Courier New" panose="02070309020205020404" pitchFamily="49" charset="0"/>
+            </a:endParaRPr>
+          </a:p>
+          <a:p>
+            <a:pPr eaLnBrk="1" hangingPunct="1">
+              <a:lnSpc>
+                <a:spcPct val="100000"/>
+              </a:lnSpc>
+              <a:spcBef>
+                <a:spcPct val="0"/>
+              </a:spcBef>
+              <a:buFontTx/>
+              <a:buNone/>
+              <a:defRPr/>
+            </a:pPr>
+            <a:r>
+              <a:rPr lang="en-GB" altLang="en-US" sz="2000" dirty="0">
+                <a:latin typeface="Courier New" panose="02070309020205020404" pitchFamily="49" charset="0"/>
+                <a:cs typeface="Courier New" panose="02070309020205020404" pitchFamily="49" charset="0"/>
+              </a:rPr>
+              <a:t># </a:t>
+            </a:r>
+            <a:r>
+              <a:rPr lang="en-GB" altLang="en-US" sz="2000" dirty="0" err="1">
+                <a:latin typeface="Courier New" panose="02070309020205020404" pitchFamily="49" charset="0"/>
+                <a:cs typeface="Courier New" panose="02070309020205020404" pitchFamily="49" charset="0"/>
+              </a:rPr>
+              <a:t>DataFrames</a:t>
+            </a:r>
+            <a:r>
+              <a:rPr lang="en-GB" altLang="en-US" sz="2000" dirty="0">
+                <a:latin typeface="Courier New" panose="02070309020205020404" pitchFamily="49" charset="0"/>
+                <a:cs typeface="Courier New" panose="02070309020205020404" pitchFamily="49" charset="0"/>
+              </a:rPr>
+              <a:t> have loads of methods</a:t>
+            </a:r>
+          </a:p>
+          <a:p>
+            <a:pPr eaLnBrk="1" hangingPunct="1">
+              <a:lnSpc>
+                <a:spcPct val="100000"/>
+              </a:lnSpc>
+              <a:spcBef>
+                <a:spcPct val="0"/>
+              </a:spcBef>
+              <a:buFontTx/>
+              <a:buNone/>
+              <a:defRPr/>
+            </a:pPr>
+            <a:r>
+              <a:rPr lang="en-GB" altLang="en-US" sz="2000" dirty="0" err="1">
+                <a:latin typeface="Courier New" panose="02070309020205020404" pitchFamily="49" charset="0"/>
+                <a:cs typeface="Courier New" panose="02070309020205020404" pitchFamily="49" charset="0"/>
+              </a:rPr>
+              <a:t>df.columns.tolist</a:t>
+            </a:r>
+            <a:r>
+              <a:rPr lang="en-GB" altLang="en-US" sz="2000" dirty="0">
+                <a:latin typeface="Courier New" panose="02070309020205020404" pitchFamily="49" charset="0"/>
+                <a:cs typeface="Courier New" panose="02070309020205020404" pitchFamily="49" charset="0"/>
+              </a:rPr>
+              <a:t>()</a:t>
+            </a:r>
+          </a:p>
+          <a:p>
+            <a:pPr eaLnBrk="1" hangingPunct="1">
+              <a:lnSpc>
+                <a:spcPct val="100000"/>
+              </a:lnSpc>
+              <a:spcBef>
+                <a:spcPct val="0"/>
+              </a:spcBef>
+              <a:buFontTx/>
+              <a:buNone/>
+              <a:defRPr/>
+            </a:pPr>
+            <a:r>
+              <a:rPr lang="en-GB" altLang="en-US" sz="2000" dirty="0">
+                <a:latin typeface="Courier New" panose="02070309020205020404" pitchFamily="49" charset="0"/>
+                <a:cs typeface="Courier New" panose="02070309020205020404" pitchFamily="49" charset="0"/>
+              </a:rPr>
+              <a:t>df.index.name</a:t>
+            </a:r>
+          </a:p>
+          <a:p>
+            <a:pPr eaLnBrk="1" hangingPunct="1">
+              <a:lnSpc>
+                <a:spcPct val="100000"/>
+              </a:lnSpc>
+              <a:spcBef>
+                <a:spcPct val="0"/>
+              </a:spcBef>
+              <a:buFontTx/>
+              <a:buNone/>
+              <a:defRPr/>
+            </a:pPr>
+            <a:r>
+              <a:rPr lang="en-GB" altLang="en-US" sz="2000" dirty="0" err="1">
+                <a:latin typeface="Courier New" panose="02070309020205020404" pitchFamily="49" charset="0"/>
+                <a:cs typeface="Courier New" panose="02070309020205020404" pitchFamily="49" charset="0"/>
+              </a:rPr>
+              <a:t>df.describe</a:t>
+            </a:r>
+            <a:r>
+              <a:rPr lang="en-GB" altLang="en-US" sz="2000" dirty="0">
+                <a:latin typeface="Courier New" panose="02070309020205020404" pitchFamily="49" charset="0"/>
+                <a:cs typeface="Courier New" panose="02070309020205020404" pitchFamily="49" charset="0"/>
+              </a:rPr>
+              <a:t>()</a:t>
+            </a:r>
+          </a:p>
+          <a:p>
+            <a:pPr eaLnBrk="1" hangingPunct="1">
+              <a:lnSpc>
+                <a:spcPct val="100000"/>
+              </a:lnSpc>
+              <a:spcBef>
+                <a:spcPct val="0"/>
+              </a:spcBef>
+              <a:buFontTx/>
+              <a:buNone/>
+              <a:defRPr/>
+            </a:pPr>
+            <a:r>
+              <a:rPr lang="en-GB" altLang="en-US" sz="2000" dirty="0">
+                <a:latin typeface="Courier New" panose="02070309020205020404" pitchFamily="49" charset="0"/>
+                <a:cs typeface="Courier New" panose="02070309020205020404" pitchFamily="49" charset="0"/>
+              </a:rPr>
+              <a:t>df.info()</a:t>
+            </a:r>
+          </a:p>
+          <a:p>
+            <a:pPr eaLnBrk="1" hangingPunct="1">
+              <a:lnSpc>
+                <a:spcPct val="100000"/>
+              </a:lnSpc>
+              <a:spcBef>
+                <a:spcPct val="0"/>
+              </a:spcBef>
+              <a:buFontTx/>
+              <a:buNone/>
+              <a:defRPr/>
+            </a:pPr>
+            <a:r>
+              <a:rPr lang="en-GB" altLang="en-US" sz="2000" dirty="0" err="1">
+                <a:latin typeface="Courier New" panose="02070309020205020404" pitchFamily="49" charset="0"/>
+                <a:cs typeface="Courier New" panose="02070309020205020404" pitchFamily="49" charset="0"/>
+              </a:rPr>
+              <a:t>df.loc</a:t>
+            </a:r>
+            <a:r>
+              <a:rPr lang="en-GB" altLang="en-US" sz="2000" dirty="0">
+                <a:latin typeface="Courier New" panose="02070309020205020404" pitchFamily="49" charset="0"/>
+                <a:cs typeface="Courier New" panose="02070309020205020404" pitchFamily="49" charset="0"/>
+              </a:rPr>
+              <a:t>[1918, "WIN"]</a:t>
+            </a:r>
+          </a:p>
+          <a:p>
+            <a:pPr eaLnBrk="1" hangingPunct="1">
+              <a:lnSpc>
+                <a:spcPct val="100000"/>
+              </a:lnSpc>
+              <a:spcBef>
+                <a:spcPct val="0"/>
+              </a:spcBef>
+              <a:buFontTx/>
+              <a:buNone/>
+              <a:defRPr/>
+            </a:pPr>
+            <a:r>
+              <a:rPr lang="en-GB" altLang="en-US" sz="2000" dirty="0" err="1">
+                <a:latin typeface="Courier New" panose="02070309020205020404" pitchFamily="49" charset="0"/>
+                <a:cs typeface="Courier New" panose="02070309020205020404" pitchFamily="49" charset="0"/>
+              </a:rPr>
+              <a:t>df.MAR.plot</a:t>
+            </a:r>
+            <a:r>
+              <a:rPr lang="en-GB" altLang="en-US" sz="2000" dirty="0">
+                <a:latin typeface="Courier New" panose="02070309020205020404" pitchFamily="49" charset="0"/>
+                <a:cs typeface="Courier New" panose="02070309020205020404" pitchFamily="49" charset="0"/>
+              </a:rPr>
+              <a:t>(title="Time-series of rainfall in March", </a:t>
+            </a:r>
+          </a:p>
+          <a:p>
+            <a:pPr eaLnBrk="1" hangingPunct="1">
+              <a:lnSpc>
+                <a:spcPct val="100000"/>
+              </a:lnSpc>
+              <a:spcBef>
+                <a:spcPct val="0"/>
+              </a:spcBef>
+              <a:buFontTx/>
+              <a:buNone/>
+              <a:defRPr/>
+            </a:pPr>
+            <a:r>
+              <a:rPr lang="en-GB" altLang="en-US" sz="2000" dirty="0">
+                <a:latin typeface="Courier New" panose="02070309020205020404" pitchFamily="49" charset="0"/>
+                <a:cs typeface="Courier New" panose="02070309020205020404" pitchFamily="49" charset="0"/>
+              </a:rPr>
+              <a:t>		</a:t>
+            </a:r>
+            <a:r>
+              <a:rPr lang="en-GB" altLang="en-US" sz="2000" dirty="0" err="1">
+                <a:latin typeface="Courier New" panose="02070309020205020404" pitchFamily="49" charset="0"/>
+                <a:cs typeface="Courier New" panose="02070309020205020404" pitchFamily="49" charset="0"/>
+              </a:rPr>
+              <a:t>ylabel</a:t>
+            </a:r>
+            <a:r>
+              <a:rPr lang="en-GB" altLang="en-US" sz="2000" dirty="0">
+                <a:latin typeface="Courier New" panose="02070309020205020404" pitchFamily="49" charset="0"/>
+                <a:cs typeface="Courier New" panose="02070309020205020404" pitchFamily="49" charset="0"/>
+              </a:rPr>
+              <a:t>="Rainfall (mm)")</a:t>
+            </a:r>
+          </a:p>
+          <a:p>
+            <a:pPr eaLnBrk="1" hangingPunct="1">
+              <a:lnSpc>
+                <a:spcPct val="100000"/>
+              </a:lnSpc>
+              <a:spcBef>
+                <a:spcPct val="0"/>
+              </a:spcBef>
+              <a:buFontTx/>
+              <a:buNone/>
+              <a:defRPr/>
+            </a:pPr>
+            <a:endParaRPr lang="en-GB" altLang="en-US" sz="2000" dirty="0">
+              <a:latin typeface="Courier New" panose="02070309020205020404" pitchFamily="49" charset="0"/>
+              <a:cs typeface="Courier New" panose="02070309020205020404" pitchFamily="49" charset="0"/>
+            </a:endParaRPr>
+          </a:p>
+        </p:txBody>
+      </p:sp>
+      <p:sp>
+        <p:nvSpPr>
+          <p:cNvPr id="3" name="TextBox 2">
+            <a:extLst>
+              <a:ext uri="{FF2B5EF4-FFF2-40B4-BE49-F238E27FC236}">
+                <a16:creationId xmlns:a16="http://schemas.microsoft.com/office/drawing/2014/main" id="{FBC6312C-5316-85F6-A944-2E3334FB6439}"/>
+              </a:ext>
+            </a:extLst>
+          </p:cNvPr>
+          <p:cNvSpPr txBox="1"/>
+          <p:nvPr/>
+        </p:nvSpPr>
+        <p:spPr>
+          <a:xfrm>
+            <a:off x="-291541" y="5329706"/>
+            <a:ext cx="9226813" cy="830997"/>
+          </a:xfrm>
+          <a:prstGeom prst="rect">
+            <a:avLst/>
+          </a:prstGeom>
+          <a:noFill/>
+        </p:spPr>
+        <p:txBody>
+          <a:bodyPr wrap="square">
+            <a:spAutoFit/>
+          </a:bodyPr>
+          <a:lstStyle/>
+          <a:p>
+            <a:pPr algn="ctr"/>
+            <a:r>
+              <a:rPr lang="en-GB" sz="2400" dirty="0">
+                <a:hlinkClick r:id="rId3"/>
+              </a:rPr>
+              <a:t>https://pandas.pydata.org/pandas-docs/stable/reference/api/pandas.read_csv.html</a:t>
+            </a:r>
+            <a:r>
+              <a:rPr lang="en-GB" sz="2400" dirty="0"/>
+              <a:t> </a:t>
+            </a:r>
+          </a:p>
+        </p:txBody>
+      </p:sp>
+      <p:pic>
+        <p:nvPicPr>
+          <p:cNvPr id="5" name="Picture 4">
+            <a:extLst>
+              <a:ext uri="{FF2B5EF4-FFF2-40B4-BE49-F238E27FC236}">
+                <a16:creationId xmlns:a16="http://schemas.microsoft.com/office/drawing/2014/main" id="{BBFF8799-C545-6E46-F2D2-19D801A0BA63}"/>
+              </a:ext>
+            </a:extLst>
+          </p:cNvPr>
+          <p:cNvPicPr>
+            <a:picLocks noChangeAspect="1"/>
+          </p:cNvPicPr>
+          <p:nvPr/>
+        </p:nvPicPr>
+        <p:blipFill>
+          <a:blip r:embed="rId4"/>
+          <a:stretch>
+            <a:fillRect/>
+          </a:stretch>
+        </p:blipFill>
+        <p:spPr>
+          <a:xfrm>
+            <a:off x="7163087" y="711728"/>
+            <a:ext cx="1956865" cy="830997"/>
+          </a:xfrm>
+          <a:prstGeom prst="rect">
+            <a:avLst/>
+          </a:prstGeom>
+        </p:spPr>
+      </p:pic>
+      <p:pic>
+        <p:nvPicPr>
+          <p:cNvPr id="4" name="Picture 3">
+            <a:extLst>
+              <a:ext uri="{FF2B5EF4-FFF2-40B4-BE49-F238E27FC236}">
+                <a16:creationId xmlns:a16="http://schemas.microsoft.com/office/drawing/2014/main" id="{63FDFCD7-29A6-95B9-A838-5EF695ED612C}"/>
+              </a:ext>
+            </a:extLst>
+          </p:cNvPr>
+          <p:cNvPicPr>
+            <a:picLocks noChangeAspect="1"/>
+          </p:cNvPicPr>
+          <p:nvPr/>
+        </p:nvPicPr>
+        <p:blipFill>
+          <a:blip r:embed="rId5"/>
+          <a:stretch>
+            <a:fillRect/>
+          </a:stretch>
+        </p:blipFill>
+        <p:spPr>
+          <a:xfrm>
+            <a:off x="6366437" y="2237068"/>
+            <a:ext cx="2439675" cy="1664305"/>
+          </a:xfrm>
+          <a:prstGeom prst="rect">
+            <a:avLst/>
+          </a:prstGeom>
+        </p:spPr>
+      </p:pic>
+    </p:spTree>
+    <p:extLst>
+      <p:ext uri="{BB962C8B-B14F-4D97-AF65-F5344CB8AC3E}">
+        <p14:creationId xmlns:p14="http://schemas.microsoft.com/office/powerpoint/2010/main" val="65219557"/>
+      </p:ext>
+    </p:extLst>
+  </p:cSld>
+  <p:clrMapOvr>
+    <a:masterClrMapping/>
+  </p:clrMapOvr>
+  <p:timing>
+    <p:tnLst>
+      <p:par>
+        <p:cTn id="1" dur="indefinite" restart="never" nodeType="tmRoot">
+          <p:childTnLst>
+            <p:seq concurrent="1" nextAc="seek">
+              <p:cTn id="2" dur="indefinite" nodeType="mainSeq">
+                <p:childTnLst>
+                  <p:par>
+                    <p:cTn id="3" fill="hold">
+                      <p:stCondLst>
+                        <p:cond delay="indefinite"/>
+                      </p:stCondLst>
+                      <p:childTnLst>
+                        <p:par>
+                          <p:cTn id="4" fill="hold">
+                            <p:stCondLst>
+                              <p:cond delay="0"/>
+                            </p:stCondLst>
+                            <p:childTnLst>
+                              <p:par>
+                                <p:cTn id="5" presetID="1" presetClass="entr" presetSubtype="0" fill="hold" nodeType="clickEffect">
+                                  <p:stCondLst>
+                                    <p:cond delay="0"/>
+                                  </p:stCondLst>
+                                  <p:childTnLst>
+                                    <p:set>
+                                      <p:cBhvr>
+                                        <p:cTn id="6" dur="1" fill="hold">
+                                          <p:stCondLst>
+                                            <p:cond delay="0"/>
+                                          </p:stCondLst>
+                                        </p:cTn>
+                                        <p:tgtEl>
+                                          <p:spTgt spid="21507">
+                                            <p:txEl>
+                                              <p:pRg st="1" end="1"/>
+                                            </p:txEl>
+                                          </p:spTgt>
+                                        </p:tgtEl>
+                                        <p:attrNameLst>
+                                          <p:attrName>style.visibility</p:attrName>
+                                        </p:attrNameLst>
+                                      </p:cBhvr>
+                                      <p:to>
+                                        <p:strVal val="visible"/>
+                                      </p:to>
+                                    </p:set>
+                                  </p:childTnLst>
+                                </p:cTn>
+                              </p:par>
+                            </p:childTnLst>
+                          </p:cTn>
+                        </p:par>
+                      </p:childTnLst>
+                    </p:cTn>
+                  </p:par>
+                  <p:par>
+                    <p:cTn id="7" fill="hold">
+                      <p:stCondLst>
+                        <p:cond delay="indefinite"/>
+                      </p:stCondLst>
+                      <p:childTnLst>
+                        <p:par>
+                          <p:cTn id="8" fill="hold">
+                            <p:stCondLst>
+                              <p:cond delay="0"/>
+                            </p:stCondLst>
+                            <p:childTnLst>
+                              <p:par>
+                                <p:cTn id="9" presetID="1" presetClass="entr" presetSubtype="0" fill="hold" nodeType="clickEffect">
+                                  <p:stCondLst>
+                                    <p:cond delay="0"/>
+                                  </p:stCondLst>
+                                  <p:childTnLst>
+                                    <p:set>
+                                      <p:cBhvr>
+                                        <p:cTn id="10" dur="1" fill="hold">
+                                          <p:stCondLst>
+                                            <p:cond delay="0"/>
+                                          </p:stCondLst>
+                                        </p:cTn>
+                                        <p:tgtEl>
+                                          <p:spTgt spid="21507">
+                                            <p:txEl>
+                                              <p:pRg st="3" end="3"/>
+                                            </p:txEl>
+                                          </p:spTgt>
+                                        </p:tgtEl>
+                                        <p:attrNameLst>
+                                          <p:attrName>style.visibility</p:attrName>
+                                        </p:attrNameLst>
+                                      </p:cBhvr>
+                                      <p:to>
+                                        <p:strVal val="visible"/>
+                                      </p:to>
+                                    </p:set>
+                                  </p:childTnLst>
+                                </p:cTn>
+                              </p:par>
+                            </p:childTnLst>
+                          </p:cTn>
+                        </p:par>
+                      </p:childTnLst>
+                    </p:cTn>
+                  </p:par>
+                  <p:par>
+                    <p:cTn id="11" fill="hold">
+                      <p:stCondLst>
+                        <p:cond delay="indefinite"/>
+                      </p:stCondLst>
+                      <p:childTnLst>
+                        <p:par>
+                          <p:cTn id="12" fill="hold">
+                            <p:stCondLst>
+                              <p:cond delay="0"/>
+                            </p:stCondLst>
+                            <p:childTnLst>
+                              <p:par>
+                                <p:cTn id="13" presetID="1" presetClass="entr" presetSubtype="0" fill="hold" nodeType="clickEffect">
+                                  <p:stCondLst>
+                                    <p:cond delay="0"/>
+                                  </p:stCondLst>
+                                  <p:childTnLst>
+                                    <p:set>
+                                      <p:cBhvr>
+                                        <p:cTn id="14" dur="1" fill="hold">
+                                          <p:stCondLst>
+                                            <p:cond delay="0"/>
+                                          </p:stCondLst>
+                                        </p:cTn>
+                                        <p:tgtEl>
+                                          <p:spTgt spid="21507">
+                                            <p:txEl>
+                                              <p:pRg st="0" end="0"/>
+                                            </p:txEl>
+                                          </p:spTgt>
+                                        </p:tgtEl>
+                                        <p:attrNameLst>
+                                          <p:attrName>style.visibility</p:attrName>
+                                        </p:attrNameLst>
+                                      </p:cBhvr>
+                                      <p:to>
+                                        <p:strVal val="visible"/>
+                                      </p:to>
+                                    </p:set>
+                                  </p:childTnLst>
+                                </p:cTn>
+                              </p:par>
+                            </p:childTnLst>
+                          </p:cTn>
+                        </p:par>
+                      </p:childTnLst>
+                    </p:cTn>
+                  </p:par>
+                  <p:par>
+                    <p:cTn id="15" fill="hold">
+                      <p:stCondLst>
+                        <p:cond delay="indefinite"/>
+                      </p:stCondLst>
+                      <p:childTnLst>
+                        <p:par>
+                          <p:cTn id="16" fill="hold">
+                            <p:stCondLst>
+                              <p:cond delay="0"/>
+                            </p:stCondLst>
+                            <p:childTnLst>
+                              <p:par>
+                                <p:cTn id="17" presetID="1" presetClass="entr" presetSubtype="0" fill="hold" nodeType="clickEffect">
+                                  <p:stCondLst>
+                                    <p:cond delay="0"/>
+                                  </p:stCondLst>
+                                  <p:childTnLst>
+                                    <p:set>
+                                      <p:cBhvr>
+                                        <p:cTn id="18" dur="1" fill="hold">
+                                          <p:stCondLst>
+                                            <p:cond delay="0"/>
+                                          </p:stCondLst>
+                                        </p:cTn>
+                                        <p:tgtEl>
+                                          <p:spTgt spid="21507">
+                                            <p:txEl>
+                                              <p:pRg st="4" end="4"/>
+                                            </p:txEl>
+                                          </p:spTgt>
+                                        </p:tgtEl>
+                                        <p:attrNameLst>
+                                          <p:attrName>style.visibility</p:attrName>
+                                        </p:attrNameLst>
+                                      </p:cBhvr>
+                                      <p:to>
+                                        <p:strVal val="visible"/>
+                                      </p:to>
+                                    </p:set>
+                                  </p:childTnLst>
+                                </p:cTn>
+                              </p:par>
+                            </p:childTnLst>
+                          </p:cTn>
+                        </p:par>
+                      </p:childTnLst>
+                    </p:cTn>
+                  </p:par>
+                  <p:par>
+                    <p:cTn id="19" fill="hold">
+                      <p:stCondLst>
+                        <p:cond delay="indefinite"/>
+                      </p:stCondLst>
+                      <p:childTnLst>
+                        <p:par>
+                          <p:cTn id="20" fill="hold">
+                            <p:stCondLst>
+                              <p:cond delay="0"/>
+                            </p:stCondLst>
+                            <p:childTnLst>
+                              <p:par>
+                                <p:cTn id="21" presetID="1" presetClass="entr" presetSubtype="0" fill="hold" nodeType="clickEffect">
+                                  <p:stCondLst>
+                                    <p:cond delay="0"/>
+                                  </p:stCondLst>
+                                  <p:childTnLst>
+                                    <p:set>
+                                      <p:cBhvr>
+                                        <p:cTn id="22" dur="1" fill="hold">
+                                          <p:stCondLst>
+                                            <p:cond delay="0"/>
+                                          </p:stCondLst>
+                                        </p:cTn>
+                                        <p:tgtEl>
+                                          <p:spTgt spid="21507">
+                                            <p:txEl>
+                                              <p:pRg st="5" end="5"/>
+                                            </p:txEl>
+                                          </p:spTgt>
+                                        </p:tgtEl>
+                                        <p:attrNameLst>
+                                          <p:attrName>style.visibility</p:attrName>
+                                        </p:attrNameLst>
+                                      </p:cBhvr>
+                                      <p:to>
+                                        <p:strVal val="visible"/>
+                                      </p:to>
+                                    </p:set>
+                                  </p:childTnLst>
+                                </p:cTn>
+                              </p:par>
+                            </p:childTnLst>
+                          </p:cTn>
+                        </p:par>
+                      </p:childTnLst>
+                    </p:cTn>
+                  </p:par>
+                  <p:par>
+                    <p:cTn id="23" fill="hold">
+                      <p:stCondLst>
+                        <p:cond delay="indefinite"/>
+                      </p:stCondLst>
+                      <p:childTnLst>
+                        <p:par>
+                          <p:cTn id="24" fill="hold">
+                            <p:stCondLst>
+                              <p:cond delay="0"/>
+                            </p:stCondLst>
+                            <p:childTnLst>
+                              <p:par>
+                                <p:cTn id="25" presetID="1" presetClass="entr" presetSubtype="0" fill="hold" nodeType="clickEffect">
+                                  <p:stCondLst>
+                                    <p:cond delay="0"/>
+                                  </p:stCondLst>
+                                  <p:childTnLst>
+                                    <p:set>
+                                      <p:cBhvr>
+                                        <p:cTn id="26" dur="1" fill="hold">
+                                          <p:stCondLst>
+                                            <p:cond delay="0"/>
+                                          </p:stCondLst>
+                                        </p:cTn>
+                                        <p:tgtEl>
+                                          <p:spTgt spid="21507">
+                                            <p:txEl>
+                                              <p:pRg st="6" end="6"/>
+                                            </p:txEl>
+                                          </p:spTgt>
+                                        </p:tgtEl>
+                                        <p:attrNameLst>
+                                          <p:attrName>style.visibility</p:attrName>
+                                        </p:attrNameLst>
+                                      </p:cBhvr>
+                                      <p:to>
+                                        <p:strVal val="visible"/>
+                                      </p:to>
+                                    </p:set>
+                                  </p:childTnLst>
+                                </p:cTn>
+                              </p:par>
+                            </p:childTnLst>
+                          </p:cTn>
+                        </p:par>
+                      </p:childTnLst>
+                    </p:cTn>
+                  </p:par>
+                  <p:par>
+                    <p:cTn id="27" fill="hold">
+                      <p:stCondLst>
+                        <p:cond delay="indefinite"/>
+                      </p:stCondLst>
+                      <p:childTnLst>
+                        <p:par>
+                          <p:cTn id="28" fill="hold">
+                            <p:stCondLst>
+                              <p:cond delay="0"/>
+                            </p:stCondLst>
+                            <p:childTnLst>
+                              <p:par>
+                                <p:cTn id="29" presetID="1" presetClass="entr" presetSubtype="0" fill="hold" nodeType="clickEffect">
+                                  <p:stCondLst>
+                                    <p:cond delay="0"/>
+                                  </p:stCondLst>
+                                  <p:childTnLst>
+                                    <p:set>
+                                      <p:cBhvr>
+                                        <p:cTn id="30" dur="1" fill="hold">
+                                          <p:stCondLst>
+                                            <p:cond delay="0"/>
+                                          </p:stCondLst>
+                                        </p:cTn>
+                                        <p:tgtEl>
+                                          <p:spTgt spid="21507">
+                                            <p:txEl>
+                                              <p:pRg st="7" end="7"/>
+                                            </p:txEl>
+                                          </p:spTgt>
+                                        </p:tgtEl>
+                                        <p:attrNameLst>
+                                          <p:attrName>style.visibility</p:attrName>
+                                        </p:attrNameLst>
+                                      </p:cBhvr>
+                                      <p:to>
+                                        <p:strVal val="visible"/>
+                                      </p:to>
+                                    </p:set>
+                                  </p:childTnLst>
+                                </p:cTn>
+                              </p:par>
+                            </p:childTnLst>
+                          </p:cTn>
+                        </p:par>
+                      </p:childTnLst>
+                    </p:cTn>
+                  </p:par>
+                  <p:par>
+                    <p:cTn id="31" fill="hold">
+                      <p:stCondLst>
+                        <p:cond delay="indefinite"/>
+                      </p:stCondLst>
+                      <p:childTnLst>
+                        <p:par>
+                          <p:cTn id="32" fill="hold">
+                            <p:stCondLst>
+                              <p:cond delay="0"/>
+                            </p:stCondLst>
+                            <p:childTnLst>
+                              <p:par>
+                                <p:cTn id="33" presetID="1" presetClass="entr" presetSubtype="0" fill="hold" nodeType="clickEffect">
+                                  <p:stCondLst>
+                                    <p:cond delay="0"/>
+                                  </p:stCondLst>
+                                  <p:childTnLst>
+                                    <p:set>
+                                      <p:cBhvr>
+                                        <p:cTn id="34" dur="1" fill="hold">
+                                          <p:stCondLst>
+                                            <p:cond delay="0"/>
+                                          </p:stCondLst>
+                                        </p:cTn>
+                                        <p:tgtEl>
+                                          <p:spTgt spid="21507">
+                                            <p:txEl>
+                                              <p:pRg st="8" end="8"/>
+                                            </p:txEl>
+                                          </p:spTgt>
+                                        </p:tgtEl>
+                                        <p:attrNameLst>
+                                          <p:attrName>style.visibility</p:attrName>
+                                        </p:attrNameLst>
+                                      </p:cBhvr>
+                                      <p:to>
+                                        <p:strVal val="visible"/>
+                                      </p:to>
+                                    </p:set>
+                                  </p:childTnLst>
+                                </p:cTn>
+                              </p:par>
+                            </p:childTnLst>
+                          </p:cTn>
+                        </p:par>
+                      </p:childTnLst>
+                    </p:cTn>
+                  </p:par>
+                  <p:par>
+                    <p:cTn id="35" fill="hold">
+                      <p:stCondLst>
+                        <p:cond delay="indefinite"/>
+                      </p:stCondLst>
+                      <p:childTnLst>
+                        <p:par>
+                          <p:cTn id="36" fill="hold">
+                            <p:stCondLst>
+                              <p:cond delay="0"/>
+                            </p:stCondLst>
+                            <p:childTnLst>
+                              <p:par>
+                                <p:cTn id="37" presetID="1" presetClass="entr" presetSubtype="0" fill="hold" nodeType="clickEffect">
+                                  <p:stCondLst>
+                                    <p:cond delay="0"/>
+                                  </p:stCondLst>
+                                  <p:childTnLst>
+                                    <p:set>
+                                      <p:cBhvr>
+                                        <p:cTn id="38" dur="1" fill="hold">
+                                          <p:stCondLst>
+                                            <p:cond delay="0"/>
+                                          </p:stCondLst>
+                                        </p:cTn>
+                                        <p:tgtEl>
+                                          <p:spTgt spid="21507">
+                                            <p:txEl>
+                                              <p:pRg st="9" end="9"/>
+                                            </p:txEl>
+                                          </p:spTgt>
+                                        </p:tgtEl>
+                                        <p:attrNameLst>
+                                          <p:attrName>style.visibility</p:attrName>
+                                        </p:attrNameLst>
+                                      </p:cBhvr>
+                                      <p:to>
+                                        <p:strVal val="visible"/>
+                                      </p:to>
+                                    </p:set>
+                                  </p:childTnLst>
+                                </p:cTn>
+                              </p:par>
+                            </p:childTnLst>
+                          </p:cTn>
+                        </p:par>
+                      </p:childTnLst>
+                    </p:cTn>
+                  </p:par>
+                  <p:par>
+                    <p:cTn id="39" fill="hold">
+                      <p:stCondLst>
+                        <p:cond delay="indefinite"/>
+                      </p:stCondLst>
+                      <p:childTnLst>
+                        <p:par>
+                          <p:cTn id="40" fill="hold">
+                            <p:stCondLst>
+                              <p:cond delay="0"/>
+                            </p:stCondLst>
+                            <p:childTnLst>
+                              <p:par>
+                                <p:cTn id="41" presetID="1" presetClass="entr" presetSubtype="0" fill="hold" nodeType="clickEffect">
+                                  <p:stCondLst>
+                                    <p:cond delay="0"/>
+                                  </p:stCondLst>
+                                  <p:childTnLst>
+                                    <p:set>
+                                      <p:cBhvr>
+                                        <p:cTn id="42" dur="1" fill="hold">
+                                          <p:stCondLst>
+                                            <p:cond delay="0"/>
+                                          </p:stCondLst>
+                                        </p:cTn>
+                                        <p:tgtEl>
+                                          <p:spTgt spid="21507">
+                                            <p:txEl>
+                                              <p:pRg st="10" end="10"/>
+                                            </p:txEl>
+                                          </p:spTgt>
+                                        </p:tgtEl>
+                                        <p:attrNameLst>
+                                          <p:attrName>style.visibility</p:attrName>
+                                        </p:attrNameLst>
+                                      </p:cBhvr>
+                                      <p:to>
+                                        <p:strVal val="visible"/>
+                                      </p:to>
+                                    </p:set>
+                                  </p:childTnLst>
+                                </p:cTn>
+                              </p:par>
+                            </p:childTnLst>
+                          </p:cTn>
+                        </p:par>
+                      </p:childTnLst>
+                    </p:cTn>
+                  </p:par>
+                </p:childTnLst>
+              </p:cTn>
+              <p:prevCondLst>
+                <p:cond evt="onPrev" delay="0">
+                  <p:tgtEl>
+                    <p:sldTgt/>
+                  </p:tgtEl>
+                </p:cond>
+              </p:prevCondLst>
+              <p:nextCondLst>
+                <p:cond evt="onNext" delay="0">
+                  <p:tgtEl>
+                    <p:sldTgt/>
+                  </p:tgtEl>
+                </p:cond>
+              </p:nextCondLst>
+            </p:seq>
+          </p:childTnLst>
+        </p:cTn>
+      </p:par>
+    </p:tnLst>
+  </p:timing>
+</p:sld>
+</file>
+
 <file path=ppt/slides/slide3.xml><?xml version="1.0" encoding="utf-8"?>
 <p:sld xmlns:a="http://schemas.openxmlformats.org/drawingml/2006/main" xmlns:r="http://schemas.openxmlformats.org/officeDocument/2006/relationships" xmlns:p="http://schemas.openxmlformats.org/presentationml/2006/main">
   <p:cSld>
@@ -17559,7 +20346,7 @@
               <a:defRPr/>
             </a:pPr>
             <a:r>
-              <a:rPr lang="en-GB" altLang="en-US" sz="3200" dirty="0" smtClean="0">
+              <a:rPr lang="en-GB" altLang="en-US" sz="3200" dirty="0">
                 <a:latin typeface="+mn-lt"/>
               </a:rPr>
               <a:t>As we have seen Python has a great toolkit for reading files and working with strings.</a:t>
@@ -17580,7 +20367,7 @@
               <a:buNone/>
               <a:defRPr/>
             </a:pPr>
-            <a:endParaRPr lang="en-GB" altLang="en-US" sz="3200" dirty="0" smtClean="0">
+            <a:endParaRPr lang="en-GB" altLang="en-US" sz="3200" dirty="0">
               <a:latin typeface="+mn-lt"/>
             </a:endParaRPr>
           </a:p>
@@ -17600,7 +20387,7 @@
               <a:defRPr/>
             </a:pPr>
             <a:r>
-              <a:rPr lang="en-GB" altLang="en-US" sz="3200" dirty="0" smtClean="0">
+              <a:rPr lang="en-GB" altLang="en-US" sz="3200" dirty="0">
                 <a:latin typeface="+mn-lt"/>
               </a:rPr>
               <a:t>In this example we use a file that we found on the web, and then adapt some code to read it into a useful, re-usable form.</a:t>
@@ -17637,7 +20424,7 @@
               <a:defRPr/>
             </a:pPr>
             <a:r>
-              <a:rPr lang="en-GB" sz="3600" b="1" dirty="0" smtClean="0">
+              <a:rPr lang="en-GB" sz="3600" b="1" dirty="0">
                 <a:solidFill>
                   <a:srgbClr val="000000"/>
                 </a:solidFill>
@@ -17646,7 +20433,7 @@
               </a:rPr>
               <a:t>Using python to read text formats</a:t>
             </a:r>
-            <a:endParaRPr lang="en-GB" sz="4000" dirty="0" smtClean="0"/>
+            <a:endParaRPr lang="en-GB" sz="4000" dirty="0"/>
           </a:p>
         </p:txBody>
       </p:sp>
@@ -17655,13 +20442,6 @@
   <p:clrMapOvr>
     <a:masterClrMapping/>
   </p:clrMapOvr>
-  <p:timing>
-    <p:tnLst>
-      <p:par>
-        <p:cTn id="1" dur="indefinite" restart="never" nodeType="tmRoot"/>
-      </p:par>
-    </p:tnLst>
-  </p:timing>
 </p:sld>
 </file>
 
@@ -18039,7 +20819,7 @@
               <a:defRPr/>
             </a:pPr>
             <a:r>
-              <a:rPr lang="en-GB" sz="4000" b="1" dirty="0" smtClean="0">
+              <a:rPr lang="en-GB" sz="4000" b="1" dirty="0">
                 <a:solidFill>
                   <a:srgbClr val="000000"/>
                 </a:solidFill>
@@ -18048,7 +20828,7 @@
               </a:rPr>
               <a:t>Our example file</a:t>
             </a:r>
-            <a:endParaRPr lang="en-GB" dirty="0" smtClean="0"/>
+            <a:endParaRPr lang="en-GB" dirty="0"/>
           </a:p>
         </p:txBody>
       </p:sp>
@@ -18057,13 +20837,6 @@
   <p:clrMapOvr>
     <a:masterClrMapping/>
   </p:clrMapOvr>
-  <p:timing>
-    <p:tnLst>
-      <p:par>
-        <p:cTn id="1" dur="indefinite" restart="never" nodeType="tmRoot"/>
-      </p:par>
-    </p:tnLst>
-  </p:timing>
 </p:sld>
 </file>
 
@@ -18312,13 +21085,6 @@
   <p:clrMapOvr>
     <a:masterClrMapping/>
   </p:clrMapOvr>
-  <p:timing>
-    <p:tnLst>
-      <p:par>
-        <p:cTn id="1" dur="indefinite" restart="never" nodeType="tmRoot"/>
-      </p:par>
-    </p:tnLst>
-  </p:timing>
 </p:sld>
 </file>
 
@@ -18453,13 +21219,6 @@
   <p:clrMapOvr>
     <a:masterClrMapping/>
   </p:clrMapOvr>
-  <p:timing>
-    <p:tnLst>
-      <p:par>
-        <p:cTn id="1" dur="indefinite" restart="never" nodeType="tmRoot"/>
-      </p:par>
-    </p:tnLst>
-  </p:timing>
 </p:sld>
 </file>
 
@@ -18594,13 +21353,6 @@
   <p:clrMapOvr>
     <a:masterClrMapping/>
   </p:clrMapOvr>
-  <p:timing>
-    <p:tnLst>
-      <p:par>
-        <p:cTn id="1" dur="indefinite" restart="never" nodeType="tmRoot"/>
-      </p:par>
-    </p:tnLst>
-  </p:timing>
 </p:sld>
 </file>
 
@@ -18769,13 +21521,6 @@
   <p:clrMapOvr>
     <a:masterClrMapping/>
   </p:clrMapOvr>
-  <p:timing>
-    <p:tnLst>
-      <p:par>
-        <p:cTn id="1" dur="indefinite" restart="never" nodeType="tmRoot"/>
-      </p:par>
-    </p:tnLst>
-  </p:timing>
 </p:sld>
 </file>
 
@@ -18818,7 +21563,7 @@
           <a:p>
             <a:pPr eaLnBrk="1" hangingPunct="1"/>
             <a:r>
-              <a:rPr lang="en-GB" altLang="en-US" b="1" smtClean="0"/>
+              <a:rPr lang="en-GB" altLang="en-US" b="1"/>
               <a:t>Let's write some code to read it</a:t>
             </a:r>
           </a:p>

--- a/python-data/slides/02_python_text_formats.pptx
+++ b/python-data/slides/02_python_text_formats.pptx
@@ -280,7 +280,7 @@
               <a:pPr>
                 <a:defRPr/>
               </a:pPr>
-              <a:t>28/02/2023</a:t>
+              <a:t>01/03/2023</a:t>
             </a:fld>
             <a:endParaRPr lang="en-GB"/>
           </a:p>
@@ -8035,7 +8035,7 @@
               <a:pPr>
                 <a:defRPr/>
               </a:pPr>
-              <a:t>28/02/2023</a:t>
+              <a:t>01/03/2023</a:t>
             </a:fld>
             <a:endParaRPr lang="en-GB"/>
           </a:p>
@@ -18259,7 +18259,7 @@
                 <a:latin typeface="Courier New" panose="02070309020205020404" pitchFamily="49" charset="0"/>
                 <a:cs typeface="Courier New" panose="02070309020205020404" pitchFamily="49" charset="0"/>
               </a:rPr>
-              <a:t># Read the first 6 lines with the old ways...</a:t>
+              <a:t># Read the first 6 lines, as before</a:t>
             </a:r>
           </a:p>
           <a:p>
@@ -18513,6 +18513,751 @@
     <p:extLst>
       <p:ext uri="{BB962C8B-B14F-4D97-AF65-F5344CB8AC3E}">
         <p14:creationId xmlns:p14="http://schemas.microsoft.com/office/powerpoint/2010/main" val="2241143126"/>
+      </p:ext>
+    </p:extLst>
+  </p:cSld>
+  <p:clrMapOvr>
+    <a:masterClrMapping/>
+  </p:clrMapOvr>
+</p:sld>
+</file>
+
+<file path=ppt/slides/slide25.xml><?xml version="1.0" encoding="utf-8"?>
+<p:sld xmlns:a="http://schemas.openxmlformats.org/drawingml/2006/main" xmlns:r="http://schemas.openxmlformats.org/officeDocument/2006/relationships" xmlns:p="http://schemas.openxmlformats.org/presentationml/2006/main">
+  <p:cSld>
+    <p:spTree>
+      <p:nvGrpSpPr>
+        <p:cNvPr id="1" name=""/>
+        <p:cNvGrpSpPr/>
+        <p:nvPr/>
+      </p:nvGrpSpPr>
+      <p:grpSpPr>
+        <a:xfrm>
+          <a:off x="0" y="0"/>
+          <a:ext cx="0" cy="0"/>
+          <a:chOff x="0" y="0"/>
+          <a:chExt cx="0" cy="0"/>
+        </a:xfrm>
+      </p:grpSpPr>
+      <p:sp>
+        <p:nvSpPr>
+          <p:cNvPr id="52226" name="Title 1"/>
+          <p:cNvSpPr>
+            <a:spLocks noGrp="1"/>
+          </p:cNvSpPr>
+          <p:nvPr>
+            <p:ph type="title" idx="4294967295"/>
+          </p:nvPr>
+        </p:nvSpPr>
+        <p:spPr>
+          <a:xfrm>
+            <a:off x="7171" y="160940"/>
+            <a:ext cx="8229600" cy="1143000"/>
+          </a:xfrm>
+        </p:spPr>
+        <p:txBody>
+          <a:bodyPr/>
+          <a:lstStyle/>
+          <a:p>
+            <a:pPr eaLnBrk="1" hangingPunct="1"/>
+            <a:r>
+              <a:rPr lang="en-GB" altLang="en-US" b="1" dirty="0"/>
+              <a:t>Why pandas?</a:t>
+            </a:r>
+          </a:p>
+        </p:txBody>
+      </p:sp>
+      <p:sp>
+        <p:nvSpPr>
+          <p:cNvPr id="21507" name="TextBox 2"/>
+          <p:cNvSpPr txBox="1">
+            <a:spLocks noChangeArrowheads="1"/>
+          </p:cNvSpPr>
+          <p:nvPr/>
+        </p:nvSpPr>
+        <p:spPr bwMode="auto">
+          <a:xfrm>
+            <a:off x="337888" y="1094068"/>
+            <a:ext cx="8713788" cy="4093428"/>
+          </a:xfrm>
+          <a:prstGeom prst="rect">
+            <a:avLst/>
+          </a:prstGeom>
+          <a:noFill/>
+          <a:ln>
+            <a:noFill/>
+          </a:ln>
+          <a:extLst>
+            <a:ext uri="{909E8E84-426E-40DD-AFC4-6F175D3DCCD1}">
+              <a14:hiddenFill xmlns:a14="http://schemas.microsoft.com/office/drawing/2010/main">
+                <a:solidFill>
+                  <a:srgbClr val="FFFFFF"/>
+                </a:solidFill>
+              </a14:hiddenFill>
+            </a:ext>
+            <a:ext uri="{91240B29-F687-4F45-9708-019B960494DF}">
+              <a14:hiddenLine xmlns:a14="http://schemas.microsoft.com/office/drawing/2010/main" w="9525">
+                <a:solidFill>
+                  <a:srgbClr val="000000"/>
+                </a:solidFill>
+                <a:miter lim="800000"/>
+                <a:headEnd/>
+                <a:tailEnd/>
+              </a14:hiddenLine>
+            </a:ext>
+          </a:extLst>
+        </p:spPr>
+        <p:txBody>
+          <a:bodyPr>
+            <a:spAutoFit/>
+          </a:bodyPr>
+          <a:lstStyle>
+            <a:lvl1pPr>
+              <a:lnSpc>
+                <a:spcPct val="90000"/>
+              </a:lnSpc>
+              <a:spcBef>
+                <a:spcPts val="1000"/>
+              </a:spcBef>
+              <a:buFont typeface="Arial" panose="020B0604020202020204" pitchFamily="34" charset="0"/>
+              <a:buChar char="•"/>
+              <a:defRPr sz="2400">
+                <a:solidFill>
+                  <a:schemeClr val="tx1"/>
+                </a:solidFill>
+                <a:latin typeface="Calibri" panose="020F0502020204030204" pitchFamily="34" charset="0"/>
+              </a:defRPr>
+            </a:lvl1pPr>
+            <a:lvl2pPr marL="742950" indent="-285750">
+              <a:lnSpc>
+                <a:spcPct val="90000"/>
+              </a:lnSpc>
+              <a:spcBef>
+                <a:spcPts val="500"/>
+              </a:spcBef>
+              <a:buFont typeface="Arial" panose="020B0604020202020204" pitchFamily="34" charset="0"/>
+              <a:buChar char="•"/>
+              <a:defRPr sz="2000">
+                <a:solidFill>
+                  <a:schemeClr val="tx1"/>
+                </a:solidFill>
+                <a:latin typeface="Calibri" panose="020F0502020204030204" pitchFamily="34" charset="0"/>
+              </a:defRPr>
+            </a:lvl2pPr>
+            <a:lvl3pPr marL="1143000" indent="-228600">
+              <a:lnSpc>
+                <a:spcPct val="90000"/>
+              </a:lnSpc>
+              <a:spcBef>
+                <a:spcPts val="500"/>
+              </a:spcBef>
+              <a:buFont typeface="Arial" panose="020B0604020202020204" pitchFamily="34" charset="0"/>
+              <a:buChar char="•"/>
+              <a:defRPr>
+                <a:solidFill>
+                  <a:schemeClr val="tx1"/>
+                </a:solidFill>
+                <a:latin typeface="Calibri" panose="020F0502020204030204" pitchFamily="34" charset="0"/>
+              </a:defRPr>
+            </a:lvl3pPr>
+            <a:lvl4pPr marL="1600200" indent="-228600">
+              <a:lnSpc>
+                <a:spcPct val="90000"/>
+              </a:lnSpc>
+              <a:spcBef>
+                <a:spcPts val="500"/>
+              </a:spcBef>
+              <a:buFont typeface="Arial" panose="020B0604020202020204" pitchFamily="34" charset="0"/>
+              <a:buChar char="•"/>
+              <a:defRPr sz="1600">
+                <a:solidFill>
+                  <a:schemeClr val="tx1"/>
+                </a:solidFill>
+                <a:latin typeface="Calibri" panose="020F0502020204030204" pitchFamily="34" charset="0"/>
+              </a:defRPr>
+            </a:lvl4pPr>
+            <a:lvl5pPr marL="2057400" indent="-228600">
+              <a:lnSpc>
+                <a:spcPct val="90000"/>
+              </a:lnSpc>
+              <a:spcBef>
+                <a:spcPts val="500"/>
+              </a:spcBef>
+              <a:buFont typeface="Arial" panose="020B0604020202020204" pitchFamily="34" charset="0"/>
+              <a:buChar char="•"/>
+              <a:defRPr sz="1600">
+                <a:solidFill>
+                  <a:schemeClr val="tx1"/>
+                </a:solidFill>
+                <a:latin typeface="Calibri" panose="020F0502020204030204" pitchFamily="34" charset="0"/>
+              </a:defRPr>
+            </a:lvl5pPr>
+            <a:lvl6pPr marL="2514600" indent="-228600" eaLnBrk="0" fontAlgn="base" hangingPunct="0">
+              <a:lnSpc>
+                <a:spcPct val="90000"/>
+              </a:lnSpc>
+              <a:spcBef>
+                <a:spcPts val="500"/>
+              </a:spcBef>
+              <a:spcAft>
+                <a:spcPct val="0"/>
+              </a:spcAft>
+              <a:buFont typeface="Arial" panose="020B0604020202020204" pitchFamily="34" charset="0"/>
+              <a:buChar char="•"/>
+              <a:defRPr sz="1600">
+                <a:solidFill>
+                  <a:schemeClr val="tx1"/>
+                </a:solidFill>
+                <a:latin typeface="Calibri" panose="020F0502020204030204" pitchFamily="34" charset="0"/>
+              </a:defRPr>
+            </a:lvl6pPr>
+            <a:lvl7pPr marL="2971800" indent="-228600" eaLnBrk="0" fontAlgn="base" hangingPunct="0">
+              <a:lnSpc>
+                <a:spcPct val="90000"/>
+              </a:lnSpc>
+              <a:spcBef>
+                <a:spcPts val="500"/>
+              </a:spcBef>
+              <a:spcAft>
+                <a:spcPct val="0"/>
+              </a:spcAft>
+              <a:buFont typeface="Arial" panose="020B0604020202020204" pitchFamily="34" charset="0"/>
+              <a:buChar char="•"/>
+              <a:defRPr sz="1600">
+                <a:solidFill>
+                  <a:schemeClr val="tx1"/>
+                </a:solidFill>
+                <a:latin typeface="Calibri" panose="020F0502020204030204" pitchFamily="34" charset="0"/>
+              </a:defRPr>
+            </a:lvl7pPr>
+            <a:lvl8pPr marL="3429000" indent="-228600" eaLnBrk="0" fontAlgn="base" hangingPunct="0">
+              <a:lnSpc>
+                <a:spcPct val="90000"/>
+              </a:lnSpc>
+              <a:spcBef>
+                <a:spcPts val="500"/>
+              </a:spcBef>
+              <a:spcAft>
+                <a:spcPct val="0"/>
+              </a:spcAft>
+              <a:buFont typeface="Arial" panose="020B0604020202020204" pitchFamily="34" charset="0"/>
+              <a:buChar char="•"/>
+              <a:defRPr sz="1600">
+                <a:solidFill>
+                  <a:schemeClr val="tx1"/>
+                </a:solidFill>
+                <a:latin typeface="Calibri" panose="020F0502020204030204" pitchFamily="34" charset="0"/>
+              </a:defRPr>
+            </a:lvl8pPr>
+            <a:lvl9pPr marL="3886200" indent="-228600" eaLnBrk="0" fontAlgn="base" hangingPunct="0">
+              <a:lnSpc>
+                <a:spcPct val="90000"/>
+              </a:lnSpc>
+              <a:spcBef>
+                <a:spcPts val="500"/>
+              </a:spcBef>
+              <a:spcAft>
+                <a:spcPct val="0"/>
+              </a:spcAft>
+              <a:buFont typeface="Arial" panose="020B0604020202020204" pitchFamily="34" charset="0"/>
+              <a:buChar char="•"/>
+              <a:defRPr sz="1600">
+                <a:solidFill>
+                  <a:schemeClr val="tx1"/>
+                </a:solidFill>
+                <a:latin typeface="Calibri" panose="020F0502020204030204" pitchFamily="34" charset="0"/>
+              </a:defRPr>
+            </a:lvl9pPr>
+          </a:lstStyle>
+          <a:p>
+            <a:pPr eaLnBrk="1" hangingPunct="1">
+              <a:lnSpc>
+                <a:spcPct val="100000"/>
+              </a:lnSpc>
+              <a:spcBef>
+                <a:spcPct val="0"/>
+              </a:spcBef>
+              <a:buFontTx/>
+              <a:buNone/>
+              <a:defRPr/>
+            </a:pPr>
+            <a:r>
+              <a:rPr lang="en-GB" altLang="en-US" sz="2000" dirty="0">
+                <a:latin typeface="Courier New" panose="02070309020205020404" pitchFamily="49" charset="0"/>
+                <a:cs typeface="Courier New" panose="02070309020205020404" pitchFamily="49" charset="0"/>
+              </a:rPr>
+              <a:t>import pandas as pd</a:t>
+            </a:r>
+          </a:p>
+          <a:p>
+            <a:pPr eaLnBrk="1" hangingPunct="1">
+              <a:lnSpc>
+                <a:spcPct val="100000"/>
+              </a:lnSpc>
+              <a:spcBef>
+                <a:spcPct val="0"/>
+              </a:spcBef>
+              <a:buFontTx/>
+              <a:buNone/>
+              <a:defRPr/>
+            </a:pPr>
+            <a:r>
+              <a:rPr lang="en-GB" altLang="en-US" sz="2000" dirty="0" err="1">
+                <a:latin typeface="Courier New" panose="02070309020205020404" pitchFamily="49" charset="0"/>
+                <a:cs typeface="Courier New" panose="02070309020205020404" pitchFamily="49" charset="0"/>
+              </a:rPr>
+              <a:t>df</a:t>
+            </a:r>
+            <a:r>
+              <a:rPr lang="en-GB" altLang="en-US" sz="2000" dirty="0">
+                <a:latin typeface="Courier New" panose="02070309020205020404" pitchFamily="49" charset="0"/>
+                <a:cs typeface="Courier New" panose="02070309020205020404" pitchFamily="49" charset="0"/>
+              </a:rPr>
+              <a:t> = </a:t>
+            </a:r>
+            <a:r>
+              <a:rPr lang="en-GB" altLang="en-US" sz="2000" dirty="0" err="1">
+                <a:latin typeface="Courier New" panose="02070309020205020404" pitchFamily="49" charset="0"/>
+                <a:cs typeface="Courier New" panose="02070309020205020404" pitchFamily="49" charset="0"/>
+              </a:rPr>
+              <a:t>pd.read_csv</a:t>
+            </a:r>
+            <a:r>
+              <a:rPr lang="en-GB" altLang="en-US" sz="2000" dirty="0">
+                <a:latin typeface="Courier New" panose="02070309020205020404" pitchFamily="49" charset="0"/>
+                <a:cs typeface="Courier New" panose="02070309020205020404" pitchFamily="49" charset="0"/>
+              </a:rPr>
+              <a:t>(</a:t>
+            </a:r>
+            <a:r>
+              <a:rPr lang="en-GB" altLang="en-US" sz="2000" dirty="0" err="1">
+                <a:latin typeface="Courier New" panose="02070309020205020404" pitchFamily="49" charset="0"/>
+                <a:cs typeface="Courier New" panose="02070309020205020404" pitchFamily="49" charset="0"/>
+              </a:rPr>
+              <a:t>fpath</a:t>
+            </a:r>
+            <a:r>
+              <a:rPr lang="en-GB" altLang="en-US" sz="2000" dirty="0">
+                <a:latin typeface="Courier New" panose="02070309020205020404" pitchFamily="49" charset="0"/>
+                <a:cs typeface="Courier New" panose="02070309020205020404" pitchFamily="49" charset="0"/>
+              </a:rPr>
+              <a:t>, </a:t>
+            </a:r>
+            <a:r>
+              <a:rPr lang="en-GB" altLang="en-US" sz="2000" dirty="0" err="1">
+                <a:latin typeface="Courier New" panose="02070309020205020404" pitchFamily="49" charset="0"/>
+                <a:cs typeface="Courier New" panose="02070309020205020404" pitchFamily="49" charset="0"/>
+              </a:rPr>
+              <a:t>skiprows</a:t>
+            </a:r>
+            <a:r>
+              <a:rPr lang="en-GB" altLang="en-US" sz="2000" dirty="0">
+                <a:latin typeface="Courier New" panose="02070309020205020404" pitchFamily="49" charset="0"/>
+                <a:cs typeface="Courier New" panose="02070309020205020404" pitchFamily="49" charset="0"/>
+              </a:rPr>
+              <a:t>=6, </a:t>
+            </a:r>
+            <a:r>
+              <a:rPr lang="en-GB" altLang="en-US" sz="2000" dirty="0" err="1">
+                <a:latin typeface="Courier New" panose="02070309020205020404" pitchFamily="49" charset="0"/>
+                <a:cs typeface="Courier New" panose="02070309020205020404" pitchFamily="49" charset="0"/>
+              </a:rPr>
+              <a:t>sep</a:t>
+            </a:r>
+            <a:r>
+              <a:rPr lang="en-GB" altLang="en-US" sz="2000" dirty="0">
+                <a:latin typeface="Courier New" panose="02070309020205020404" pitchFamily="49" charset="0"/>
+                <a:cs typeface="Courier New" panose="02070309020205020404" pitchFamily="49" charset="0"/>
+              </a:rPr>
+              <a:t>="\s+", 	</a:t>
+            </a:r>
+            <a:r>
+              <a:rPr lang="en-GB" altLang="en-US" sz="2000" dirty="0" err="1">
+                <a:latin typeface="Courier New" panose="02070309020205020404" pitchFamily="49" charset="0"/>
+                <a:cs typeface="Courier New" panose="02070309020205020404" pitchFamily="49" charset="0"/>
+              </a:rPr>
+              <a:t>index_col</a:t>
+            </a:r>
+            <a:r>
+              <a:rPr lang="en-GB" altLang="en-US" sz="2000" dirty="0">
+                <a:latin typeface="Courier New" panose="02070309020205020404" pitchFamily="49" charset="0"/>
+                <a:cs typeface="Courier New" panose="02070309020205020404" pitchFamily="49" charset="0"/>
+              </a:rPr>
+              <a:t>=0, </a:t>
+            </a:r>
+            <a:r>
+              <a:rPr lang="en-GB" altLang="en-US" sz="2000" dirty="0" err="1">
+                <a:latin typeface="Courier New" panose="02070309020205020404" pitchFamily="49" charset="0"/>
+                <a:cs typeface="Courier New" panose="02070309020205020404" pitchFamily="49" charset="0"/>
+              </a:rPr>
+              <a:t>na_values</a:t>
+            </a:r>
+            <a:r>
+              <a:rPr lang="en-GB" altLang="en-US" sz="2000" dirty="0">
+                <a:latin typeface="Courier New" panose="02070309020205020404" pitchFamily="49" charset="0"/>
+                <a:cs typeface="Courier New" panose="02070309020205020404" pitchFamily="49" charset="0"/>
+              </a:rPr>
+              <a:t>="---")</a:t>
+            </a:r>
+          </a:p>
+          <a:p>
+            <a:pPr eaLnBrk="1" hangingPunct="1">
+              <a:lnSpc>
+                <a:spcPct val="100000"/>
+              </a:lnSpc>
+              <a:spcBef>
+                <a:spcPct val="0"/>
+              </a:spcBef>
+              <a:buFontTx/>
+              <a:buNone/>
+              <a:defRPr/>
+            </a:pPr>
+            <a:endParaRPr lang="en-GB" altLang="en-US" sz="2000" dirty="0">
+              <a:latin typeface="Courier New" panose="02070309020205020404" pitchFamily="49" charset="0"/>
+              <a:cs typeface="Courier New" panose="02070309020205020404" pitchFamily="49" charset="0"/>
+            </a:endParaRPr>
+          </a:p>
+          <a:p>
+            <a:pPr eaLnBrk="1" hangingPunct="1">
+              <a:lnSpc>
+                <a:spcPct val="100000"/>
+              </a:lnSpc>
+              <a:spcBef>
+                <a:spcPct val="0"/>
+              </a:spcBef>
+              <a:buFontTx/>
+              <a:buNone/>
+              <a:defRPr/>
+            </a:pPr>
+            <a:r>
+              <a:rPr lang="en-GB" altLang="en-US" sz="2000" dirty="0">
+                <a:latin typeface="Courier New" panose="02070309020205020404" pitchFamily="49" charset="0"/>
+                <a:cs typeface="Courier New" panose="02070309020205020404" pitchFamily="49" charset="0"/>
+              </a:rPr>
+              <a:t># </a:t>
+            </a:r>
+            <a:r>
+              <a:rPr lang="en-GB" altLang="en-US" sz="2000" dirty="0" err="1">
+                <a:latin typeface="Courier New" panose="02070309020205020404" pitchFamily="49" charset="0"/>
+                <a:cs typeface="Courier New" panose="02070309020205020404" pitchFamily="49" charset="0"/>
+              </a:rPr>
+              <a:t>DataFrames</a:t>
+            </a:r>
+            <a:r>
+              <a:rPr lang="en-GB" altLang="en-US" sz="2000" dirty="0">
+                <a:latin typeface="Courier New" panose="02070309020205020404" pitchFamily="49" charset="0"/>
+                <a:cs typeface="Courier New" panose="02070309020205020404" pitchFamily="49" charset="0"/>
+              </a:rPr>
+              <a:t> have loads of methods</a:t>
+            </a:r>
+          </a:p>
+          <a:p>
+            <a:pPr eaLnBrk="1" hangingPunct="1">
+              <a:lnSpc>
+                <a:spcPct val="100000"/>
+              </a:lnSpc>
+              <a:spcBef>
+                <a:spcPct val="0"/>
+              </a:spcBef>
+              <a:buFontTx/>
+              <a:buNone/>
+              <a:defRPr/>
+            </a:pPr>
+            <a:r>
+              <a:rPr lang="en-GB" altLang="en-US" sz="2000" dirty="0" err="1">
+                <a:latin typeface="Courier New" panose="02070309020205020404" pitchFamily="49" charset="0"/>
+                <a:cs typeface="Courier New" panose="02070309020205020404" pitchFamily="49" charset="0"/>
+              </a:rPr>
+              <a:t>df.columns.tolist</a:t>
+            </a:r>
+            <a:r>
+              <a:rPr lang="en-GB" altLang="en-US" sz="2000" dirty="0">
+                <a:latin typeface="Courier New" panose="02070309020205020404" pitchFamily="49" charset="0"/>
+                <a:cs typeface="Courier New" panose="02070309020205020404" pitchFamily="49" charset="0"/>
+              </a:rPr>
+              <a:t>()</a:t>
+            </a:r>
+          </a:p>
+          <a:p>
+            <a:pPr eaLnBrk="1" hangingPunct="1">
+              <a:lnSpc>
+                <a:spcPct val="100000"/>
+              </a:lnSpc>
+              <a:spcBef>
+                <a:spcPct val="0"/>
+              </a:spcBef>
+              <a:buFontTx/>
+              <a:buNone/>
+              <a:defRPr/>
+            </a:pPr>
+            <a:r>
+              <a:rPr lang="en-GB" altLang="en-US" sz="2000" dirty="0">
+                <a:latin typeface="Courier New" panose="02070309020205020404" pitchFamily="49" charset="0"/>
+                <a:cs typeface="Courier New" panose="02070309020205020404" pitchFamily="49" charset="0"/>
+              </a:rPr>
+              <a:t>df.index.name</a:t>
+            </a:r>
+          </a:p>
+          <a:p>
+            <a:pPr eaLnBrk="1" hangingPunct="1">
+              <a:lnSpc>
+                <a:spcPct val="100000"/>
+              </a:lnSpc>
+              <a:spcBef>
+                <a:spcPct val="0"/>
+              </a:spcBef>
+              <a:buFontTx/>
+              <a:buNone/>
+              <a:defRPr/>
+            </a:pPr>
+            <a:r>
+              <a:rPr lang="en-GB" altLang="en-US" sz="2000" dirty="0" err="1">
+                <a:latin typeface="Courier New" panose="02070309020205020404" pitchFamily="49" charset="0"/>
+                <a:cs typeface="Courier New" panose="02070309020205020404" pitchFamily="49" charset="0"/>
+              </a:rPr>
+              <a:t>df.describe</a:t>
+            </a:r>
+            <a:r>
+              <a:rPr lang="en-GB" altLang="en-US" sz="2000" dirty="0">
+                <a:latin typeface="Courier New" panose="02070309020205020404" pitchFamily="49" charset="0"/>
+                <a:cs typeface="Courier New" panose="02070309020205020404" pitchFamily="49" charset="0"/>
+              </a:rPr>
+              <a:t>()</a:t>
+            </a:r>
+          </a:p>
+          <a:p>
+            <a:pPr eaLnBrk="1" hangingPunct="1">
+              <a:lnSpc>
+                <a:spcPct val="100000"/>
+              </a:lnSpc>
+              <a:spcBef>
+                <a:spcPct val="0"/>
+              </a:spcBef>
+              <a:buFontTx/>
+              <a:buNone/>
+              <a:defRPr/>
+            </a:pPr>
+            <a:r>
+              <a:rPr lang="en-GB" altLang="en-US" sz="2000" dirty="0">
+                <a:latin typeface="Courier New" panose="02070309020205020404" pitchFamily="49" charset="0"/>
+                <a:cs typeface="Courier New" panose="02070309020205020404" pitchFamily="49" charset="0"/>
+              </a:rPr>
+              <a:t>df.info()</a:t>
+            </a:r>
+          </a:p>
+          <a:p>
+            <a:pPr eaLnBrk="1" hangingPunct="1">
+              <a:lnSpc>
+                <a:spcPct val="100000"/>
+              </a:lnSpc>
+              <a:spcBef>
+                <a:spcPct val="0"/>
+              </a:spcBef>
+              <a:buFontTx/>
+              <a:buNone/>
+              <a:defRPr/>
+            </a:pPr>
+            <a:r>
+              <a:rPr lang="en-GB" altLang="en-US" sz="2000" dirty="0" err="1">
+                <a:latin typeface="Courier New" panose="02070309020205020404" pitchFamily="49" charset="0"/>
+                <a:cs typeface="Courier New" panose="02070309020205020404" pitchFamily="49" charset="0"/>
+              </a:rPr>
+              <a:t>df.loc</a:t>
+            </a:r>
+            <a:r>
+              <a:rPr lang="en-GB" altLang="en-US" sz="2000" dirty="0">
+                <a:latin typeface="Courier New" panose="02070309020205020404" pitchFamily="49" charset="0"/>
+                <a:cs typeface="Courier New" panose="02070309020205020404" pitchFamily="49" charset="0"/>
+              </a:rPr>
+              <a:t>[1910:1915, "WIN"]</a:t>
+            </a:r>
+          </a:p>
+          <a:p>
+            <a:pPr eaLnBrk="1" hangingPunct="1">
+              <a:lnSpc>
+                <a:spcPct val="100000"/>
+              </a:lnSpc>
+              <a:spcBef>
+                <a:spcPct val="0"/>
+              </a:spcBef>
+              <a:buFontTx/>
+              <a:buNone/>
+              <a:defRPr/>
+            </a:pPr>
+            <a:r>
+              <a:rPr lang="en-GB" altLang="en-US" sz="2000" dirty="0" err="1">
+                <a:latin typeface="Courier New" panose="02070309020205020404" pitchFamily="49" charset="0"/>
+                <a:cs typeface="Courier New" panose="02070309020205020404" pitchFamily="49" charset="0"/>
+              </a:rPr>
+              <a:t>df.MAR.plot</a:t>
+            </a:r>
+            <a:r>
+              <a:rPr lang="en-GB" altLang="en-US" sz="2000" dirty="0">
+                <a:latin typeface="Courier New" panose="02070309020205020404" pitchFamily="49" charset="0"/>
+                <a:cs typeface="Courier New" panose="02070309020205020404" pitchFamily="49" charset="0"/>
+              </a:rPr>
+              <a:t>(title="Time-series of rainfall in March", </a:t>
+            </a:r>
+          </a:p>
+          <a:p>
+            <a:pPr eaLnBrk="1" hangingPunct="1">
+              <a:lnSpc>
+                <a:spcPct val="100000"/>
+              </a:lnSpc>
+              <a:spcBef>
+                <a:spcPct val="0"/>
+              </a:spcBef>
+              <a:buFontTx/>
+              <a:buNone/>
+              <a:defRPr/>
+            </a:pPr>
+            <a:r>
+              <a:rPr lang="en-GB" altLang="en-US" sz="2000" dirty="0">
+                <a:latin typeface="Courier New" panose="02070309020205020404" pitchFamily="49" charset="0"/>
+                <a:cs typeface="Courier New" panose="02070309020205020404" pitchFamily="49" charset="0"/>
+              </a:rPr>
+              <a:t>		</a:t>
+            </a:r>
+            <a:r>
+              <a:rPr lang="en-GB" altLang="en-US" sz="2000" dirty="0" err="1">
+                <a:latin typeface="Courier New" panose="02070309020205020404" pitchFamily="49" charset="0"/>
+                <a:cs typeface="Courier New" panose="02070309020205020404" pitchFamily="49" charset="0"/>
+              </a:rPr>
+              <a:t>ylabel</a:t>
+            </a:r>
+            <a:r>
+              <a:rPr lang="en-GB" altLang="en-US" sz="2000" dirty="0">
+                <a:latin typeface="Courier New" panose="02070309020205020404" pitchFamily="49" charset="0"/>
+                <a:cs typeface="Courier New" panose="02070309020205020404" pitchFamily="49" charset="0"/>
+              </a:rPr>
+              <a:t>="Rainfall (mm)")</a:t>
+            </a:r>
+          </a:p>
+          <a:p>
+            <a:pPr eaLnBrk="1" hangingPunct="1">
+              <a:lnSpc>
+                <a:spcPct val="100000"/>
+              </a:lnSpc>
+              <a:spcBef>
+                <a:spcPct val="0"/>
+              </a:spcBef>
+              <a:buFontTx/>
+              <a:buNone/>
+              <a:defRPr/>
+            </a:pPr>
+            <a:endParaRPr lang="en-GB" altLang="en-US" sz="2000" dirty="0">
+              <a:latin typeface="Courier New" panose="02070309020205020404" pitchFamily="49" charset="0"/>
+              <a:cs typeface="Courier New" panose="02070309020205020404" pitchFamily="49" charset="0"/>
+            </a:endParaRPr>
+          </a:p>
+        </p:txBody>
+      </p:sp>
+      <p:sp>
+        <p:nvSpPr>
+          <p:cNvPr id="3" name="TextBox 2">
+            <a:extLst>
+              <a:ext uri="{FF2B5EF4-FFF2-40B4-BE49-F238E27FC236}">
+                <a16:creationId xmlns:a16="http://schemas.microsoft.com/office/drawing/2014/main" id="{FBC6312C-5316-85F6-A944-2E3334FB6439}"/>
+              </a:ext>
+            </a:extLst>
+          </p:cNvPr>
+          <p:cNvSpPr txBox="1"/>
+          <p:nvPr/>
+        </p:nvSpPr>
+        <p:spPr>
+          <a:xfrm>
+            <a:off x="-291541" y="5329706"/>
+            <a:ext cx="9226813" cy="830997"/>
+          </a:xfrm>
+          <a:prstGeom prst="rect">
+            <a:avLst/>
+          </a:prstGeom>
+          <a:noFill/>
+        </p:spPr>
+        <p:txBody>
+          <a:bodyPr wrap="square">
+            <a:spAutoFit/>
+          </a:bodyPr>
+          <a:lstStyle/>
+          <a:p>
+            <a:pPr algn="ctr"/>
+            <a:r>
+              <a:rPr lang="en-GB" sz="2400" dirty="0">
+                <a:hlinkClick r:id="rId3"/>
+              </a:rPr>
+              <a:t>https://pandas.pydata.org/pandas-docs/stable/reference/api/pandas.read_csv.html</a:t>
+            </a:r>
+            <a:r>
+              <a:rPr lang="en-GB" sz="2400" dirty="0"/>
+              <a:t> </a:t>
+            </a:r>
+          </a:p>
+        </p:txBody>
+      </p:sp>
+      <p:pic>
+        <p:nvPicPr>
+          <p:cNvPr id="5" name="Picture 4">
+            <a:extLst>
+              <a:ext uri="{FF2B5EF4-FFF2-40B4-BE49-F238E27FC236}">
+                <a16:creationId xmlns:a16="http://schemas.microsoft.com/office/drawing/2014/main" id="{BBFF8799-C545-6E46-F2D2-19D801A0BA63}"/>
+              </a:ext>
+            </a:extLst>
+          </p:cNvPr>
+          <p:cNvPicPr>
+            <a:picLocks noChangeAspect="1"/>
+          </p:cNvPicPr>
+          <p:nvPr/>
+        </p:nvPicPr>
+        <p:blipFill>
+          <a:blip r:embed="rId4"/>
+          <a:stretch>
+            <a:fillRect/>
+          </a:stretch>
+        </p:blipFill>
+        <p:spPr>
+          <a:xfrm>
+            <a:off x="7157738" y="281798"/>
+            <a:ext cx="1956865" cy="830997"/>
+          </a:xfrm>
+          <a:prstGeom prst="rect">
+            <a:avLst/>
+          </a:prstGeom>
+        </p:spPr>
+      </p:pic>
+      <p:pic>
+        <p:nvPicPr>
+          <p:cNvPr id="4" name="Picture 3">
+            <a:extLst>
+              <a:ext uri="{FF2B5EF4-FFF2-40B4-BE49-F238E27FC236}">
+                <a16:creationId xmlns:a16="http://schemas.microsoft.com/office/drawing/2014/main" id="{63FDFCD7-29A6-95B9-A838-5EF695ED612C}"/>
+              </a:ext>
+            </a:extLst>
+          </p:cNvPr>
+          <p:cNvPicPr>
+            <a:picLocks noChangeAspect="1"/>
+          </p:cNvPicPr>
+          <p:nvPr/>
+        </p:nvPicPr>
+        <p:blipFill>
+          <a:blip r:embed="rId5"/>
+          <a:stretch>
+            <a:fillRect/>
+          </a:stretch>
+        </p:blipFill>
+        <p:spPr>
+          <a:xfrm>
+            <a:off x="6366437" y="2237068"/>
+            <a:ext cx="2439675" cy="1664305"/>
+          </a:xfrm>
+          <a:prstGeom prst="rect">
+            <a:avLst/>
+          </a:prstGeom>
+        </p:spPr>
+      </p:pic>
+    </p:spTree>
+    <p:extLst>
+      <p:ext uri="{BB962C8B-B14F-4D97-AF65-F5344CB8AC3E}">
+        <p14:creationId xmlns:p14="http://schemas.microsoft.com/office/powerpoint/2010/main" val="65219557"/>
       </p:ext>
     </p:extLst>
   </p:cSld>
@@ -18531,6 +19276,9 @@
                     <p:cTn id="3" fill="hold">
                       <p:stCondLst>
                         <p:cond delay="indefinite"/>
+                        <p:cond evt="onBegin" delay="0">
+                          <p:tn val="2"/>
+                        </p:cond>
                       </p:stCondLst>
                       <p:childTnLst>
                         <p:par>
@@ -18540,7 +19288,7 @@
                             </p:stCondLst>
                             <p:childTnLst>
                               <p:par>
-                                <p:cTn id="5" presetID="1" presetClass="entr" presetSubtype="0" fill="hold" nodeType="clickEffect">
+                                <p:cTn id="5" presetID="1" presetClass="entr" presetSubtype="0" fill="hold" nodeType="withEffect">
                                   <p:stCondLst>
                                     <p:cond delay="0"/>
                                   </p:stCondLst>
@@ -18604,7 +19352,7 @@
                                         <p:tgtEl>
                                           <p:spTgt spid="21507">
                                             <p:txEl>
-                                              <p:pRg st="2" end="2"/>
+                                              <p:pRg st="1" end="1"/>
                                             </p:txEl>
                                           </p:spTgt>
                                         </p:tgtEl>
@@ -18654,1075 +19402,6 @@
                                           <p:spTgt spid="21507">
                                             <p:txEl>
                                               <p:pRg st="3" end="3"/>
-                                            </p:txEl>
-                                          </p:spTgt>
-                                        </p:tgtEl>
-                                        <p:attrNameLst>
-                                          <p:attrName>style.visibility</p:attrName>
-                                        </p:attrNameLst>
-                                      </p:cBhvr>
-                                      <p:to>
-                                        <p:strVal val="visible"/>
-                                      </p:to>
-                                    </p:set>
-                                  </p:childTnLst>
-                                </p:cTn>
-                              </p:par>
-                            </p:childTnLst>
-                          </p:cTn>
-                        </p:par>
-                      </p:childTnLst>
-                    </p:cTn>
-                  </p:par>
-                  <p:par>
-                    <p:cTn id="15" fill="hold">
-                      <p:stCondLst>
-                        <p:cond delay="indefinite"/>
-                      </p:stCondLst>
-                      <p:childTnLst>
-                        <p:par>
-                          <p:cTn id="16" fill="hold">
-                            <p:stCondLst>
-                              <p:cond delay="0"/>
-                            </p:stCondLst>
-                            <p:childTnLst>
-                              <p:par>
-                                <p:cTn id="17" presetID="1" presetClass="entr" presetSubtype="0" fill="hold" nodeType="clickEffect">
-                                  <p:stCondLst>
-                                    <p:cond delay="0"/>
-                                  </p:stCondLst>
-                                  <p:childTnLst>
-                                    <p:set>
-                                      <p:cBhvr>
-                                        <p:cTn id="18" dur="1" fill="hold">
-                                          <p:stCondLst>
-                                            <p:cond delay="0"/>
-                                          </p:stCondLst>
-                                        </p:cTn>
-                                        <p:tgtEl>
-                                          <p:spTgt spid="21507">
-                                            <p:txEl>
-                                              <p:pRg st="4" end="4"/>
-                                            </p:txEl>
-                                          </p:spTgt>
-                                        </p:tgtEl>
-                                        <p:attrNameLst>
-                                          <p:attrName>style.visibility</p:attrName>
-                                        </p:attrNameLst>
-                                      </p:cBhvr>
-                                      <p:to>
-                                        <p:strVal val="visible"/>
-                                      </p:to>
-                                    </p:set>
-                                  </p:childTnLst>
-                                </p:cTn>
-                              </p:par>
-                            </p:childTnLst>
-                          </p:cTn>
-                        </p:par>
-                      </p:childTnLst>
-                    </p:cTn>
-                  </p:par>
-                  <p:par>
-                    <p:cTn id="19" fill="hold">
-                      <p:stCondLst>
-                        <p:cond delay="indefinite"/>
-                      </p:stCondLst>
-                      <p:childTnLst>
-                        <p:par>
-                          <p:cTn id="20" fill="hold">
-                            <p:stCondLst>
-                              <p:cond delay="0"/>
-                            </p:stCondLst>
-                            <p:childTnLst>
-                              <p:par>
-                                <p:cTn id="21" presetID="1" presetClass="entr" presetSubtype="0" fill="hold" nodeType="clickEffect">
-                                  <p:stCondLst>
-                                    <p:cond delay="0"/>
-                                  </p:stCondLst>
-                                  <p:childTnLst>
-                                    <p:set>
-                                      <p:cBhvr>
-                                        <p:cTn id="22" dur="1" fill="hold">
-                                          <p:stCondLst>
-                                            <p:cond delay="0"/>
-                                          </p:stCondLst>
-                                        </p:cTn>
-                                        <p:tgtEl>
-                                          <p:spTgt spid="21507">
-                                            <p:txEl>
-                                              <p:pRg st="6" end="6"/>
-                                            </p:txEl>
-                                          </p:spTgt>
-                                        </p:tgtEl>
-                                        <p:attrNameLst>
-                                          <p:attrName>style.visibility</p:attrName>
-                                        </p:attrNameLst>
-                                      </p:cBhvr>
-                                      <p:to>
-                                        <p:strVal val="visible"/>
-                                      </p:to>
-                                    </p:set>
-                                  </p:childTnLst>
-                                </p:cTn>
-                              </p:par>
-                            </p:childTnLst>
-                          </p:cTn>
-                        </p:par>
-                      </p:childTnLst>
-                    </p:cTn>
-                  </p:par>
-                  <p:par>
-                    <p:cTn id="23" fill="hold">
-                      <p:stCondLst>
-                        <p:cond delay="indefinite"/>
-                      </p:stCondLst>
-                      <p:childTnLst>
-                        <p:par>
-                          <p:cTn id="24" fill="hold">
-                            <p:stCondLst>
-                              <p:cond delay="0"/>
-                            </p:stCondLst>
-                            <p:childTnLst>
-                              <p:par>
-                                <p:cTn id="25" presetID="1" presetClass="entr" presetSubtype="0" fill="hold" nodeType="clickEffect">
-                                  <p:stCondLst>
-                                    <p:cond delay="0"/>
-                                  </p:stCondLst>
-                                  <p:childTnLst>
-                                    <p:set>
-                                      <p:cBhvr>
-                                        <p:cTn id="26" dur="1" fill="hold">
-                                          <p:stCondLst>
-                                            <p:cond delay="0"/>
-                                          </p:stCondLst>
-                                        </p:cTn>
-                                        <p:tgtEl>
-                                          <p:spTgt spid="21507">
-                                            <p:txEl>
-                                              <p:pRg st="7" end="7"/>
-                                            </p:txEl>
-                                          </p:spTgt>
-                                        </p:tgtEl>
-                                        <p:attrNameLst>
-                                          <p:attrName>style.visibility</p:attrName>
-                                        </p:attrNameLst>
-                                      </p:cBhvr>
-                                      <p:to>
-                                        <p:strVal val="visible"/>
-                                      </p:to>
-                                    </p:set>
-                                  </p:childTnLst>
-                                </p:cTn>
-                              </p:par>
-                            </p:childTnLst>
-                          </p:cTn>
-                        </p:par>
-                      </p:childTnLst>
-                    </p:cTn>
-                  </p:par>
-                </p:childTnLst>
-              </p:cTn>
-              <p:prevCondLst>
-                <p:cond evt="onPrev" delay="0">
-                  <p:tgtEl>
-                    <p:sldTgt/>
-                  </p:tgtEl>
-                </p:cond>
-              </p:prevCondLst>
-              <p:nextCondLst>
-                <p:cond evt="onNext" delay="0">
-                  <p:tgtEl>
-                    <p:sldTgt/>
-                  </p:tgtEl>
-                </p:cond>
-              </p:nextCondLst>
-            </p:seq>
-          </p:childTnLst>
-        </p:cTn>
-      </p:par>
-    </p:tnLst>
-  </p:timing>
-</p:sld>
-</file>
-
-<file path=ppt/slides/slide25.xml><?xml version="1.0" encoding="utf-8"?>
-<p:sld xmlns:a="http://schemas.openxmlformats.org/drawingml/2006/main" xmlns:r="http://schemas.openxmlformats.org/officeDocument/2006/relationships" xmlns:p="http://schemas.openxmlformats.org/presentationml/2006/main">
-  <p:cSld>
-    <p:spTree>
-      <p:nvGrpSpPr>
-        <p:cNvPr id="1" name=""/>
-        <p:cNvGrpSpPr/>
-        <p:nvPr/>
-      </p:nvGrpSpPr>
-      <p:grpSpPr>
-        <a:xfrm>
-          <a:off x="0" y="0"/>
-          <a:ext cx="0" cy="0"/>
-          <a:chOff x="0" y="0"/>
-          <a:chExt cx="0" cy="0"/>
-        </a:xfrm>
-      </p:grpSpPr>
-      <p:sp>
-        <p:nvSpPr>
-          <p:cNvPr id="52226" name="Title 1"/>
-          <p:cNvSpPr>
-            <a:spLocks noGrp="1"/>
-          </p:cNvSpPr>
-          <p:nvPr>
-            <p:ph type="title" idx="4294967295"/>
-          </p:nvPr>
-        </p:nvSpPr>
-        <p:spPr>
-          <a:xfrm>
-            <a:off x="7171" y="160940"/>
-            <a:ext cx="8229600" cy="1143000"/>
-          </a:xfrm>
-        </p:spPr>
-        <p:txBody>
-          <a:bodyPr/>
-          <a:lstStyle/>
-          <a:p>
-            <a:pPr eaLnBrk="1" hangingPunct="1"/>
-            <a:r>
-              <a:rPr lang="en-GB" altLang="en-US" b="1" dirty="0"/>
-              <a:t>But really, use “pandas” instead!</a:t>
-            </a:r>
-          </a:p>
-        </p:txBody>
-      </p:sp>
-      <p:sp>
-        <p:nvSpPr>
-          <p:cNvPr id="21507" name="TextBox 2"/>
-          <p:cNvSpPr txBox="1">
-            <a:spLocks noChangeArrowheads="1"/>
-          </p:cNvSpPr>
-          <p:nvPr/>
-        </p:nvSpPr>
-        <p:spPr bwMode="auto">
-          <a:xfrm>
-            <a:off x="337888" y="1094068"/>
-            <a:ext cx="8713788" cy="4093428"/>
-          </a:xfrm>
-          <a:prstGeom prst="rect">
-            <a:avLst/>
-          </a:prstGeom>
-          <a:noFill/>
-          <a:ln>
-            <a:noFill/>
-          </a:ln>
-          <a:extLst>
-            <a:ext uri="{909E8E84-426E-40DD-AFC4-6F175D3DCCD1}">
-              <a14:hiddenFill xmlns:a14="http://schemas.microsoft.com/office/drawing/2010/main">
-                <a:solidFill>
-                  <a:srgbClr val="FFFFFF"/>
-                </a:solidFill>
-              </a14:hiddenFill>
-            </a:ext>
-            <a:ext uri="{91240B29-F687-4F45-9708-019B960494DF}">
-              <a14:hiddenLine xmlns:a14="http://schemas.microsoft.com/office/drawing/2010/main" w="9525">
-                <a:solidFill>
-                  <a:srgbClr val="000000"/>
-                </a:solidFill>
-                <a:miter lim="800000"/>
-                <a:headEnd/>
-                <a:tailEnd/>
-              </a14:hiddenLine>
-            </a:ext>
-          </a:extLst>
-        </p:spPr>
-        <p:txBody>
-          <a:bodyPr>
-            <a:spAutoFit/>
-          </a:bodyPr>
-          <a:lstStyle>
-            <a:lvl1pPr>
-              <a:lnSpc>
-                <a:spcPct val="90000"/>
-              </a:lnSpc>
-              <a:spcBef>
-                <a:spcPts val="1000"/>
-              </a:spcBef>
-              <a:buFont typeface="Arial" panose="020B0604020202020204" pitchFamily="34" charset="0"/>
-              <a:buChar char="•"/>
-              <a:defRPr sz="2400">
-                <a:solidFill>
-                  <a:schemeClr val="tx1"/>
-                </a:solidFill>
-                <a:latin typeface="Calibri" panose="020F0502020204030204" pitchFamily="34" charset="0"/>
-              </a:defRPr>
-            </a:lvl1pPr>
-            <a:lvl2pPr marL="742950" indent="-285750">
-              <a:lnSpc>
-                <a:spcPct val="90000"/>
-              </a:lnSpc>
-              <a:spcBef>
-                <a:spcPts val="500"/>
-              </a:spcBef>
-              <a:buFont typeface="Arial" panose="020B0604020202020204" pitchFamily="34" charset="0"/>
-              <a:buChar char="•"/>
-              <a:defRPr sz="2000">
-                <a:solidFill>
-                  <a:schemeClr val="tx1"/>
-                </a:solidFill>
-                <a:latin typeface="Calibri" panose="020F0502020204030204" pitchFamily="34" charset="0"/>
-              </a:defRPr>
-            </a:lvl2pPr>
-            <a:lvl3pPr marL="1143000" indent="-228600">
-              <a:lnSpc>
-                <a:spcPct val="90000"/>
-              </a:lnSpc>
-              <a:spcBef>
-                <a:spcPts val="500"/>
-              </a:spcBef>
-              <a:buFont typeface="Arial" panose="020B0604020202020204" pitchFamily="34" charset="0"/>
-              <a:buChar char="•"/>
-              <a:defRPr>
-                <a:solidFill>
-                  <a:schemeClr val="tx1"/>
-                </a:solidFill>
-                <a:latin typeface="Calibri" panose="020F0502020204030204" pitchFamily="34" charset="0"/>
-              </a:defRPr>
-            </a:lvl3pPr>
-            <a:lvl4pPr marL="1600200" indent="-228600">
-              <a:lnSpc>
-                <a:spcPct val="90000"/>
-              </a:lnSpc>
-              <a:spcBef>
-                <a:spcPts val="500"/>
-              </a:spcBef>
-              <a:buFont typeface="Arial" panose="020B0604020202020204" pitchFamily="34" charset="0"/>
-              <a:buChar char="•"/>
-              <a:defRPr sz="1600">
-                <a:solidFill>
-                  <a:schemeClr val="tx1"/>
-                </a:solidFill>
-                <a:latin typeface="Calibri" panose="020F0502020204030204" pitchFamily="34" charset="0"/>
-              </a:defRPr>
-            </a:lvl4pPr>
-            <a:lvl5pPr marL="2057400" indent="-228600">
-              <a:lnSpc>
-                <a:spcPct val="90000"/>
-              </a:lnSpc>
-              <a:spcBef>
-                <a:spcPts val="500"/>
-              </a:spcBef>
-              <a:buFont typeface="Arial" panose="020B0604020202020204" pitchFamily="34" charset="0"/>
-              <a:buChar char="•"/>
-              <a:defRPr sz="1600">
-                <a:solidFill>
-                  <a:schemeClr val="tx1"/>
-                </a:solidFill>
-                <a:latin typeface="Calibri" panose="020F0502020204030204" pitchFamily="34" charset="0"/>
-              </a:defRPr>
-            </a:lvl5pPr>
-            <a:lvl6pPr marL="2514600" indent="-228600" eaLnBrk="0" fontAlgn="base" hangingPunct="0">
-              <a:lnSpc>
-                <a:spcPct val="90000"/>
-              </a:lnSpc>
-              <a:spcBef>
-                <a:spcPts val="500"/>
-              </a:spcBef>
-              <a:spcAft>
-                <a:spcPct val="0"/>
-              </a:spcAft>
-              <a:buFont typeface="Arial" panose="020B0604020202020204" pitchFamily="34" charset="0"/>
-              <a:buChar char="•"/>
-              <a:defRPr sz="1600">
-                <a:solidFill>
-                  <a:schemeClr val="tx1"/>
-                </a:solidFill>
-                <a:latin typeface="Calibri" panose="020F0502020204030204" pitchFamily="34" charset="0"/>
-              </a:defRPr>
-            </a:lvl6pPr>
-            <a:lvl7pPr marL="2971800" indent="-228600" eaLnBrk="0" fontAlgn="base" hangingPunct="0">
-              <a:lnSpc>
-                <a:spcPct val="90000"/>
-              </a:lnSpc>
-              <a:spcBef>
-                <a:spcPts val="500"/>
-              </a:spcBef>
-              <a:spcAft>
-                <a:spcPct val="0"/>
-              </a:spcAft>
-              <a:buFont typeface="Arial" panose="020B0604020202020204" pitchFamily="34" charset="0"/>
-              <a:buChar char="•"/>
-              <a:defRPr sz="1600">
-                <a:solidFill>
-                  <a:schemeClr val="tx1"/>
-                </a:solidFill>
-                <a:latin typeface="Calibri" panose="020F0502020204030204" pitchFamily="34" charset="0"/>
-              </a:defRPr>
-            </a:lvl7pPr>
-            <a:lvl8pPr marL="3429000" indent="-228600" eaLnBrk="0" fontAlgn="base" hangingPunct="0">
-              <a:lnSpc>
-                <a:spcPct val="90000"/>
-              </a:lnSpc>
-              <a:spcBef>
-                <a:spcPts val="500"/>
-              </a:spcBef>
-              <a:spcAft>
-                <a:spcPct val="0"/>
-              </a:spcAft>
-              <a:buFont typeface="Arial" panose="020B0604020202020204" pitchFamily="34" charset="0"/>
-              <a:buChar char="•"/>
-              <a:defRPr sz="1600">
-                <a:solidFill>
-                  <a:schemeClr val="tx1"/>
-                </a:solidFill>
-                <a:latin typeface="Calibri" panose="020F0502020204030204" pitchFamily="34" charset="0"/>
-              </a:defRPr>
-            </a:lvl8pPr>
-            <a:lvl9pPr marL="3886200" indent="-228600" eaLnBrk="0" fontAlgn="base" hangingPunct="0">
-              <a:lnSpc>
-                <a:spcPct val="90000"/>
-              </a:lnSpc>
-              <a:spcBef>
-                <a:spcPts val="500"/>
-              </a:spcBef>
-              <a:spcAft>
-                <a:spcPct val="0"/>
-              </a:spcAft>
-              <a:buFont typeface="Arial" panose="020B0604020202020204" pitchFamily="34" charset="0"/>
-              <a:buChar char="•"/>
-              <a:defRPr sz="1600">
-                <a:solidFill>
-                  <a:schemeClr val="tx1"/>
-                </a:solidFill>
-                <a:latin typeface="Calibri" panose="020F0502020204030204" pitchFamily="34" charset="0"/>
-              </a:defRPr>
-            </a:lvl9pPr>
-          </a:lstStyle>
-          <a:p>
-            <a:pPr eaLnBrk="1" hangingPunct="1">
-              <a:lnSpc>
-                <a:spcPct val="100000"/>
-              </a:lnSpc>
-              <a:spcBef>
-                <a:spcPct val="0"/>
-              </a:spcBef>
-              <a:buFontTx/>
-              <a:buNone/>
-              <a:defRPr/>
-            </a:pPr>
-            <a:r>
-              <a:rPr lang="en-GB" altLang="en-US" sz="2000" dirty="0">
-                <a:latin typeface="Courier New" panose="02070309020205020404" pitchFamily="49" charset="0"/>
-                <a:cs typeface="Courier New" panose="02070309020205020404" pitchFamily="49" charset="0"/>
-              </a:rPr>
-              <a:t>import pandas as pd</a:t>
-            </a:r>
-          </a:p>
-          <a:p>
-            <a:pPr eaLnBrk="1" hangingPunct="1">
-              <a:lnSpc>
-                <a:spcPct val="100000"/>
-              </a:lnSpc>
-              <a:spcBef>
-                <a:spcPct val="0"/>
-              </a:spcBef>
-              <a:buFontTx/>
-              <a:buNone/>
-              <a:defRPr/>
-            </a:pPr>
-            <a:r>
-              <a:rPr lang="en-GB" altLang="en-US" sz="2000" dirty="0" err="1">
-                <a:latin typeface="Courier New" panose="02070309020205020404" pitchFamily="49" charset="0"/>
-                <a:cs typeface="Courier New" panose="02070309020205020404" pitchFamily="49" charset="0"/>
-              </a:rPr>
-              <a:t>df</a:t>
-            </a:r>
-            <a:r>
-              <a:rPr lang="en-GB" altLang="en-US" sz="2000" dirty="0">
-                <a:latin typeface="Courier New" panose="02070309020205020404" pitchFamily="49" charset="0"/>
-                <a:cs typeface="Courier New" panose="02070309020205020404" pitchFamily="49" charset="0"/>
-              </a:rPr>
-              <a:t> = </a:t>
-            </a:r>
-            <a:r>
-              <a:rPr lang="en-GB" altLang="en-US" sz="2000" dirty="0" err="1">
-                <a:latin typeface="Courier New" panose="02070309020205020404" pitchFamily="49" charset="0"/>
-                <a:cs typeface="Courier New" panose="02070309020205020404" pitchFamily="49" charset="0"/>
-              </a:rPr>
-              <a:t>pd.read_csv</a:t>
-            </a:r>
-            <a:r>
-              <a:rPr lang="en-GB" altLang="en-US" sz="2000" dirty="0">
-                <a:latin typeface="Courier New" panose="02070309020205020404" pitchFamily="49" charset="0"/>
-                <a:cs typeface="Courier New" panose="02070309020205020404" pitchFamily="49" charset="0"/>
-              </a:rPr>
-              <a:t>(</a:t>
-            </a:r>
-            <a:r>
-              <a:rPr lang="en-GB" altLang="en-US" sz="2000" dirty="0" err="1">
-                <a:latin typeface="Courier New" panose="02070309020205020404" pitchFamily="49" charset="0"/>
-                <a:cs typeface="Courier New" panose="02070309020205020404" pitchFamily="49" charset="0"/>
-              </a:rPr>
-              <a:t>fpath</a:t>
-            </a:r>
-            <a:r>
-              <a:rPr lang="en-GB" altLang="en-US" sz="2000" dirty="0">
-                <a:latin typeface="Courier New" panose="02070309020205020404" pitchFamily="49" charset="0"/>
-                <a:cs typeface="Courier New" panose="02070309020205020404" pitchFamily="49" charset="0"/>
-              </a:rPr>
-              <a:t>, </a:t>
-            </a:r>
-            <a:r>
-              <a:rPr lang="en-GB" altLang="en-US" sz="2000" dirty="0" err="1">
-                <a:latin typeface="Courier New" panose="02070309020205020404" pitchFamily="49" charset="0"/>
-                <a:cs typeface="Courier New" panose="02070309020205020404" pitchFamily="49" charset="0"/>
-              </a:rPr>
-              <a:t>skiprows</a:t>
-            </a:r>
-            <a:r>
-              <a:rPr lang="en-GB" altLang="en-US" sz="2000" dirty="0">
-                <a:latin typeface="Courier New" panose="02070309020205020404" pitchFamily="49" charset="0"/>
-                <a:cs typeface="Courier New" panose="02070309020205020404" pitchFamily="49" charset="0"/>
-              </a:rPr>
-              <a:t>=6, </a:t>
-            </a:r>
-            <a:r>
-              <a:rPr lang="en-GB" altLang="en-US" sz="2000" dirty="0" err="1">
-                <a:latin typeface="Courier New" panose="02070309020205020404" pitchFamily="49" charset="0"/>
-                <a:cs typeface="Courier New" panose="02070309020205020404" pitchFamily="49" charset="0"/>
-              </a:rPr>
-              <a:t>sep</a:t>
-            </a:r>
-            <a:r>
-              <a:rPr lang="en-GB" altLang="en-US" sz="2000" dirty="0">
-                <a:latin typeface="Courier New" panose="02070309020205020404" pitchFamily="49" charset="0"/>
-                <a:cs typeface="Courier New" panose="02070309020205020404" pitchFamily="49" charset="0"/>
-              </a:rPr>
-              <a:t>="\s+", 	</a:t>
-            </a:r>
-            <a:r>
-              <a:rPr lang="en-GB" altLang="en-US" sz="2000" dirty="0" err="1">
-                <a:latin typeface="Courier New" panose="02070309020205020404" pitchFamily="49" charset="0"/>
-                <a:cs typeface="Courier New" panose="02070309020205020404" pitchFamily="49" charset="0"/>
-              </a:rPr>
-              <a:t>index_col</a:t>
-            </a:r>
-            <a:r>
-              <a:rPr lang="en-GB" altLang="en-US" sz="2000" dirty="0">
-                <a:latin typeface="Courier New" panose="02070309020205020404" pitchFamily="49" charset="0"/>
-                <a:cs typeface="Courier New" panose="02070309020205020404" pitchFamily="49" charset="0"/>
-              </a:rPr>
-              <a:t>=0, </a:t>
-            </a:r>
-            <a:r>
-              <a:rPr lang="en-GB" altLang="en-US" sz="2000" dirty="0" err="1">
-                <a:latin typeface="Courier New" panose="02070309020205020404" pitchFamily="49" charset="0"/>
-                <a:cs typeface="Courier New" panose="02070309020205020404" pitchFamily="49" charset="0"/>
-              </a:rPr>
-              <a:t>na_values</a:t>
-            </a:r>
-            <a:r>
-              <a:rPr lang="en-GB" altLang="en-US" sz="2000" dirty="0">
-                <a:latin typeface="Courier New" panose="02070309020205020404" pitchFamily="49" charset="0"/>
-                <a:cs typeface="Courier New" panose="02070309020205020404" pitchFamily="49" charset="0"/>
-              </a:rPr>
-              <a:t>="---")</a:t>
-            </a:r>
-          </a:p>
-          <a:p>
-            <a:pPr eaLnBrk="1" hangingPunct="1">
-              <a:lnSpc>
-                <a:spcPct val="100000"/>
-              </a:lnSpc>
-              <a:spcBef>
-                <a:spcPct val="0"/>
-              </a:spcBef>
-              <a:buFontTx/>
-              <a:buNone/>
-              <a:defRPr/>
-            </a:pPr>
-            <a:endParaRPr lang="en-GB" altLang="en-US" sz="2000" dirty="0">
-              <a:latin typeface="Courier New" panose="02070309020205020404" pitchFamily="49" charset="0"/>
-              <a:cs typeface="Courier New" panose="02070309020205020404" pitchFamily="49" charset="0"/>
-            </a:endParaRPr>
-          </a:p>
-          <a:p>
-            <a:pPr eaLnBrk="1" hangingPunct="1">
-              <a:lnSpc>
-                <a:spcPct val="100000"/>
-              </a:lnSpc>
-              <a:spcBef>
-                <a:spcPct val="0"/>
-              </a:spcBef>
-              <a:buFontTx/>
-              <a:buNone/>
-              <a:defRPr/>
-            </a:pPr>
-            <a:r>
-              <a:rPr lang="en-GB" altLang="en-US" sz="2000" dirty="0">
-                <a:latin typeface="Courier New" panose="02070309020205020404" pitchFamily="49" charset="0"/>
-                <a:cs typeface="Courier New" panose="02070309020205020404" pitchFamily="49" charset="0"/>
-              </a:rPr>
-              <a:t># </a:t>
-            </a:r>
-            <a:r>
-              <a:rPr lang="en-GB" altLang="en-US" sz="2000" dirty="0" err="1">
-                <a:latin typeface="Courier New" panose="02070309020205020404" pitchFamily="49" charset="0"/>
-                <a:cs typeface="Courier New" panose="02070309020205020404" pitchFamily="49" charset="0"/>
-              </a:rPr>
-              <a:t>DataFrames</a:t>
-            </a:r>
-            <a:r>
-              <a:rPr lang="en-GB" altLang="en-US" sz="2000" dirty="0">
-                <a:latin typeface="Courier New" panose="02070309020205020404" pitchFamily="49" charset="0"/>
-                <a:cs typeface="Courier New" panose="02070309020205020404" pitchFamily="49" charset="0"/>
-              </a:rPr>
-              <a:t> have loads of methods</a:t>
-            </a:r>
-          </a:p>
-          <a:p>
-            <a:pPr eaLnBrk="1" hangingPunct="1">
-              <a:lnSpc>
-                <a:spcPct val="100000"/>
-              </a:lnSpc>
-              <a:spcBef>
-                <a:spcPct val="0"/>
-              </a:spcBef>
-              <a:buFontTx/>
-              <a:buNone/>
-              <a:defRPr/>
-            </a:pPr>
-            <a:r>
-              <a:rPr lang="en-GB" altLang="en-US" sz="2000" dirty="0" err="1">
-                <a:latin typeface="Courier New" panose="02070309020205020404" pitchFamily="49" charset="0"/>
-                <a:cs typeface="Courier New" panose="02070309020205020404" pitchFamily="49" charset="0"/>
-              </a:rPr>
-              <a:t>df.columns.tolist</a:t>
-            </a:r>
-            <a:r>
-              <a:rPr lang="en-GB" altLang="en-US" sz="2000" dirty="0">
-                <a:latin typeface="Courier New" panose="02070309020205020404" pitchFamily="49" charset="0"/>
-                <a:cs typeface="Courier New" panose="02070309020205020404" pitchFamily="49" charset="0"/>
-              </a:rPr>
-              <a:t>()</a:t>
-            </a:r>
-          </a:p>
-          <a:p>
-            <a:pPr eaLnBrk="1" hangingPunct="1">
-              <a:lnSpc>
-                <a:spcPct val="100000"/>
-              </a:lnSpc>
-              <a:spcBef>
-                <a:spcPct val="0"/>
-              </a:spcBef>
-              <a:buFontTx/>
-              <a:buNone/>
-              <a:defRPr/>
-            </a:pPr>
-            <a:r>
-              <a:rPr lang="en-GB" altLang="en-US" sz="2000" dirty="0">
-                <a:latin typeface="Courier New" panose="02070309020205020404" pitchFamily="49" charset="0"/>
-                <a:cs typeface="Courier New" panose="02070309020205020404" pitchFamily="49" charset="0"/>
-              </a:rPr>
-              <a:t>df.index.name</a:t>
-            </a:r>
-          </a:p>
-          <a:p>
-            <a:pPr eaLnBrk="1" hangingPunct="1">
-              <a:lnSpc>
-                <a:spcPct val="100000"/>
-              </a:lnSpc>
-              <a:spcBef>
-                <a:spcPct val="0"/>
-              </a:spcBef>
-              <a:buFontTx/>
-              <a:buNone/>
-              <a:defRPr/>
-            </a:pPr>
-            <a:r>
-              <a:rPr lang="en-GB" altLang="en-US" sz="2000" dirty="0" err="1">
-                <a:latin typeface="Courier New" panose="02070309020205020404" pitchFamily="49" charset="0"/>
-                <a:cs typeface="Courier New" panose="02070309020205020404" pitchFamily="49" charset="0"/>
-              </a:rPr>
-              <a:t>df.describe</a:t>
-            </a:r>
-            <a:r>
-              <a:rPr lang="en-GB" altLang="en-US" sz="2000" dirty="0">
-                <a:latin typeface="Courier New" panose="02070309020205020404" pitchFamily="49" charset="0"/>
-                <a:cs typeface="Courier New" panose="02070309020205020404" pitchFamily="49" charset="0"/>
-              </a:rPr>
-              <a:t>()</a:t>
-            </a:r>
-          </a:p>
-          <a:p>
-            <a:pPr eaLnBrk="1" hangingPunct="1">
-              <a:lnSpc>
-                <a:spcPct val="100000"/>
-              </a:lnSpc>
-              <a:spcBef>
-                <a:spcPct val="0"/>
-              </a:spcBef>
-              <a:buFontTx/>
-              <a:buNone/>
-              <a:defRPr/>
-            </a:pPr>
-            <a:r>
-              <a:rPr lang="en-GB" altLang="en-US" sz="2000" dirty="0">
-                <a:latin typeface="Courier New" panose="02070309020205020404" pitchFamily="49" charset="0"/>
-                <a:cs typeface="Courier New" panose="02070309020205020404" pitchFamily="49" charset="0"/>
-              </a:rPr>
-              <a:t>df.info()</a:t>
-            </a:r>
-          </a:p>
-          <a:p>
-            <a:pPr eaLnBrk="1" hangingPunct="1">
-              <a:lnSpc>
-                <a:spcPct val="100000"/>
-              </a:lnSpc>
-              <a:spcBef>
-                <a:spcPct val="0"/>
-              </a:spcBef>
-              <a:buFontTx/>
-              <a:buNone/>
-              <a:defRPr/>
-            </a:pPr>
-            <a:r>
-              <a:rPr lang="en-GB" altLang="en-US" sz="2000" dirty="0" err="1">
-                <a:latin typeface="Courier New" panose="02070309020205020404" pitchFamily="49" charset="0"/>
-                <a:cs typeface="Courier New" panose="02070309020205020404" pitchFamily="49" charset="0"/>
-              </a:rPr>
-              <a:t>df.loc</a:t>
-            </a:r>
-            <a:r>
-              <a:rPr lang="en-GB" altLang="en-US" sz="2000" dirty="0">
-                <a:latin typeface="Courier New" panose="02070309020205020404" pitchFamily="49" charset="0"/>
-                <a:cs typeface="Courier New" panose="02070309020205020404" pitchFamily="49" charset="0"/>
-              </a:rPr>
-              <a:t>[1918, "WIN"]</a:t>
-            </a:r>
-          </a:p>
-          <a:p>
-            <a:pPr eaLnBrk="1" hangingPunct="1">
-              <a:lnSpc>
-                <a:spcPct val="100000"/>
-              </a:lnSpc>
-              <a:spcBef>
-                <a:spcPct val="0"/>
-              </a:spcBef>
-              <a:buFontTx/>
-              <a:buNone/>
-              <a:defRPr/>
-            </a:pPr>
-            <a:r>
-              <a:rPr lang="en-GB" altLang="en-US" sz="2000" dirty="0" err="1">
-                <a:latin typeface="Courier New" panose="02070309020205020404" pitchFamily="49" charset="0"/>
-                <a:cs typeface="Courier New" panose="02070309020205020404" pitchFamily="49" charset="0"/>
-              </a:rPr>
-              <a:t>df.MAR.plot</a:t>
-            </a:r>
-            <a:r>
-              <a:rPr lang="en-GB" altLang="en-US" sz="2000" dirty="0">
-                <a:latin typeface="Courier New" panose="02070309020205020404" pitchFamily="49" charset="0"/>
-                <a:cs typeface="Courier New" panose="02070309020205020404" pitchFamily="49" charset="0"/>
-              </a:rPr>
-              <a:t>(title="Time-series of rainfall in March", </a:t>
-            </a:r>
-          </a:p>
-          <a:p>
-            <a:pPr eaLnBrk="1" hangingPunct="1">
-              <a:lnSpc>
-                <a:spcPct val="100000"/>
-              </a:lnSpc>
-              <a:spcBef>
-                <a:spcPct val="0"/>
-              </a:spcBef>
-              <a:buFontTx/>
-              <a:buNone/>
-              <a:defRPr/>
-            </a:pPr>
-            <a:r>
-              <a:rPr lang="en-GB" altLang="en-US" sz="2000" dirty="0">
-                <a:latin typeface="Courier New" panose="02070309020205020404" pitchFamily="49" charset="0"/>
-                <a:cs typeface="Courier New" panose="02070309020205020404" pitchFamily="49" charset="0"/>
-              </a:rPr>
-              <a:t>		</a:t>
-            </a:r>
-            <a:r>
-              <a:rPr lang="en-GB" altLang="en-US" sz="2000" dirty="0" err="1">
-                <a:latin typeface="Courier New" panose="02070309020205020404" pitchFamily="49" charset="0"/>
-                <a:cs typeface="Courier New" panose="02070309020205020404" pitchFamily="49" charset="0"/>
-              </a:rPr>
-              <a:t>ylabel</a:t>
-            </a:r>
-            <a:r>
-              <a:rPr lang="en-GB" altLang="en-US" sz="2000" dirty="0">
-                <a:latin typeface="Courier New" panose="02070309020205020404" pitchFamily="49" charset="0"/>
-                <a:cs typeface="Courier New" panose="02070309020205020404" pitchFamily="49" charset="0"/>
-              </a:rPr>
-              <a:t>="Rainfall (mm)")</a:t>
-            </a:r>
-          </a:p>
-          <a:p>
-            <a:pPr eaLnBrk="1" hangingPunct="1">
-              <a:lnSpc>
-                <a:spcPct val="100000"/>
-              </a:lnSpc>
-              <a:spcBef>
-                <a:spcPct val="0"/>
-              </a:spcBef>
-              <a:buFontTx/>
-              <a:buNone/>
-              <a:defRPr/>
-            </a:pPr>
-            <a:endParaRPr lang="en-GB" altLang="en-US" sz="2000" dirty="0">
-              <a:latin typeface="Courier New" panose="02070309020205020404" pitchFamily="49" charset="0"/>
-              <a:cs typeface="Courier New" panose="02070309020205020404" pitchFamily="49" charset="0"/>
-            </a:endParaRPr>
-          </a:p>
-        </p:txBody>
-      </p:sp>
-      <p:sp>
-        <p:nvSpPr>
-          <p:cNvPr id="3" name="TextBox 2">
-            <a:extLst>
-              <a:ext uri="{FF2B5EF4-FFF2-40B4-BE49-F238E27FC236}">
-                <a16:creationId xmlns:a16="http://schemas.microsoft.com/office/drawing/2014/main" id="{FBC6312C-5316-85F6-A944-2E3334FB6439}"/>
-              </a:ext>
-            </a:extLst>
-          </p:cNvPr>
-          <p:cNvSpPr txBox="1"/>
-          <p:nvPr/>
-        </p:nvSpPr>
-        <p:spPr>
-          <a:xfrm>
-            <a:off x="-291541" y="5329706"/>
-            <a:ext cx="9226813" cy="830997"/>
-          </a:xfrm>
-          <a:prstGeom prst="rect">
-            <a:avLst/>
-          </a:prstGeom>
-          <a:noFill/>
-        </p:spPr>
-        <p:txBody>
-          <a:bodyPr wrap="square">
-            <a:spAutoFit/>
-          </a:bodyPr>
-          <a:lstStyle/>
-          <a:p>
-            <a:pPr algn="ctr"/>
-            <a:r>
-              <a:rPr lang="en-GB" sz="2400" dirty="0">
-                <a:hlinkClick r:id="rId3"/>
-              </a:rPr>
-              <a:t>https://pandas.pydata.org/pandas-docs/stable/reference/api/pandas.read_csv.html</a:t>
-            </a:r>
-            <a:r>
-              <a:rPr lang="en-GB" sz="2400" dirty="0"/>
-              <a:t> </a:t>
-            </a:r>
-          </a:p>
-        </p:txBody>
-      </p:sp>
-      <p:pic>
-        <p:nvPicPr>
-          <p:cNvPr id="5" name="Picture 4">
-            <a:extLst>
-              <a:ext uri="{FF2B5EF4-FFF2-40B4-BE49-F238E27FC236}">
-                <a16:creationId xmlns:a16="http://schemas.microsoft.com/office/drawing/2014/main" id="{BBFF8799-C545-6E46-F2D2-19D801A0BA63}"/>
-              </a:ext>
-            </a:extLst>
-          </p:cNvPr>
-          <p:cNvPicPr>
-            <a:picLocks noChangeAspect="1"/>
-          </p:cNvPicPr>
-          <p:nvPr/>
-        </p:nvPicPr>
-        <p:blipFill>
-          <a:blip r:embed="rId4"/>
-          <a:stretch>
-            <a:fillRect/>
-          </a:stretch>
-        </p:blipFill>
-        <p:spPr>
-          <a:xfrm>
-            <a:off x="7163087" y="711728"/>
-            <a:ext cx="1956865" cy="830997"/>
-          </a:xfrm>
-          <a:prstGeom prst="rect">
-            <a:avLst/>
-          </a:prstGeom>
-        </p:spPr>
-      </p:pic>
-      <p:pic>
-        <p:nvPicPr>
-          <p:cNvPr id="4" name="Picture 3">
-            <a:extLst>
-              <a:ext uri="{FF2B5EF4-FFF2-40B4-BE49-F238E27FC236}">
-                <a16:creationId xmlns:a16="http://schemas.microsoft.com/office/drawing/2014/main" id="{63FDFCD7-29A6-95B9-A838-5EF695ED612C}"/>
-              </a:ext>
-            </a:extLst>
-          </p:cNvPr>
-          <p:cNvPicPr>
-            <a:picLocks noChangeAspect="1"/>
-          </p:cNvPicPr>
-          <p:nvPr/>
-        </p:nvPicPr>
-        <p:blipFill>
-          <a:blip r:embed="rId5"/>
-          <a:stretch>
-            <a:fillRect/>
-          </a:stretch>
-        </p:blipFill>
-        <p:spPr>
-          <a:xfrm>
-            <a:off x="6366437" y="2237068"/>
-            <a:ext cx="2439675" cy="1664305"/>
-          </a:xfrm>
-          <a:prstGeom prst="rect">
-            <a:avLst/>
-          </a:prstGeom>
-        </p:spPr>
-      </p:pic>
-    </p:spTree>
-    <p:extLst>
-      <p:ext uri="{BB962C8B-B14F-4D97-AF65-F5344CB8AC3E}">
-        <p14:creationId xmlns:p14="http://schemas.microsoft.com/office/powerpoint/2010/main" val="65219557"/>
-      </p:ext>
-    </p:extLst>
-  </p:cSld>
-  <p:clrMapOvr>
-    <a:masterClrMapping/>
-  </p:clrMapOvr>
-  <p:timing>
-    <p:tnLst>
-      <p:par>
-        <p:cTn id="1" dur="indefinite" restart="never" nodeType="tmRoot">
-          <p:childTnLst>
-            <p:seq concurrent="1" nextAc="seek">
-              <p:cTn id="2" dur="indefinite" nodeType="mainSeq">
-                <p:childTnLst>
-                  <p:par>
-                    <p:cTn id="3" fill="hold">
-                      <p:stCondLst>
-                        <p:cond delay="indefinite"/>
-                      </p:stCondLst>
-                      <p:childTnLst>
-                        <p:par>
-                          <p:cTn id="4" fill="hold">
-                            <p:stCondLst>
-                              <p:cond delay="0"/>
-                            </p:stCondLst>
-                            <p:childTnLst>
-                              <p:par>
-                                <p:cTn id="5" presetID="1" presetClass="entr" presetSubtype="0" fill="hold" nodeType="clickEffect">
-                                  <p:stCondLst>
-                                    <p:cond delay="0"/>
-                                  </p:stCondLst>
-                                  <p:childTnLst>
-                                    <p:set>
-                                      <p:cBhvr>
-                                        <p:cTn id="6" dur="1" fill="hold">
-                                          <p:stCondLst>
-                                            <p:cond delay="0"/>
-                                          </p:stCondLst>
-                                        </p:cTn>
-                                        <p:tgtEl>
-                                          <p:spTgt spid="21507">
-                                            <p:txEl>
-                                              <p:pRg st="1" end="1"/>
-                                            </p:txEl>
-                                          </p:spTgt>
-                                        </p:tgtEl>
-                                        <p:attrNameLst>
-                                          <p:attrName>style.visibility</p:attrName>
-                                        </p:attrNameLst>
-                                      </p:cBhvr>
-                                      <p:to>
-                                        <p:strVal val="visible"/>
-                                      </p:to>
-                                    </p:set>
-                                  </p:childTnLst>
-                                </p:cTn>
-                              </p:par>
-                            </p:childTnLst>
-                          </p:cTn>
-                        </p:par>
-                      </p:childTnLst>
-                    </p:cTn>
-                  </p:par>
-                  <p:par>
-                    <p:cTn id="7" fill="hold">
-                      <p:stCondLst>
-                        <p:cond delay="indefinite"/>
-                      </p:stCondLst>
-                      <p:childTnLst>
-                        <p:par>
-                          <p:cTn id="8" fill="hold">
-                            <p:stCondLst>
-                              <p:cond delay="0"/>
-                            </p:stCondLst>
-                            <p:childTnLst>
-                              <p:par>
-                                <p:cTn id="9" presetID="1" presetClass="entr" presetSubtype="0" fill="hold" nodeType="clickEffect">
-                                  <p:stCondLst>
-                                    <p:cond delay="0"/>
-                                  </p:stCondLst>
-                                  <p:childTnLst>
-                                    <p:set>
-                                      <p:cBhvr>
-                                        <p:cTn id="10" dur="1" fill="hold">
-                                          <p:stCondLst>
-                                            <p:cond delay="0"/>
-                                          </p:stCondLst>
-                                        </p:cTn>
-                                        <p:tgtEl>
-                                          <p:spTgt spid="21507">
-                                            <p:txEl>
-                                              <p:pRg st="3" end="3"/>
-                                            </p:txEl>
-                                          </p:spTgt>
-                                        </p:tgtEl>
-                                        <p:attrNameLst>
-                                          <p:attrName>style.visibility</p:attrName>
-                                        </p:attrNameLst>
-                                      </p:cBhvr>
-                                      <p:to>
-                                        <p:strVal val="visible"/>
-                                      </p:to>
-                                    </p:set>
-                                  </p:childTnLst>
-                                </p:cTn>
-                              </p:par>
-                            </p:childTnLst>
-                          </p:cTn>
-                        </p:par>
-                      </p:childTnLst>
-                    </p:cTn>
-                  </p:par>
-                  <p:par>
-                    <p:cTn id="11" fill="hold">
-                      <p:stCondLst>
-                        <p:cond delay="indefinite"/>
-                      </p:stCondLst>
-                      <p:childTnLst>
-                        <p:par>
-                          <p:cTn id="12" fill="hold">
-                            <p:stCondLst>
-                              <p:cond delay="0"/>
-                            </p:stCondLst>
-                            <p:childTnLst>
-                              <p:par>
-                                <p:cTn id="13" presetID="1" presetClass="entr" presetSubtype="0" fill="hold" nodeType="clickEffect">
-                                  <p:stCondLst>
-                                    <p:cond delay="0"/>
-                                  </p:stCondLst>
-                                  <p:childTnLst>
-                                    <p:set>
-                                      <p:cBhvr>
-                                        <p:cTn id="14" dur="1" fill="hold">
-                                          <p:stCondLst>
-                                            <p:cond delay="0"/>
-                                          </p:stCondLst>
-                                        </p:cTn>
-                                        <p:tgtEl>
-                                          <p:spTgt spid="21507">
-                                            <p:txEl>
-                                              <p:pRg st="0" end="0"/>
                                             </p:txEl>
                                           </p:spTgt>
                                         </p:tgtEl>
@@ -20086,6 +19765,96 @@
                       </p:childTnLst>
                     </p:cTn>
                   </p:par>
+                  <p:par>
+                    <p:cTn id="43" fill="hold">
+                      <p:stCondLst>
+                        <p:cond delay="indefinite"/>
+                      </p:stCondLst>
+                      <p:childTnLst>
+                        <p:par>
+                          <p:cTn id="44" fill="hold">
+                            <p:stCondLst>
+                              <p:cond delay="0"/>
+                            </p:stCondLst>
+                            <p:childTnLst>
+                              <p:par>
+                                <p:cTn id="45" presetID="1" presetClass="entr" presetSubtype="0" fill="hold" nodeType="clickEffect">
+                                  <p:stCondLst>
+                                    <p:cond delay="0"/>
+                                  </p:stCondLst>
+                                  <p:childTnLst>
+                                    <p:set>
+                                      <p:cBhvr>
+                                        <p:cTn id="46" dur="1" fill="hold">
+                                          <p:stCondLst>
+                                            <p:cond delay="0"/>
+                                          </p:stCondLst>
+                                        </p:cTn>
+                                        <p:tgtEl>
+                                          <p:spTgt spid="4"/>
+                                        </p:tgtEl>
+                                        <p:attrNameLst>
+                                          <p:attrName>style.visibility</p:attrName>
+                                        </p:attrNameLst>
+                                      </p:cBhvr>
+                                      <p:to>
+                                        <p:strVal val="visible"/>
+                                      </p:to>
+                                    </p:set>
+                                  </p:childTnLst>
+                                </p:cTn>
+                              </p:par>
+                            </p:childTnLst>
+                          </p:cTn>
+                        </p:par>
+                      </p:childTnLst>
+                    </p:cTn>
+                  </p:par>
+                  <p:par>
+                    <p:cTn id="47" fill="hold">
+                      <p:stCondLst>
+                        <p:cond delay="indefinite"/>
+                      </p:stCondLst>
+                      <p:childTnLst>
+                        <p:par>
+                          <p:cTn id="48" fill="hold">
+                            <p:stCondLst>
+                              <p:cond delay="0"/>
+                            </p:stCondLst>
+                            <p:childTnLst>
+                              <p:par>
+                                <p:cTn id="49" presetID="1" presetClass="entr" presetSubtype="0" fill="hold" grpId="0" nodeType="clickEffect">
+                                  <p:stCondLst>
+                                    <p:cond delay="0"/>
+                                  </p:stCondLst>
+                                  <p:childTnLst>
+                                    <p:set>
+                                      <p:cBhvr>
+                                        <p:cTn id="50" dur="1" fill="hold">
+                                          <p:stCondLst>
+                                            <p:cond delay="0"/>
+                                          </p:stCondLst>
+                                        </p:cTn>
+                                        <p:tgtEl>
+                                          <p:spTgt spid="3"/>
+                                        </p:tgtEl>
+                                        <p:attrNameLst>
+                                          <p:attrName>style.visibility</p:attrName>
+                                        </p:attrNameLst>
+                                      </p:cBhvr>
+                                      <p:to>
+                                        <p:strVal val="visible"/>
+                                      </p:to>
+                                    </p:set>
+                                  </p:childTnLst>
+                                </p:cTn>
+                              </p:par>
+                            </p:childTnLst>
+                          </p:cTn>
+                        </p:par>
+                      </p:childTnLst>
+                    </p:cTn>
+                  </p:par>
                 </p:childTnLst>
               </p:cTn>
               <p:prevCondLst>
@@ -20107,6 +19876,9 @@
         </p:cTn>
       </p:par>
     </p:tnLst>
+    <p:bldLst>
+      <p:bldP spid="3" grpId="0"/>
+    </p:bldLst>
   </p:timing>
 </p:sld>
 </file>
